--- a/Cortex_Performance_Engine_Stakeholder_Presentation.pptx
+++ b/Cortex_Performance_Engine_Stakeholder_Presentation.pptx
@@ -723,7 +723,7 @@
           <a:lstStyle/>
           <a:p>
             <a:r>
-              <a:t>This slide provides a simplified visual flow of the architecture, making it easy for both technical and non-technical stakeholders to understand the process from user input to final notification.</a:t>
+              <a:t>This detailed diagram shows the two separate applications and how they interact. The Cortex Engine (left) is the testing tool, and the E-Commerce App (right) is the target being tested. All interactions are orchestrated and serverless.</a:t>
             </a:r>
           </a:p>
         </p:txBody>
@@ -4013,7 +4013,11 @@
                       </a:r>
                     </a:p>
                   </a:txBody>
-                  <a:tcPr/>
+                  <a:tcPr>
+                    <a:solidFill>
+                      <a:srgbClr val="F2F2F2"/>
+                    </a:solidFill>
+                  </a:tcPr>
                 </a:tc>
                 <a:tc>
                   <a:txBody>
@@ -4032,7 +4036,11 @@
                       </a:r>
                     </a:p>
                   </a:txBody>
-                  <a:tcPr/>
+                  <a:tcPr>
+                    <a:solidFill>
+                      <a:srgbClr val="F2F2F2"/>
+                    </a:solidFill>
+                  </a:tcPr>
                 </a:tc>
                 <a:tc>
                   <a:txBody>
@@ -4051,7 +4059,11 @@
                       </a:r>
                     </a:p>
                   </a:txBody>
-                  <a:tcPr/>
+                  <a:tcPr>
+                    <a:solidFill>
+                      <a:srgbClr val="F2F2F2"/>
+                    </a:solidFill>
+                  </a:tcPr>
                 </a:tc>
                 <a:tc>
                   <a:txBody>
@@ -4070,7 +4082,11 @@
                       </a:r>
                     </a:p>
                   </a:txBody>
-                  <a:tcPr/>
+                  <a:tcPr>
+                    <a:solidFill>
+                      <a:srgbClr val="F2F2F2"/>
+                    </a:solidFill>
+                  </a:tcPr>
                 </a:tc>
               </a:tr>
               <a:tr h="685800">
@@ -5102,7 +5118,11 @@
                       </a:r>
                     </a:p>
                   </a:txBody>
-                  <a:tcPr/>
+                  <a:tcPr>
+                    <a:solidFill>
+                      <a:srgbClr val="F2F2F2"/>
+                    </a:solidFill>
+                  </a:tcPr>
                 </a:tc>
                 <a:tc>
                   <a:txBody>
@@ -5121,7 +5141,11 @@
                       </a:r>
                     </a:p>
                   </a:txBody>
-                  <a:tcPr/>
+                  <a:tcPr>
+                    <a:solidFill>
+                      <a:srgbClr val="F2F2F2"/>
+                    </a:solidFill>
+                  </a:tcPr>
                 </a:tc>
                 <a:tc>
                   <a:txBody>
@@ -5140,7 +5164,11 @@
                       </a:r>
                     </a:p>
                   </a:txBody>
-                  <a:tcPr/>
+                  <a:tcPr>
+                    <a:solidFill>
+                      <a:srgbClr val="F2F2F2"/>
+                    </a:solidFill>
+                  </a:tcPr>
                 </a:tc>
               </a:tr>
               <a:tr h="548640">
@@ -5564,21 +5592,251 @@
               </a:defRPr>
             </a:pPr>
             <a:r>
-              <a:t>Architecture Diagram: How It Works</a:t>
-            </a:r>
-          </a:p>
-        </p:txBody>
-      </p:sp>
-      <p:sp>
-        <p:nvSpPr>
-          <p:cNvPr id="3" name="TextBox 2"/>
+              <a:t>Detailed Architecture: Cortex Engine &amp; Target Application</a:t>
+            </a:r>
+          </a:p>
+        </p:txBody>
+      </p:sp>
+      <p:sp>
+        <p:nvSpPr>
+          <p:cNvPr id="3" name="Rectangle 2"/>
+          <p:cNvSpPr/>
+          <p:nvPr/>
+        </p:nvSpPr>
+        <p:spPr>
+          <a:xfrm>
+            <a:off x="457200" y="1371600"/>
+            <a:ext cx="13716000" cy="1371600"/>
+          </a:xfrm>
+          <a:prstGeom prst="rect">
+            <a:avLst/>
+          </a:prstGeom>
+          <a:solidFill>
+            <a:srgbClr val="F2F2F2"/>
+          </a:solidFill>
+        </p:spPr>
+        <p:style>
+          <a:lnRef idx="1">
+            <a:schemeClr val="accent1"/>
+          </a:lnRef>
+          <a:fillRef idx="3">
+            <a:schemeClr val="accent1"/>
+          </a:fillRef>
+          <a:effectRef idx="2">
+            <a:schemeClr val="accent1"/>
+          </a:effectRef>
+          <a:fontRef idx="minor">
+            <a:schemeClr val="lt1"/>
+          </a:fontRef>
+        </p:style>
+        <p:txBody>
+          <a:bodyPr rtlCol="0" anchor="ctr"/>
+          <a:lstStyle/>
+          <a:p>
+            <a:pPr algn="ctr">
+              <a:defRPr sz="1200" b="1"/>
+            </a:pPr>
+            <a:r>
+              <a:t>User &amp; CI/CD</a:t>
+            </a:r>
+          </a:p>
+        </p:txBody>
+      </p:sp>
+      <p:sp>
+        <p:nvSpPr>
+          <p:cNvPr id="4" name="Rectangle 3"/>
+          <p:cNvSpPr/>
+          <p:nvPr/>
+        </p:nvSpPr>
+        <p:spPr>
+          <a:xfrm>
+            <a:off x="457200" y="2971800"/>
+            <a:ext cx="6400800" cy="4114800"/>
+          </a:xfrm>
+          <a:prstGeom prst="rect">
+            <a:avLst/>
+          </a:prstGeom>
+          <a:solidFill>
+            <a:srgbClr val="F2F2F2"/>
+          </a:solidFill>
+        </p:spPr>
+        <p:style>
+          <a:lnRef idx="1">
+            <a:schemeClr val="accent1"/>
+          </a:lnRef>
+          <a:fillRef idx="3">
+            <a:schemeClr val="accent1"/>
+          </a:fillRef>
+          <a:effectRef idx="2">
+            <a:schemeClr val="accent1"/>
+          </a:effectRef>
+          <a:fontRef idx="minor">
+            <a:schemeClr val="lt1"/>
+          </a:fontRef>
+        </p:style>
+        <p:txBody>
+          <a:bodyPr rtlCol="0" anchor="ctr"/>
+          <a:lstStyle/>
+          <a:p>
+            <a:pPr algn="ctr">
+              <a:defRPr sz="1200" b="1"/>
+            </a:pPr>
+            <a:r>
+              <a:t>Cortex Performance Engine</a:t>
+            </a:r>
+          </a:p>
+        </p:txBody>
+      </p:sp>
+      <p:sp>
+        <p:nvSpPr>
+          <p:cNvPr id="5" name="Rectangle 4"/>
+          <p:cNvSpPr/>
+          <p:nvPr/>
+        </p:nvSpPr>
+        <p:spPr>
+          <a:xfrm>
+            <a:off x="7772400" y="2971800"/>
+            <a:ext cx="6400800" cy="4114800"/>
+          </a:xfrm>
+          <a:prstGeom prst="rect">
+            <a:avLst/>
+          </a:prstGeom>
+          <a:solidFill>
+            <a:srgbClr val="F2F2F2"/>
+          </a:solidFill>
+        </p:spPr>
+        <p:style>
+          <a:lnRef idx="1">
+            <a:schemeClr val="accent1"/>
+          </a:lnRef>
+          <a:fillRef idx="3">
+            <a:schemeClr val="accent1"/>
+          </a:fillRef>
+          <a:effectRef idx="2">
+            <a:schemeClr val="accent1"/>
+          </a:effectRef>
+          <a:fontRef idx="minor">
+            <a:schemeClr val="lt1"/>
+          </a:fontRef>
+        </p:style>
+        <p:txBody>
+          <a:bodyPr rtlCol="0" anchor="ctr"/>
+          <a:lstStyle/>
+          <a:p>
+            <a:pPr algn="ctr">
+              <a:defRPr sz="1200" b="1"/>
+            </a:pPr>
+            <a:r>
+              <a:t>Target Application: E-Commerce Web App</a:t>
+            </a:r>
+          </a:p>
+        </p:txBody>
+      </p:sp>
+      <p:sp>
+        <p:nvSpPr>
+          <p:cNvPr id="6" name="Rectangle 5"/>
+          <p:cNvSpPr/>
+          <p:nvPr/>
+        </p:nvSpPr>
+        <p:spPr>
+          <a:xfrm>
+            <a:off x="914400" y="1828800"/>
+            <a:ext cx="914400" cy="685800"/>
+          </a:xfrm>
+          <a:prstGeom prst="rect">
+            <a:avLst/>
+          </a:prstGeom>
+          <a:solidFill>
+            <a:srgbClr val="DCE6F2"/>
+          </a:solidFill>
+        </p:spPr>
+        <p:style>
+          <a:lnRef idx="1">
+            <a:schemeClr val="accent1"/>
+          </a:lnRef>
+          <a:fillRef idx="3">
+            <a:schemeClr val="accent1"/>
+          </a:fillRef>
+          <a:effectRef idx="2">
+            <a:schemeClr val="accent1"/>
+          </a:effectRef>
+          <a:fontRef idx="minor">
+            <a:schemeClr val="lt1"/>
+          </a:fontRef>
+        </p:style>
+        <p:txBody>
+          <a:bodyPr rtlCol="0" anchor="ctr"/>
+          <a:lstStyle/>
+          <a:p>
+            <a:pPr algn="ctr">
+              <a:defRPr sz="1400" b="1"/>
+            </a:pPr>
+            <a:r>
+              <a:t>User</a:t>
+            </a:r>
+          </a:p>
+        </p:txBody>
+      </p:sp>
+      <p:sp>
+        <p:nvSpPr>
+          <p:cNvPr id="7" name="Rectangle 6"/>
+          <p:cNvSpPr/>
+          <p:nvPr/>
+        </p:nvSpPr>
+        <p:spPr>
+          <a:xfrm>
+            <a:off x="11887200" y="1828800"/>
+            <a:ext cx="1828800" cy="685800"/>
+          </a:xfrm>
+          <a:prstGeom prst="rect">
+            <a:avLst/>
+          </a:prstGeom>
+          <a:solidFill>
+            <a:srgbClr val="DCE6F2"/>
+          </a:solidFill>
+        </p:spPr>
+        <p:style>
+          <a:lnRef idx="1">
+            <a:schemeClr val="accent1"/>
+          </a:lnRef>
+          <a:fillRef idx="3">
+            <a:schemeClr val="accent1"/>
+          </a:fillRef>
+          <a:effectRef idx="2">
+            <a:schemeClr val="accent1"/>
+          </a:effectRef>
+          <a:fontRef idx="minor">
+            <a:schemeClr val="lt1"/>
+          </a:fontRef>
+        </p:style>
+        <p:txBody>
+          <a:bodyPr rtlCol="0" anchor="ctr"/>
+          <a:lstStyle/>
+          <a:p>
+            <a:pPr algn="ctr">
+              <a:defRPr sz="1400" b="1"/>
+            </a:pPr>
+            <a:r>
+              <a:t>GitHub Actions</a:t>
+            </a:r>
+          </a:p>
+          <a:p>
+            <a:r>
+              <a:t>(CI/CD Pipeline)</a:t>
+            </a:r>
+          </a:p>
+        </p:txBody>
+      </p:sp>
+      <p:sp>
+        <p:nvSpPr>
+          <p:cNvPr id="8" name="TextBox 7"/>
           <p:cNvSpPr txBox="1"/>
           <p:nvPr/>
         </p:nvSpPr>
         <p:spPr>
           <a:xfrm>
-            <a:off x="457200" y="2743200"/>
-            <a:ext cx="1371600" cy="914400"/>
+            <a:off x="2011680" y="1965960"/>
+            <a:ext cx="1828800" cy="457200"/>
           </a:xfrm>
           <a:prstGeom prst="rect">
             <a:avLst/>
@@ -5591,29 +5849,125 @@
           </a:bodyPr>
           <a:lstStyle/>
           <a:p>
+            <a:pPr>
+              <a:defRPr sz="1100" i="1"/>
+            </a:pPr>
+            <a:r>
+              <a:t>1. User initiates test</a:t>
+            </a:r>
+          </a:p>
+        </p:txBody>
+      </p:sp>
+      <p:sp>
+        <p:nvSpPr>
+          <p:cNvPr id="9" name="Rectangle 8"/>
+          <p:cNvSpPr/>
+          <p:nvPr/>
+        </p:nvSpPr>
+        <p:spPr>
+          <a:xfrm>
+            <a:off x="3657600" y="1828800"/>
+            <a:ext cx="1371600" cy="685800"/>
+          </a:xfrm>
+          <a:prstGeom prst="rect">
+            <a:avLst/>
+          </a:prstGeom>
+          <a:solidFill>
+            <a:srgbClr val="DCE6F2"/>
+          </a:solidFill>
+        </p:spPr>
+        <p:style>
+          <a:lnRef idx="1">
+            <a:schemeClr val="accent1"/>
+          </a:lnRef>
+          <a:fillRef idx="3">
+            <a:schemeClr val="accent1"/>
+          </a:fillRef>
+          <a:effectRef idx="2">
+            <a:schemeClr val="accent1"/>
+          </a:effectRef>
+          <a:fontRef idx="minor">
+            <a:schemeClr val="lt1"/>
+          </a:fontRef>
+        </p:style>
+        <p:txBody>
+          <a:bodyPr rtlCol="0" anchor="ctr"/>
+          <a:lstStyle/>
+          <a:p>
             <a:pPr algn="ctr">
-              <a:defRPr sz="1400" b="1">
-                <a:solidFill>
-                  <a:srgbClr val="0052A5"/>
-                </a:solidFill>
-              </a:defRPr>
-            </a:pPr>
-            <a:r>
-              <a:t>User</a:t>
-            </a:r>
-          </a:p>
-        </p:txBody>
-      </p:sp>
-      <p:sp>
-        <p:nvSpPr>
-          <p:cNvPr id="4" name="TextBox 3"/>
+              <a:defRPr sz="1400" b="1"/>
+            </a:pPr>
+            <a:r>
+              <a:t>AWS Lex</a:t>
+            </a:r>
+          </a:p>
+          <a:p>
+            <a:r>
+              <a:t>(Chatbot)</a:t>
+            </a:r>
+          </a:p>
+        </p:txBody>
+      </p:sp>
+      <p:sp>
+        <p:nvSpPr>
+          <p:cNvPr id="10" name="Rectangle 9"/>
+          <p:cNvSpPr/>
+          <p:nvPr/>
+        </p:nvSpPr>
+        <p:spPr>
+          <a:xfrm>
+            <a:off x="914400" y="3657600"/>
+            <a:ext cx="2286000" cy="914400"/>
+          </a:xfrm>
+          <a:prstGeom prst="rect">
+            <a:avLst/>
+          </a:prstGeom>
+          <a:solidFill>
+            <a:srgbClr val="DCE6F2"/>
+          </a:solidFill>
+        </p:spPr>
+        <p:style>
+          <a:lnRef idx="1">
+            <a:schemeClr val="accent1"/>
+          </a:lnRef>
+          <a:fillRef idx="3">
+            <a:schemeClr val="accent1"/>
+          </a:fillRef>
+          <a:effectRef idx="2">
+            <a:schemeClr val="accent1"/>
+          </a:effectRef>
+          <a:fontRef idx="minor">
+            <a:schemeClr val="lt1"/>
+          </a:fontRef>
+        </p:style>
+        <p:txBody>
+          <a:bodyPr rtlCol="0" anchor="ctr"/>
+          <a:lstStyle/>
+          <a:p>
+            <a:pPr algn="ctr">
+              <a:defRPr sz="1400" b="1"/>
+            </a:pPr>
+            <a:r>
+              <a:t>AWS Step Functions</a:t>
+            </a:r>
+          </a:p>
+          <a:p>
+            <a:r>
+              <a:t>(Orchestrator)</a:t>
+            </a:r>
+          </a:p>
+        </p:txBody>
+      </p:sp>
+      <p:sp>
+        <p:nvSpPr>
+          <p:cNvPr id="11" name="TextBox 10"/>
           <p:cNvSpPr txBox="1"/>
           <p:nvPr/>
         </p:nvSpPr>
         <p:spPr>
           <a:xfrm>
-            <a:off x="1828800" y="2971800"/>
-            <a:ext cx="457200" cy="457200"/>
+            <a:off x="1828800" y="4800600"/>
+            <a:ext cx="1828800" cy="457200"/>
           </a:xfrm>
           <a:prstGeom prst="rect">
             <a:avLst/>
@@ -5626,29 +5980,560 @@
           </a:bodyPr>
           <a:lstStyle/>
           <a:p>
+            <a:pPr>
+              <a:defRPr sz="1100" i="1"/>
+            </a:pPr>
+            <a:r>
+              <a:t>2. Orchestrates Agents</a:t>
+            </a:r>
+          </a:p>
+        </p:txBody>
+      </p:sp>
+      <p:sp>
+        <p:nvSpPr>
+          <p:cNvPr id="12" name="Rectangle 11"/>
+          <p:cNvSpPr/>
+          <p:nvPr/>
+        </p:nvSpPr>
+        <p:spPr>
+          <a:xfrm>
+            <a:off x="3657600" y="3429000"/>
+            <a:ext cx="2743200" cy="685800"/>
+          </a:xfrm>
+          <a:prstGeom prst="rect">
+            <a:avLst/>
+          </a:prstGeom>
+          <a:solidFill>
+            <a:srgbClr val="DCE6F2"/>
+          </a:solidFill>
+        </p:spPr>
+        <p:style>
+          <a:lnRef idx="1">
+            <a:schemeClr val="accent1"/>
+          </a:lnRef>
+          <a:fillRef idx="3">
+            <a:schemeClr val="accent1"/>
+          </a:fillRef>
+          <a:effectRef idx="2">
+            <a:schemeClr val="accent1"/>
+          </a:effectRef>
+          <a:fontRef idx="minor">
+            <a:schemeClr val="lt1"/>
+          </a:fontRef>
+        </p:style>
+        <p:txBody>
+          <a:bodyPr rtlCol="0" anchor="ctr"/>
+          <a:lstStyle/>
+          <a:p>
             <a:pPr algn="ctr">
-              <a:defRPr sz="1400" b="1">
-                <a:solidFill>
-                  <a:srgbClr val="0052A5"/>
-                </a:solidFill>
-              </a:defRPr>
-            </a:pPr>
-            <a:r>
-              <a:t>-&gt;</a:t>
-            </a:r>
-          </a:p>
-        </p:txBody>
-      </p:sp>
-      <p:sp>
-        <p:nvSpPr>
-          <p:cNvPr id="5" name="TextBox 4"/>
+              <a:defRPr sz="1400" b="1"/>
+            </a:pPr>
+            <a:r>
+              <a:t>Agent: Log Analyzer</a:t>
+            </a:r>
+          </a:p>
+          <a:p>
+            <a:r>
+              <a:t>(Lambda)</a:t>
+            </a:r>
+          </a:p>
+        </p:txBody>
+      </p:sp>
+      <p:sp>
+        <p:nvSpPr>
+          <p:cNvPr id="13" name="Rectangle 12"/>
+          <p:cNvSpPr/>
+          <p:nvPr/>
+        </p:nvSpPr>
+        <p:spPr>
+          <a:xfrm>
+            <a:off x="3657600" y="4114800"/>
+            <a:ext cx="2743200" cy="685800"/>
+          </a:xfrm>
+          <a:prstGeom prst="rect">
+            <a:avLst/>
+          </a:prstGeom>
+          <a:solidFill>
+            <a:srgbClr val="DCE6F2"/>
+          </a:solidFill>
+        </p:spPr>
+        <p:style>
+          <a:lnRef idx="1">
+            <a:schemeClr val="accent1"/>
+          </a:lnRef>
+          <a:fillRef idx="3">
+            <a:schemeClr val="accent1"/>
+          </a:fillRef>
+          <a:effectRef idx="2">
+            <a:schemeClr val="accent1"/>
+          </a:effectRef>
+          <a:fontRef idx="minor">
+            <a:schemeClr val="lt1"/>
+          </a:fontRef>
+        </p:style>
+        <p:txBody>
+          <a:bodyPr rtlCol="0" anchor="ctr"/>
+          <a:lstStyle/>
+          <a:p>
+            <a:pPr algn="ctr">
+              <a:defRPr sz="1400" b="1"/>
+            </a:pPr>
+            <a:r>
+              <a:t>Agent: Script Generator</a:t>
+            </a:r>
+          </a:p>
+          <a:p>
+            <a:r>
+              <a:t>(Bedrock)</a:t>
+            </a:r>
+          </a:p>
+        </p:txBody>
+      </p:sp>
+      <p:sp>
+        <p:nvSpPr>
+          <p:cNvPr id="14" name="Rectangle 13"/>
+          <p:cNvSpPr/>
+          <p:nvPr/>
+        </p:nvSpPr>
+        <p:spPr>
+          <a:xfrm>
+            <a:off x="3657600" y="4800600"/>
+            <a:ext cx="2743200" cy="685800"/>
+          </a:xfrm>
+          <a:prstGeom prst="rect">
+            <a:avLst/>
+          </a:prstGeom>
+          <a:solidFill>
+            <a:srgbClr val="DCE6F2"/>
+          </a:solidFill>
+        </p:spPr>
+        <p:style>
+          <a:lnRef idx="1">
+            <a:schemeClr val="accent1"/>
+          </a:lnRef>
+          <a:fillRef idx="3">
+            <a:schemeClr val="accent1"/>
+          </a:fillRef>
+          <a:effectRef idx="2">
+            <a:schemeClr val="accent1"/>
+          </a:effectRef>
+          <a:fontRef idx="minor">
+            <a:schemeClr val="lt1"/>
+          </a:fontRef>
+        </p:style>
+        <p:txBody>
+          <a:bodyPr rtlCol="0" anchor="ctr"/>
+          <a:lstStyle/>
+          <a:p>
+            <a:pPr algn="ctr">
+              <a:defRPr sz="1400" b="1"/>
+            </a:pPr>
+            <a:r>
+              <a:t>Agent: Test Executor</a:t>
+            </a:r>
+          </a:p>
+          <a:p>
+            <a:r>
+              <a:t>(Fargate Spot + JMeter)</a:t>
+            </a:r>
+          </a:p>
+        </p:txBody>
+      </p:sp>
+      <p:sp>
+        <p:nvSpPr>
+          <p:cNvPr id="15" name="Rectangle 14"/>
+          <p:cNvSpPr/>
+          <p:nvPr/>
+        </p:nvSpPr>
+        <p:spPr>
+          <a:xfrm>
+            <a:off x="3657600" y="5486400"/>
+            <a:ext cx="2743200" cy="685800"/>
+          </a:xfrm>
+          <a:prstGeom prst="rect">
+            <a:avLst/>
+          </a:prstGeom>
+          <a:solidFill>
+            <a:srgbClr val="DCE6F2"/>
+          </a:solidFill>
+        </p:spPr>
+        <p:style>
+          <a:lnRef idx="1">
+            <a:schemeClr val="accent1"/>
+          </a:lnRef>
+          <a:fillRef idx="3">
+            <a:schemeClr val="accent1"/>
+          </a:fillRef>
+          <a:effectRef idx="2">
+            <a:schemeClr val="accent1"/>
+          </a:effectRef>
+          <a:fontRef idx="minor">
+            <a:schemeClr val="lt1"/>
+          </a:fontRef>
+        </p:style>
+        <p:txBody>
+          <a:bodyPr rtlCol="0" anchor="ctr"/>
+          <a:lstStyle/>
+          <a:p>
+            <a:pPr algn="ctr">
+              <a:defRPr sz="1400" b="1"/>
+            </a:pPr>
+            <a:r>
+              <a:t>Agent: Report Synthesizer</a:t>
+            </a:r>
+          </a:p>
+          <a:p>
+            <a:r>
+              <a:t>(Bedrock)</a:t>
+            </a:r>
+          </a:p>
+        </p:txBody>
+      </p:sp>
+      <p:sp>
+        <p:nvSpPr>
+          <p:cNvPr id="16" name="Rectangle 15"/>
+          <p:cNvSpPr/>
+          <p:nvPr/>
+        </p:nvSpPr>
+        <p:spPr>
+          <a:xfrm>
+            <a:off x="3657600" y="6172200"/>
+            <a:ext cx="2743200" cy="685800"/>
+          </a:xfrm>
+          <a:prstGeom prst="rect">
+            <a:avLst/>
+          </a:prstGeom>
+          <a:solidFill>
+            <a:srgbClr val="DCE6F2"/>
+          </a:solidFill>
+        </p:spPr>
+        <p:style>
+          <a:lnRef idx="1">
+            <a:schemeClr val="accent1"/>
+          </a:lnRef>
+          <a:fillRef idx="3">
+            <a:schemeClr val="accent1"/>
+          </a:fillRef>
+          <a:effectRef idx="2">
+            <a:schemeClr val="accent1"/>
+          </a:effectRef>
+          <a:fontRef idx="minor">
+            <a:schemeClr val="lt1"/>
+          </a:fontRef>
+        </p:style>
+        <p:txBody>
+          <a:bodyPr rtlCol="0" anchor="ctr"/>
+          <a:lstStyle/>
+          <a:p>
+            <a:pPr algn="ctr">
+              <a:defRPr sz="1400" b="1"/>
+            </a:pPr>
+            <a:r>
+              <a:t>Agent: Chaos Injector</a:t>
+            </a:r>
+          </a:p>
+          <a:p>
+            <a:r>
+              <a:t>(SSM)</a:t>
+            </a:r>
+          </a:p>
+        </p:txBody>
+      </p:sp>
+      <p:sp>
+        <p:nvSpPr>
+          <p:cNvPr id="17" name="Rectangle 16"/>
+          <p:cNvSpPr/>
+          <p:nvPr/>
+        </p:nvSpPr>
+        <p:spPr>
+          <a:xfrm>
+            <a:off x="8229600" y="3657600"/>
+            <a:ext cx="1828800" cy="685800"/>
+          </a:xfrm>
+          <a:prstGeom prst="rect">
+            <a:avLst/>
+          </a:prstGeom>
+          <a:solidFill>
+            <a:srgbClr val="DCE6F2"/>
+          </a:solidFill>
+        </p:spPr>
+        <p:style>
+          <a:lnRef idx="1">
+            <a:schemeClr val="accent1"/>
+          </a:lnRef>
+          <a:fillRef idx="3">
+            <a:schemeClr val="accent1"/>
+          </a:fillRef>
+          <a:effectRef idx="2">
+            <a:schemeClr val="accent1"/>
+          </a:effectRef>
+          <a:fontRef idx="minor">
+            <a:schemeClr val="lt1"/>
+          </a:fontRef>
+        </p:style>
+        <p:txBody>
+          <a:bodyPr rtlCol="0" anchor="ctr"/>
+          <a:lstStyle/>
+          <a:p>
+            <a:pPr algn="ctr">
+              <a:defRPr sz="1400" b="1"/>
+            </a:pPr>
+            <a:r>
+              <a:t>CloudFront</a:t>
+            </a:r>
+          </a:p>
+        </p:txBody>
+      </p:sp>
+      <p:sp>
+        <p:nvSpPr>
+          <p:cNvPr id="18" name="Rectangle 17"/>
+          <p:cNvSpPr/>
+          <p:nvPr/>
+        </p:nvSpPr>
+        <p:spPr>
+          <a:xfrm>
+            <a:off x="10972800" y="3657600"/>
+            <a:ext cx="2743200" cy="685800"/>
+          </a:xfrm>
+          <a:prstGeom prst="rect">
+            <a:avLst/>
+          </a:prstGeom>
+          <a:solidFill>
+            <a:srgbClr val="DCE6F2"/>
+          </a:solidFill>
+        </p:spPr>
+        <p:style>
+          <a:lnRef idx="1">
+            <a:schemeClr val="accent1"/>
+          </a:lnRef>
+          <a:fillRef idx="3">
+            <a:schemeClr val="accent1"/>
+          </a:fillRef>
+          <a:effectRef idx="2">
+            <a:schemeClr val="accent1"/>
+          </a:effectRef>
+          <a:fontRef idx="minor">
+            <a:schemeClr val="lt1"/>
+          </a:fontRef>
+        </p:style>
+        <p:txBody>
+          <a:bodyPr rtlCol="0" anchor="ctr"/>
+          <a:lstStyle/>
+          <a:p>
+            <a:pPr algn="ctr">
+              <a:defRPr sz="1400" b="1"/>
+            </a:pPr>
+            <a:r>
+              <a:t>S3 Bucket</a:t>
+            </a:r>
+          </a:p>
+          <a:p>
+            <a:r>
+              <a:t>(React Frontend)</a:t>
+            </a:r>
+          </a:p>
+        </p:txBody>
+      </p:sp>
+      <p:sp>
+        <p:nvSpPr>
+          <p:cNvPr id="19" name="Rectangle 18"/>
+          <p:cNvSpPr/>
+          <p:nvPr/>
+        </p:nvSpPr>
+        <p:spPr>
+          <a:xfrm>
+            <a:off x="8229600" y="5029200"/>
+            <a:ext cx="1828800" cy="685800"/>
+          </a:xfrm>
+          <a:prstGeom prst="rect">
+            <a:avLst/>
+          </a:prstGeom>
+          <a:solidFill>
+            <a:srgbClr val="DCE6F2"/>
+          </a:solidFill>
+        </p:spPr>
+        <p:style>
+          <a:lnRef idx="1">
+            <a:schemeClr val="accent1"/>
+          </a:lnRef>
+          <a:fillRef idx="3">
+            <a:schemeClr val="accent1"/>
+          </a:fillRef>
+          <a:effectRef idx="2">
+            <a:schemeClr val="accent1"/>
+          </a:effectRef>
+          <a:fontRef idx="minor">
+            <a:schemeClr val="lt1"/>
+          </a:fontRef>
+        </p:style>
+        <p:txBody>
+          <a:bodyPr rtlCol="0" anchor="ctr"/>
+          <a:lstStyle/>
+          <a:p>
+            <a:pPr algn="ctr">
+              <a:defRPr sz="1400" b="1"/>
+            </a:pPr>
+            <a:r>
+              <a:t>API Gateway</a:t>
+            </a:r>
+          </a:p>
+        </p:txBody>
+      </p:sp>
+      <p:sp>
+        <p:nvSpPr>
+          <p:cNvPr id="20" name="Rectangle 19"/>
+          <p:cNvSpPr/>
+          <p:nvPr/>
+        </p:nvSpPr>
+        <p:spPr>
+          <a:xfrm>
+            <a:off x="10972800" y="5029200"/>
+            <a:ext cx="2743200" cy="685800"/>
+          </a:xfrm>
+          <a:prstGeom prst="rect">
+            <a:avLst/>
+          </a:prstGeom>
+          <a:solidFill>
+            <a:srgbClr val="DCE6F2"/>
+          </a:solidFill>
+        </p:spPr>
+        <p:style>
+          <a:lnRef idx="1">
+            <a:schemeClr val="accent1"/>
+          </a:lnRef>
+          <a:fillRef idx="3">
+            <a:schemeClr val="accent1"/>
+          </a:fillRef>
+          <a:effectRef idx="2">
+            <a:schemeClr val="accent1"/>
+          </a:effectRef>
+          <a:fontRef idx="minor">
+            <a:schemeClr val="lt1"/>
+          </a:fontRef>
+        </p:style>
+        <p:txBody>
+          <a:bodyPr rtlCol="0" anchor="ctr"/>
+          <a:lstStyle/>
+          <a:p>
+            <a:pPr algn="ctr">
+              <a:defRPr sz="1400" b="1"/>
+            </a:pPr>
+            <a:r>
+              <a:t>Lambda</a:t>
+            </a:r>
+          </a:p>
+          <a:p>
+            <a:r>
+              <a:t>(FastAPI Backend)</a:t>
+            </a:r>
+          </a:p>
+        </p:txBody>
+      </p:sp>
+      <p:sp>
+        <p:nvSpPr>
+          <p:cNvPr id="21" name="Rectangle 20"/>
+          <p:cNvSpPr/>
+          <p:nvPr/>
+        </p:nvSpPr>
+        <p:spPr>
+          <a:xfrm>
+            <a:off x="10972800" y="5943600"/>
+            <a:ext cx="2743200" cy="685800"/>
+          </a:xfrm>
+          <a:prstGeom prst="rect">
+            <a:avLst/>
+          </a:prstGeom>
+          <a:solidFill>
+            <a:srgbClr val="DCE6F2"/>
+          </a:solidFill>
+        </p:spPr>
+        <p:style>
+          <a:lnRef idx="1">
+            <a:schemeClr val="accent1"/>
+          </a:lnRef>
+          <a:fillRef idx="3">
+            <a:schemeClr val="accent1"/>
+          </a:fillRef>
+          <a:effectRef idx="2">
+            <a:schemeClr val="accent1"/>
+          </a:effectRef>
+          <a:fontRef idx="minor">
+            <a:schemeClr val="lt1"/>
+          </a:fontRef>
+        </p:style>
+        <p:txBody>
+          <a:bodyPr rtlCol="0" anchor="ctr"/>
+          <a:lstStyle/>
+          <a:p>
+            <a:pPr algn="ctr">
+              <a:defRPr sz="1400" b="1"/>
+            </a:pPr>
+            <a:r>
+              <a:t>CloudWatch Logs</a:t>
+            </a:r>
+          </a:p>
+        </p:txBody>
+      </p:sp>
+      <p:sp>
+        <p:nvSpPr>
+          <p:cNvPr id="22" name="Rectangle 21"/>
+          <p:cNvSpPr/>
+          <p:nvPr/>
+        </p:nvSpPr>
+        <p:spPr>
+          <a:xfrm>
+            <a:off x="4572000" y="7315200"/>
+            <a:ext cx="5486400" cy="685800"/>
+          </a:xfrm>
+          <a:prstGeom prst="rect">
+            <a:avLst/>
+          </a:prstGeom>
+          <a:solidFill>
+            <a:srgbClr val="DCE6F2"/>
+          </a:solidFill>
+        </p:spPr>
+        <p:style>
+          <a:lnRef idx="1">
+            <a:schemeClr val="accent1"/>
+          </a:lnRef>
+          <a:fillRef idx="3">
+            <a:schemeClr val="accent1"/>
+          </a:fillRef>
+          <a:effectRef idx="2">
+            <a:schemeClr val="accent1"/>
+          </a:effectRef>
+          <a:fontRef idx="minor">
+            <a:schemeClr val="lt1"/>
+          </a:fontRef>
+        </p:style>
+        <p:txBody>
+          <a:bodyPr rtlCol="0" anchor="ctr"/>
+          <a:lstStyle/>
+          <a:p>
+            <a:pPr algn="ctr">
+              <a:defRPr sz="1400" b="1"/>
+            </a:pPr>
+            <a:r>
+              <a:t>S3 Artifacts Bucket</a:t>
+            </a:r>
+          </a:p>
+          <a:p>
+            <a:r>
+              <a:t>(Logs, Scripts, Reports)</a:t>
+            </a:r>
+          </a:p>
+        </p:txBody>
+      </p:sp>
+      <p:sp>
+        <p:nvSpPr>
+          <p:cNvPr id="23" name="TextBox 22"/>
           <p:cNvSpPr txBox="1"/>
           <p:nvPr/>
         </p:nvSpPr>
         <p:spPr>
           <a:xfrm>
-            <a:off x="2286000" y="2743200"/>
-            <a:ext cx="1828800" cy="914400"/>
+            <a:off x="6583680" y="4937760"/>
+            <a:ext cx="1828800" cy="457200"/>
           </a:xfrm>
           <a:prstGeom prst="rect">
             <a:avLst/>
@@ -5661,33 +6546,25 @@
           </a:bodyPr>
           <a:lstStyle/>
           <a:p>
-            <a:pPr algn="ctr">
-              <a:defRPr sz="1400" b="1">
-                <a:solidFill>
-                  <a:srgbClr val="0052A5"/>
-                </a:solidFill>
-              </a:defRPr>
-            </a:pPr>
-            <a:r>
-              <a:t>AWS Lex</a:t>
-            </a:r>
-            <a:br/>
-            <a:r>
-              <a:t>(Chatbot Interface)</a:t>
-            </a:r>
-          </a:p>
-        </p:txBody>
-      </p:sp>
-      <p:sp>
-        <p:nvSpPr>
-          <p:cNvPr id="6" name="TextBox 5"/>
+            <a:pPr>
+              <a:defRPr sz="1100" i="1"/>
+            </a:pPr>
+            <a:r>
+              <a:t>3. Applies Load / Injects Fault</a:t>
+            </a:r>
+          </a:p>
+        </p:txBody>
+      </p:sp>
+      <p:sp>
+        <p:nvSpPr>
+          <p:cNvPr id="24" name="TextBox 23"/>
           <p:cNvSpPr txBox="1"/>
           <p:nvPr/>
         </p:nvSpPr>
         <p:spPr>
           <a:xfrm>
-            <a:off x="4114800" y="2971800"/>
-            <a:ext cx="457200" cy="457200"/>
+            <a:off x="7955279" y="6080760"/>
+            <a:ext cx="1828800" cy="457200"/>
           </a:xfrm>
           <a:prstGeom prst="rect">
             <a:avLst/>
@@ -5700,341 +6577,18 @@
           </a:bodyPr>
           <a:lstStyle/>
           <a:p>
-            <a:pPr algn="ctr">
-              <a:defRPr sz="1400" b="1">
-                <a:solidFill>
-                  <a:srgbClr val="0052A5"/>
-                </a:solidFill>
-              </a:defRPr>
-            </a:pPr>
-            <a:r>
-              <a:t>-&gt;</a:t>
-            </a:r>
-          </a:p>
-        </p:txBody>
-      </p:sp>
-      <p:sp>
-        <p:nvSpPr>
-          <p:cNvPr id="7" name="TextBox 6"/>
-          <p:cNvSpPr txBox="1"/>
-          <p:nvPr/>
-        </p:nvSpPr>
-        <p:spPr>
-          <a:xfrm>
-            <a:off x="4572000" y="1828800"/>
-            <a:ext cx="2743200" cy="2743200"/>
-          </a:xfrm>
-          <a:prstGeom prst="rect">
-            <a:avLst/>
-          </a:prstGeom>
-          <a:noFill/>
-        </p:spPr>
-        <p:txBody>
-          <a:bodyPr wrap="none">
-            <a:spAutoFit/>
-          </a:bodyPr>
-          <a:lstStyle/>
-          <a:p>
-            <a:pPr algn="ctr">
-              <a:defRPr sz="1400" b="1">
-                <a:solidFill>
-                  <a:srgbClr val="0052A5"/>
-                </a:solidFill>
-              </a:defRPr>
-            </a:pPr>
-            <a:r>
-              <a:t>AWS Step Functions</a:t>
-            </a:r>
-            <a:br/>
-            <a:r>
-              <a:t>(Orchestrator)</a:t>
-            </a:r>
-          </a:p>
-        </p:txBody>
-      </p:sp>
-      <p:sp>
-        <p:nvSpPr>
-          <p:cNvPr id="8" name="TextBox 7"/>
-          <p:cNvSpPr txBox="1"/>
-          <p:nvPr/>
-        </p:nvSpPr>
-        <p:spPr>
-          <a:xfrm>
-            <a:off x="7315200" y="2971800"/>
-            <a:ext cx="457200" cy="457200"/>
-          </a:xfrm>
-          <a:prstGeom prst="rect">
-            <a:avLst/>
-          </a:prstGeom>
-          <a:noFill/>
-        </p:spPr>
-        <p:txBody>
-          <a:bodyPr wrap="none">
-            <a:spAutoFit/>
-          </a:bodyPr>
-          <a:lstStyle/>
-          <a:p>
-            <a:pPr algn="ctr">
-              <a:defRPr sz="1400" b="1">
-                <a:solidFill>
-                  <a:srgbClr val="0052A5"/>
-                </a:solidFill>
-              </a:defRPr>
-            </a:pPr>
-            <a:r>
-              <a:t>-&gt;</a:t>
-            </a:r>
-          </a:p>
-        </p:txBody>
-      </p:sp>
-      <p:sp>
-        <p:nvSpPr>
-          <p:cNvPr id="9" name="TextBox 8"/>
-          <p:cNvSpPr txBox="1"/>
-          <p:nvPr/>
-        </p:nvSpPr>
-        <p:spPr>
-          <a:xfrm>
-            <a:off x="7772400" y="1371600"/>
-            <a:ext cx="3657600" cy="3657600"/>
-          </a:xfrm>
-          <a:prstGeom prst="rect">
-            <a:avLst/>
-          </a:prstGeom>
-          <a:noFill/>
-        </p:spPr>
-        <p:txBody>
-          <a:bodyPr wrap="none">
-            <a:spAutoFit/>
-          </a:bodyPr>
-          <a:lstStyle/>
-          <a:p>
-            <a:pPr algn="ctr">
-              <a:defRPr sz="1400" b="1"/>
-            </a:pPr>
-            <a:r>
-              <a:t>Agentic Core</a:t>
-            </a:r>
-          </a:p>
-        </p:txBody>
-      </p:sp>
-      <p:sp>
-        <p:nvSpPr>
-          <p:cNvPr id="10" name="TextBox 9"/>
-          <p:cNvSpPr txBox="1"/>
-          <p:nvPr/>
-        </p:nvSpPr>
-        <p:spPr>
-          <a:xfrm>
-            <a:off x="8229600" y="1828800"/>
-            <a:ext cx="2743200" cy="685800"/>
-          </a:xfrm>
-          <a:prstGeom prst="rect">
-            <a:avLst/>
-          </a:prstGeom>
-          <a:noFill/>
-        </p:spPr>
-        <p:txBody>
-          <a:bodyPr wrap="none">
-            <a:spAutoFit/>
-          </a:bodyPr>
-          <a:lstStyle/>
-          <a:p>
-            <a:pPr algn="ctr">
-              <a:defRPr sz="1400" b="1">
-                <a:solidFill>
-                  <a:srgbClr val="0052A5"/>
-                </a:solidFill>
-              </a:defRPr>
-            </a:pPr>
-            <a:r>
-              <a:t>Log Analyzer (Lambda)</a:t>
-            </a:r>
-          </a:p>
-        </p:txBody>
-      </p:sp>
-      <p:sp>
-        <p:nvSpPr>
-          <p:cNvPr id="11" name="TextBox 10"/>
-          <p:cNvSpPr txBox="1"/>
-          <p:nvPr/>
-        </p:nvSpPr>
-        <p:spPr>
-          <a:xfrm>
-            <a:off x="8229600" y="2514600"/>
-            <a:ext cx="2743200" cy="685800"/>
-          </a:xfrm>
-          <a:prstGeom prst="rect">
-            <a:avLst/>
-          </a:prstGeom>
-          <a:noFill/>
-        </p:spPr>
-        <p:txBody>
-          <a:bodyPr wrap="none">
-            <a:spAutoFit/>
-          </a:bodyPr>
-          <a:lstStyle/>
-          <a:p>
-            <a:pPr algn="ctr">
-              <a:defRPr sz="1400" b="1">
-                <a:solidFill>
-                  <a:srgbClr val="0052A5"/>
-                </a:solidFill>
-              </a:defRPr>
-            </a:pPr>
-            <a:r>
-              <a:t>Script Generator (Bedrock)</a:t>
-            </a:r>
-          </a:p>
-        </p:txBody>
-      </p:sp>
-      <p:sp>
-        <p:nvSpPr>
-          <p:cNvPr id="12" name="TextBox 11"/>
-          <p:cNvSpPr txBox="1"/>
-          <p:nvPr/>
-        </p:nvSpPr>
-        <p:spPr>
-          <a:xfrm>
-            <a:off x="8229600" y="3200400"/>
-            <a:ext cx="2743200" cy="685800"/>
-          </a:xfrm>
-          <a:prstGeom prst="rect">
-            <a:avLst/>
-          </a:prstGeom>
-          <a:noFill/>
-        </p:spPr>
-        <p:txBody>
-          <a:bodyPr wrap="none">
-            <a:spAutoFit/>
-          </a:bodyPr>
-          <a:lstStyle/>
-          <a:p>
-            <a:pPr algn="ctr">
-              <a:defRPr sz="1400" b="1">
-                <a:solidFill>
-                  <a:srgbClr val="0052A5"/>
-                </a:solidFill>
-              </a:defRPr>
-            </a:pPr>
-            <a:r>
-              <a:t>Test Executor (Fargate Spot)</a:t>
-            </a:r>
-          </a:p>
-        </p:txBody>
-      </p:sp>
-      <p:sp>
-        <p:nvSpPr>
-          <p:cNvPr id="13" name="TextBox 12"/>
-          <p:cNvSpPr txBox="1"/>
-          <p:nvPr/>
-        </p:nvSpPr>
-        <p:spPr>
-          <a:xfrm>
-            <a:off x="8229600" y="3886200"/>
-            <a:ext cx="2743200" cy="685800"/>
-          </a:xfrm>
-          <a:prstGeom prst="rect">
-            <a:avLst/>
-          </a:prstGeom>
-          <a:noFill/>
-        </p:spPr>
-        <p:txBody>
-          <a:bodyPr wrap="none">
-            <a:spAutoFit/>
-          </a:bodyPr>
-          <a:lstStyle/>
-          <a:p>
-            <a:pPr algn="ctr">
-              <a:defRPr sz="1400" b="1">
-                <a:solidFill>
-                  <a:srgbClr val="0052A5"/>
-                </a:solidFill>
-              </a:defRPr>
-            </a:pPr>
-            <a:r>
-              <a:t>Report Synthesizer (Bedrock)</a:t>
-            </a:r>
-          </a:p>
-        </p:txBody>
-      </p:sp>
-      <p:sp>
-        <p:nvSpPr>
-          <p:cNvPr id="14" name="TextBox 13"/>
-          <p:cNvSpPr txBox="1"/>
-          <p:nvPr/>
-        </p:nvSpPr>
-        <p:spPr>
-          <a:xfrm>
-            <a:off x="11430000" y="2971800"/>
-            <a:ext cx="457200" cy="457200"/>
-          </a:xfrm>
-          <a:prstGeom prst="rect">
-            <a:avLst/>
-          </a:prstGeom>
-          <a:noFill/>
-        </p:spPr>
-        <p:txBody>
-          <a:bodyPr wrap="none">
-            <a:spAutoFit/>
-          </a:bodyPr>
-          <a:lstStyle/>
-          <a:p>
-            <a:pPr algn="ctr">
-              <a:defRPr sz="1400" b="1">
-                <a:solidFill>
-                  <a:srgbClr val="0052A5"/>
-                </a:solidFill>
-              </a:defRPr>
-            </a:pPr>
-            <a:r>
-              <a:t>-&gt;</a:t>
-            </a:r>
-          </a:p>
-        </p:txBody>
-      </p:sp>
-      <p:sp>
-        <p:nvSpPr>
-          <p:cNvPr id="15" name="TextBox 14"/>
-          <p:cNvSpPr txBox="1"/>
-          <p:nvPr/>
-        </p:nvSpPr>
-        <p:spPr>
-          <a:xfrm>
-            <a:off x="11887200" y="2743200"/>
-            <a:ext cx="2286000" cy="914400"/>
-          </a:xfrm>
-          <a:prstGeom prst="rect">
-            <a:avLst/>
-          </a:prstGeom>
-          <a:noFill/>
-        </p:spPr>
-        <p:txBody>
-          <a:bodyPr wrap="none">
-            <a:spAutoFit/>
-          </a:bodyPr>
-          <a:lstStyle/>
-          <a:p>
-            <a:pPr algn="ctr">
-              <a:defRPr sz="1400" b="1">
-                <a:solidFill>
-                  <a:srgbClr val="0052A5"/>
-                </a:solidFill>
-              </a:defRPr>
-            </a:pPr>
-            <a:r>
-              <a:t>n8n on Fargate</a:t>
-            </a:r>
-            <a:br/>
-            <a:r>
-              <a:t>(Notifications &amp; Jira)</a:t>
-            </a:r>
-          </a:p>
-        </p:txBody>
-      </p:sp>
-      <p:sp>
-        <p:nvSpPr>
-          <p:cNvPr id="16" name="TextBox 15"/>
+            <a:pPr>
+              <a:defRPr sz="1100" i="1"/>
+            </a:pPr>
+            <a:r>
+              <a:t>4. Reads Logs</a:t>
+            </a:r>
+          </a:p>
+        </p:txBody>
+      </p:sp>
+      <p:sp>
+        <p:nvSpPr>
+          <p:cNvPr id="25" name="TextBox 24"/>
           <p:cNvSpPr txBox="1"/>
           <p:nvPr/>
         </p:nvSpPr>

--- a/Cortex_Performance_Engine_Stakeholder_Presentation.pptx
+++ b/Cortex_Performance_Engine_Stakeholder_Presentation.pptx
@@ -17,6 +17,7 @@
     <p:sldId id="265" r:id="rId17"/>
     <p:sldId id="266" r:id="rId18"/>
     <p:sldId id="267" r:id="rId19"/>
+    <p:sldId id="268" r:id="rId20"/>
   </p:sldIdLst>
   <p:sldSz cx="14630400" cy="8229600" type="screen4x3"/>
   <p:notesSz cx="6858000" cy="9144000"/>
@@ -723,7 +724,7 @@
           <a:lstStyle/>
           <a:p>
             <a:r>
-              <a:t>This detailed diagram shows the two separate applications and how they interact. The Cortex Engine (left) is the testing tool, and the E-Commerce App (right) is the target being tested. All interactions are orchestrated and serverless.</a:t>
+              <a:t>This diagram shows the high-level flow. The Cortex Engine is a separate, independent system that observes and tests the target application without being part of it, which is a key architectural principle.</a:t>
             </a:r>
           </a:p>
         </p:txBody>
@@ -3934,6 +3935,147 @@
 </file>
 
 <file path=ppt/slides/slide10.xml><?xml version="1.0" encoding="utf-8"?>
+<p:sld xmlns:a="http://schemas.openxmlformats.org/drawingml/2006/main" xmlns:p="http://schemas.openxmlformats.org/presentationml/2006/main" xmlns:r="http://schemas.openxmlformats.org/officeDocument/2006/relationships">
+  <p:cSld>
+    <p:spTree>
+      <p:nvGrpSpPr>
+        <p:cNvPr id="1" name=""/>
+        <p:cNvGrpSpPr/>
+        <p:nvPr/>
+      </p:nvGrpSpPr>
+      <p:grpSpPr/>
+      <p:sp>
+        <p:nvSpPr>
+          <p:cNvPr id="2" name="Title 1"/>
+          <p:cNvSpPr>
+            <a:spLocks noGrp="1"/>
+          </p:cNvSpPr>
+          <p:nvPr>
+            <p:ph type="title"/>
+          </p:nvPr>
+        </p:nvSpPr>
+        <p:spPr/>
+        <p:txBody>
+          <a:bodyPr/>
+          <a:lstStyle/>
+          <a:p>
+            <a:pPr>
+              <a:defRPr b="1">
+                <a:solidFill>
+                  <a:srgbClr val="0052A5"/>
+                </a:solidFill>
+              </a:defRPr>
+            </a:pPr>
+            <a:r>
+              <a:t>Live Prototype Demonstration</a:t>
+            </a:r>
+          </a:p>
+        </p:txBody>
+      </p:sp>
+      <p:sp>
+        <p:nvSpPr>
+          <p:cNvPr id="3" name="TextBox 2"/>
+          <p:cNvSpPr txBox="1"/>
+          <p:nvPr/>
+        </p:nvSpPr>
+        <p:spPr>
+          <a:xfrm>
+            <a:off x="914400" y="1645920"/>
+            <a:ext cx="12801600" cy="5943600"/>
+          </a:xfrm>
+          <a:prstGeom prst="rect">
+            <a:avLst/>
+          </a:prstGeom>
+          <a:noFill/>
+        </p:spPr>
+        <p:txBody>
+          <a:bodyPr wrap="square">
+            <a:spAutoFit/>
+          </a:bodyPr>
+          <a:lstStyle/>
+          <a:p/>
+          <a:p>
+            <a:pPr>
+              <a:defRPr b="1" i="0" sz="2400"/>
+            </a:pPr>
+            <a:r>
+              <a:t>1. Triggering the Test:</a:t>
+            </a:r>
+            <a:r>
+              <a:rPr b="0" i="0"/>
+              <a:t> We will interact with the chatbot in the AWS Lex console to launch a load test.</a:t>
+            </a:r>
+          </a:p>
+          <a:p>
+            <a:pPr>
+              <a:defRPr b="1" i="0" sz="2400"/>
+            </a:pPr>
+            <a:r>
+              <a:t>2. Monitoring the Pipeline:</a:t>
+            </a:r>
+            <a:r>
+              <a:rPr b="0" i="0"/>
+              <a:t> We will observe the AWS Step Functions graph to see the automated workflow in real-time.</a:t>
+            </a:r>
+          </a:p>
+          <a:p>
+            <a:pPr>
+              <a:defRPr b="1" i="0" sz="2400"/>
+            </a:pPr>
+            <a:r>
+              <a:t>3. Viewing the AI-Generated Report:</a:t>
+            </a:r>
+            <a:r>
+              <a:rPr b="0" i="0"/>
+              <a:t> We will review the final PDF report in S3, complete with metrics, analysis, and AI-generated recommendations.</a:t>
+            </a:r>
+          </a:p>
+        </p:txBody>
+      </p:sp>
+      <p:sp>
+        <p:nvSpPr>
+          <p:cNvPr id="4" name="TextBox 3"/>
+          <p:cNvSpPr txBox="1"/>
+          <p:nvPr/>
+        </p:nvSpPr>
+        <p:spPr>
+          <a:xfrm>
+            <a:off x="457200" y="7772400"/>
+            <a:ext cx="13716000" cy="457200"/>
+          </a:xfrm>
+          <a:prstGeom prst="rect">
+            <a:avLst/>
+          </a:prstGeom>
+          <a:noFill/>
+        </p:spPr>
+        <p:txBody>
+          <a:bodyPr wrap="none">
+            <a:spAutoFit/>
+          </a:bodyPr>
+          <a:lstStyle/>
+          <a:p>
+            <a:pPr algn="r">
+              <a:defRPr sz="1000">
+                <a:solidFill>
+                  <a:srgbClr val="808080"/>
+                </a:solidFill>
+              </a:defRPr>
+            </a:pPr>
+            <a:r>
+              <a:t>Cortex Performance Engine | 10 of 13</a:t>
+            </a:r>
+          </a:p>
+        </p:txBody>
+      </p:sp>
+    </p:spTree>
+  </p:cSld>
+  <p:clrMapOvr>
+    <a:masterClrMapping/>
+  </p:clrMapOvr>
+</p:sld>
+</file>
+
+<file path=ppt/slides/slide11.xml><?xml version="1.0" encoding="utf-8"?>
 <p:sld xmlns:a="http://schemas.openxmlformats.org/drawingml/2006/main" xmlns:p="http://schemas.openxmlformats.org/presentationml/2006/main" xmlns:r="http://schemas.openxmlformats.org/officeDocument/2006/relationships">
   <p:cSld>
     <p:spTree>
@@ -4309,192 +4451,7 @@
               </a:defRPr>
             </a:pPr>
             <a:r>
-              <a:t>Cortex Performance Engine | 10 of 12</a:t>
-            </a:r>
-          </a:p>
-        </p:txBody>
-      </p:sp>
-    </p:spTree>
-  </p:cSld>
-  <p:clrMapOvr>
-    <a:masterClrMapping/>
-  </p:clrMapOvr>
-</p:sld>
-</file>
-
-<file path=ppt/slides/slide11.xml><?xml version="1.0" encoding="utf-8"?>
-<p:sld xmlns:a="http://schemas.openxmlformats.org/drawingml/2006/main" xmlns:p="http://schemas.openxmlformats.org/presentationml/2006/main" xmlns:r="http://schemas.openxmlformats.org/officeDocument/2006/relationships">
-  <p:cSld>
-    <p:spTree>
-      <p:nvGrpSpPr>
-        <p:cNvPr id="1" name=""/>
-        <p:cNvGrpSpPr/>
-        <p:nvPr/>
-      </p:nvGrpSpPr>
-      <p:grpSpPr/>
-      <p:sp>
-        <p:nvSpPr>
-          <p:cNvPr id="2" name="Title 1"/>
-          <p:cNvSpPr>
-            <a:spLocks noGrp="1"/>
-          </p:cNvSpPr>
-          <p:nvPr>
-            <p:ph type="title"/>
-          </p:nvPr>
-        </p:nvSpPr>
-        <p:spPr/>
-        <p:txBody>
-          <a:bodyPr/>
-          <a:lstStyle/>
-          <a:p>
-            <a:pPr>
-              <a:defRPr b="1">
-                <a:solidFill>
-                  <a:srgbClr val="0052A5"/>
-                </a:solidFill>
-              </a:defRPr>
-            </a:pPr>
-            <a:r>
-              <a:t>Roadmap &amp; Next Steps</a:t>
-            </a:r>
-          </a:p>
-        </p:txBody>
-      </p:sp>
-      <p:sp>
-        <p:nvSpPr>
-          <p:cNvPr id="3" name="TextBox 2"/>
-          <p:cNvSpPr txBox="1"/>
-          <p:nvPr/>
-        </p:nvSpPr>
-        <p:spPr>
-          <a:xfrm>
-            <a:off x="914400" y="1645920"/>
-            <a:ext cx="12801600" cy="5943600"/>
-          </a:xfrm>
-          <a:prstGeom prst="rect">
-            <a:avLst/>
-          </a:prstGeom>
-          <a:noFill/>
-        </p:spPr>
-        <p:txBody>
-          <a:bodyPr wrap="square">
-            <a:spAutoFit/>
-          </a:bodyPr>
-          <a:lstStyle/>
-          <a:p/>
-          <a:p>
-            <a:pPr>
-              <a:defRPr b="1" i="0" sz="2400"/>
-            </a:pPr>
-            <a:r>
-              <a:t>Phase 1: Deploy &amp; Validate (This Quarter)</a:t>
-            </a:r>
-          </a:p>
-          <a:p>
-            <a:pPr lvl="1">
-              <a:defRPr b="0" i="0" sz="2400"/>
-            </a:pPr>
-            <a:r>
-              <a:t>Deploy the Cortex Engine prototype to AWS.</a:t>
-            </a:r>
-          </a:p>
-          <a:p>
-            <a:pPr lvl="1">
-              <a:defRPr b="0" i="0" sz="2400"/>
-            </a:pPr>
-            <a:r>
-              <a:t>Integrate with the e-commerce application.</a:t>
-            </a:r>
-          </a:p>
-          <a:p>
-            <a:pPr lvl="1">
-              <a:defRPr b="0" i="0" sz="2400"/>
-            </a:pPr>
-            <a:r>
-              <a:t>Execute baseline tests and validate cost savings and performance metrics.</a:t>
-            </a:r>
-          </a:p>
-          <a:p>
-            <a:pPr>
-              <a:defRPr b="1" i="0" sz="2400"/>
-            </a:pPr>
-            <a:r>
-              <a:t>Phase 2: Enhance &amp; Expand (Next Quarter)</a:t>
-            </a:r>
-          </a:p>
-          <a:p>
-            <a:pPr lvl="1">
-              <a:defRPr b="0" i="0" sz="2400"/>
-            </a:pPr>
-            <a:r>
-              <a:t>Onboard additional development teams.</a:t>
-            </a:r>
-          </a:p>
-          <a:p>
-            <a:pPr lvl="1">
-              <a:defRPr b="0" i="0" sz="2400"/>
-            </a:pPr>
-            <a:r>
-              <a:t>Enhance the AI reporting agent with more advanced diagnostics.</a:t>
-            </a:r>
-          </a:p>
-          <a:p>
-            <a:pPr>
-              <a:defRPr b="1" i="0" sz="2400"/>
-            </a:pPr>
-            <a:r>
-              <a:t>Phase 3: Autonomous Operation (Future)</a:t>
-            </a:r>
-          </a:p>
-          <a:p>
-            <a:pPr lvl="1">
-              <a:defRPr b="0" i="0" sz="2400"/>
-            </a:pPr>
-            <a:r>
-              <a:t>Implement proactive, scheduled resilience checks.</a:t>
-            </a:r>
-          </a:p>
-          <a:p>
-            <a:pPr lvl="1">
-              <a:defRPr b="0" i="0" sz="2400"/>
-            </a:pPr>
-            <a:r>
-              <a:t>Explore self-healing capabilities and automated remediation suggestions.</a:t>
-            </a:r>
-          </a:p>
-        </p:txBody>
-      </p:sp>
-      <p:sp>
-        <p:nvSpPr>
-          <p:cNvPr id="4" name="TextBox 3"/>
-          <p:cNvSpPr txBox="1"/>
-          <p:nvPr/>
-        </p:nvSpPr>
-        <p:spPr>
-          <a:xfrm>
-            <a:off x="457200" y="7772400"/>
-            <a:ext cx="13716000" cy="457200"/>
-          </a:xfrm>
-          <a:prstGeom prst="rect">
-            <a:avLst/>
-          </a:prstGeom>
-          <a:noFill/>
-        </p:spPr>
-        <p:txBody>
-          <a:bodyPr wrap="none">
-            <a:spAutoFit/>
-          </a:bodyPr>
-          <a:lstStyle/>
-          <a:p>
-            <a:pPr algn="r">
-              <a:defRPr sz="1000">
-                <a:solidFill>
-                  <a:srgbClr val="808080"/>
-                </a:solidFill>
-              </a:defRPr>
-            </a:pPr>
-            <a:r>
-              <a:t>Cortex Performance Engine | 11 of 12</a:t>
+              <a:t>Cortex Performance Engine | 11 of 13</a:t>
             </a:r>
           </a:p>
         </p:txBody>
@@ -4540,7 +4497,7 @@
               </a:defRPr>
             </a:pPr>
             <a:r>
-              <a:t>Thank You &amp; Q&amp;A</a:t>
+              <a:t>Roadmap &amp; Next Steps</a:t>
             </a:r>
           </a:p>
         </p:txBody>
@@ -4548,6 +4505,110 @@
       <p:sp>
         <p:nvSpPr>
           <p:cNvPr id="3" name="TextBox 2"/>
+          <p:cNvSpPr txBox="1"/>
+          <p:nvPr/>
+        </p:nvSpPr>
+        <p:spPr>
+          <a:xfrm>
+            <a:off x="914400" y="1645920"/>
+            <a:ext cx="12801600" cy="5943600"/>
+          </a:xfrm>
+          <a:prstGeom prst="rect">
+            <a:avLst/>
+          </a:prstGeom>
+          <a:noFill/>
+        </p:spPr>
+        <p:txBody>
+          <a:bodyPr wrap="square">
+            <a:spAutoFit/>
+          </a:bodyPr>
+          <a:lstStyle/>
+          <a:p/>
+          <a:p>
+            <a:pPr>
+              <a:defRPr b="1" i="0" sz="2400"/>
+            </a:pPr>
+            <a:r>
+              <a:t>Phase 1: Deploy &amp; Validate (This Quarter)</a:t>
+            </a:r>
+          </a:p>
+          <a:p>
+            <a:pPr lvl="1">
+              <a:defRPr b="0" i="0" sz="2400"/>
+            </a:pPr>
+            <a:r>
+              <a:t>Deploy the Cortex Engine prototype to AWS.</a:t>
+            </a:r>
+          </a:p>
+          <a:p>
+            <a:pPr lvl="1">
+              <a:defRPr b="0" i="0" sz="2400"/>
+            </a:pPr>
+            <a:r>
+              <a:t>Integrate with the e-commerce application.</a:t>
+            </a:r>
+          </a:p>
+          <a:p>
+            <a:pPr lvl="1">
+              <a:defRPr b="0" i="0" sz="2400"/>
+            </a:pPr>
+            <a:r>
+              <a:t>Execute baseline tests and validate cost savings and performance metrics.</a:t>
+            </a:r>
+          </a:p>
+          <a:p>
+            <a:pPr>
+              <a:defRPr b="1" i="0" sz="2400"/>
+            </a:pPr>
+            <a:r>
+              <a:t>Phase 2: Enhance &amp; Expand (Next Quarter)</a:t>
+            </a:r>
+          </a:p>
+          <a:p>
+            <a:pPr lvl="1">
+              <a:defRPr b="0" i="0" sz="2400"/>
+            </a:pPr>
+            <a:r>
+              <a:t>Onboard additional development teams.</a:t>
+            </a:r>
+          </a:p>
+          <a:p>
+            <a:pPr lvl="1">
+              <a:defRPr b="0" i="0" sz="2400"/>
+            </a:pPr>
+            <a:r>
+              <a:t>Enhance the AI reporting agent with more advanced diagnostics.</a:t>
+            </a:r>
+          </a:p>
+          <a:p>
+            <a:pPr>
+              <a:defRPr b="1" i="0" sz="2400"/>
+            </a:pPr>
+            <a:r>
+              <a:t>Phase 3: Autonomous Operation (Future)</a:t>
+            </a:r>
+          </a:p>
+          <a:p>
+            <a:pPr lvl="1">
+              <a:defRPr b="0" i="0" sz="2400"/>
+            </a:pPr>
+            <a:r>
+              <a:t>Implement proactive, scheduled resilience checks.</a:t>
+            </a:r>
+          </a:p>
+          <a:p>
+            <a:pPr lvl="1">
+              <a:defRPr b="0" i="0" sz="2400"/>
+            </a:pPr>
+            <a:r>
+              <a:t>Explore self-healing capabilities and automated remediation suggestions.</a:t>
+            </a:r>
+          </a:p>
+        </p:txBody>
+      </p:sp>
+      <p:sp>
+        <p:nvSpPr>
+          <p:cNvPr id="4" name="TextBox 3"/>
           <p:cNvSpPr txBox="1"/>
           <p:nvPr/>
         </p:nvSpPr>
@@ -4575,7 +4636,88 @@
               </a:defRPr>
             </a:pPr>
             <a:r>
-              <a:t>Cortex Performance Engine | 12 of 12</a:t>
+              <a:t>Cortex Performance Engine | 12 of 13</a:t>
+            </a:r>
+          </a:p>
+        </p:txBody>
+      </p:sp>
+    </p:spTree>
+  </p:cSld>
+  <p:clrMapOvr>
+    <a:masterClrMapping/>
+  </p:clrMapOvr>
+</p:sld>
+</file>
+
+<file path=ppt/slides/slide13.xml><?xml version="1.0" encoding="utf-8"?>
+<p:sld xmlns:a="http://schemas.openxmlformats.org/drawingml/2006/main" xmlns:p="http://schemas.openxmlformats.org/presentationml/2006/main" xmlns:r="http://schemas.openxmlformats.org/officeDocument/2006/relationships">
+  <p:cSld>
+    <p:spTree>
+      <p:nvGrpSpPr>
+        <p:cNvPr id="1" name=""/>
+        <p:cNvGrpSpPr/>
+        <p:nvPr/>
+      </p:nvGrpSpPr>
+      <p:grpSpPr/>
+      <p:sp>
+        <p:nvSpPr>
+          <p:cNvPr id="2" name="Title 1"/>
+          <p:cNvSpPr>
+            <a:spLocks noGrp="1"/>
+          </p:cNvSpPr>
+          <p:nvPr>
+            <p:ph type="title"/>
+          </p:nvPr>
+        </p:nvSpPr>
+        <p:spPr/>
+        <p:txBody>
+          <a:bodyPr/>
+          <a:lstStyle/>
+          <a:p>
+            <a:pPr>
+              <a:defRPr b="1">
+                <a:solidFill>
+                  <a:srgbClr val="0052A5"/>
+                </a:solidFill>
+              </a:defRPr>
+            </a:pPr>
+            <a:r>
+              <a:t>Thank You &amp; Q&amp;A</a:t>
+            </a:r>
+          </a:p>
+        </p:txBody>
+      </p:sp>
+      <p:sp>
+        <p:nvSpPr>
+          <p:cNvPr id="3" name="TextBox 2"/>
+          <p:cNvSpPr txBox="1"/>
+          <p:nvPr/>
+        </p:nvSpPr>
+        <p:spPr>
+          <a:xfrm>
+            <a:off x="457200" y="7772400"/>
+            <a:ext cx="13716000" cy="457200"/>
+          </a:xfrm>
+          <a:prstGeom prst="rect">
+            <a:avLst/>
+          </a:prstGeom>
+          <a:noFill/>
+        </p:spPr>
+        <p:txBody>
+          <a:bodyPr wrap="none">
+            <a:spAutoFit/>
+          </a:bodyPr>
+          <a:lstStyle/>
+          <a:p>
+            <a:pPr algn="r">
+              <a:defRPr sz="1000">
+                <a:solidFill>
+                  <a:srgbClr val="808080"/>
+                </a:solidFill>
+              </a:defRPr>
+            </a:pPr>
+            <a:r>
+              <a:t>Cortex Performance Engine | 13 of 13</a:t>
             </a:r>
           </a:p>
         </p:txBody>
@@ -4728,7 +4870,7 @@
               </a:defRPr>
             </a:pPr>
             <a:r>
-              <a:t>Cortex Performance Engine | 2 of 12</a:t>
+              <a:t>Cortex Performance Engine | 2 of 13</a:t>
             </a:r>
           </a:p>
         </p:txBody>
@@ -4897,7 +5039,7 @@
               </a:defRPr>
             </a:pPr>
             <a:r>
-              <a:t>Cortex Performance Engine | 3 of 12</a:t>
+              <a:t>Cortex Performance Engine | 3 of 13</a:t>
             </a:r>
           </a:p>
         </p:txBody>
@@ -5026,7 +5168,7 @@
               </a:defRPr>
             </a:pPr>
             <a:r>
-              <a:t>Cortex Performance Engine | 4 of 12</a:t>
+              <a:t>Cortex Performance Engine | 4 of 13</a:t>
             </a:r>
           </a:p>
         </p:txBody>
@@ -5393,7 +5535,7 @@
               </a:defRPr>
             </a:pPr>
             <a:r>
-              <a:t>Cortex Performance Engine | 5 of 12</a:t>
+              <a:t>Cortex Performance Engine | 5 of 13</a:t>
             </a:r>
           </a:p>
         </p:txBody>
@@ -5546,7 +5688,7 @@
               </a:defRPr>
             </a:pPr>
             <a:r>
-              <a:t>Cortex Performance Engine | 6 of 12</a:t>
+              <a:t>Cortex Performance Engine | 6 of 13</a:t>
             </a:r>
           </a:p>
         </p:txBody>
@@ -5592,7 +5734,7 @@
               </a:defRPr>
             </a:pPr>
             <a:r>
-              <a:t>Detailed Architecture: Cortex Engine &amp; Target Application</a:t>
+              <a:t>Architecture Part 1: The High-Level Flow</a:t>
             </a:r>
           </a:p>
         </p:txBody>
@@ -5606,7 +5748,97 @@
         <p:spPr>
           <a:xfrm>
             <a:off x="457200" y="1371600"/>
-            <a:ext cx="13716000" cy="1371600"/>
+            <a:ext cx="6858000" cy="5943600"/>
+          </a:xfrm>
+          <a:prstGeom prst="rect">
+            <a:avLst/>
+          </a:prstGeom>
+          <a:solidFill>
+            <a:srgbClr val="DCE6F2"/>
+          </a:solidFill>
+        </p:spPr>
+        <p:style>
+          <a:lnRef idx="1">
+            <a:schemeClr val="accent1"/>
+          </a:lnRef>
+          <a:fillRef idx="3">
+            <a:schemeClr val="accent1"/>
+          </a:fillRef>
+          <a:effectRef idx="2">
+            <a:schemeClr val="accent1"/>
+          </a:effectRef>
+          <a:fontRef idx="minor">
+            <a:schemeClr val="lt1"/>
+          </a:fontRef>
+        </p:style>
+        <p:txBody>
+          <a:bodyPr rtlCol="0" anchor="t"/>
+          <a:lstStyle/>
+          <a:p>
+            <a:pPr algn="ctr">
+              <a:defRPr sz="1400" b="1"/>
+            </a:pPr>
+            <a:r>
+              <a:t>Cortex Performance Engine</a:t>
+            </a:r>
+          </a:p>
+        </p:txBody>
+      </p:sp>
+      <p:sp>
+        <p:nvSpPr>
+          <p:cNvPr id="4" name="Rectangle 3"/>
+          <p:cNvSpPr/>
+          <p:nvPr/>
+        </p:nvSpPr>
+        <p:spPr>
+          <a:xfrm>
+            <a:off x="7543800" y="1371600"/>
+            <a:ext cx="6629400" cy="5943600"/>
+          </a:xfrm>
+          <a:prstGeom prst="rect">
+            <a:avLst/>
+          </a:prstGeom>
+          <a:solidFill>
+            <a:srgbClr val="E2F0D9"/>
+          </a:solidFill>
+        </p:spPr>
+        <p:style>
+          <a:lnRef idx="1">
+            <a:schemeClr val="accent1"/>
+          </a:lnRef>
+          <a:fillRef idx="3">
+            <a:schemeClr val="accent1"/>
+          </a:fillRef>
+          <a:effectRef idx="2">
+            <a:schemeClr val="accent1"/>
+          </a:effectRef>
+          <a:fontRef idx="minor">
+            <a:schemeClr val="lt1"/>
+          </a:fontRef>
+        </p:style>
+        <p:txBody>
+          <a:bodyPr rtlCol="0" anchor="t"/>
+          <a:lstStyle/>
+          <a:p>
+            <a:pPr algn="ctr">
+              <a:defRPr sz="1400" b="1"/>
+            </a:pPr>
+            <a:r>
+              <a:t>Target E-Commerce Application</a:t>
+            </a:r>
+          </a:p>
+        </p:txBody>
+      </p:sp>
+      <p:sp>
+        <p:nvSpPr>
+          <p:cNvPr id="5" name="Rectangle 4"/>
+          <p:cNvSpPr/>
+          <p:nvPr/>
+        </p:nvSpPr>
+        <p:spPr>
+          <a:xfrm>
+            <a:off x="457200" y="7543800"/>
+            <a:ext cx="13716000" cy="457200"/>
           </a:xfrm>
           <a:prstGeom prst="rect">
             <a:avLst/>
@@ -5630,34 +5862,34 @@
           </a:fontRef>
         </p:style>
         <p:txBody>
-          <a:bodyPr rtlCol="0" anchor="ctr"/>
+          <a:bodyPr rtlCol="0" anchor="t"/>
           <a:lstStyle/>
           <a:p>
             <a:pPr algn="ctr">
-              <a:defRPr sz="1200" b="1"/>
-            </a:pPr>
-            <a:r>
-              <a:t>User &amp; CI/CD</a:t>
-            </a:r>
-          </a:p>
-        </p:txBody>
-      </p:sp>
-      <p:sp>
-        <p:nvSpPr>
-          <p:cNvPr id="4" name="Rectangle 3"/>
+              <a:defRPr sz="1400" b="1"/>
+            </a:pPr>
+            <a:r>
+              <a:t>Shared Services</a:t>
+            </a:r>
+          </a:p>
+        </p:txBody>
+      </p:sp>
+      <p:sp>
+        <p:nvSpPr>
+          <p:cNvPr id="6" name="Rectangle 5"/>
           <p:cNvSpPr/>
           <p:nvPr/>
         </p:nvSpPr>
         <p:spPr>
           <a:xfrm>
-            <a:off x="457200" y="2971800"/>
-            <a:ext cx="6400800" cy="4114800"/>
+            <a:off x="914400" y="1828800"/>
+            <a:ext cx="1371600" cy="685800"/>
           </a:xfrm>
           <a:prstGeom prst="rect">
             <a:avLst/>
           </a:prstGeom>
           <a:solidFill>
-            <a:srgbClr val="F2F2F2"/>
+            <a:srgbClr val="FFF2CC"/>
           </a:solidFill>
         </p:spPr>
         <p:style>
@@ -5675,34 +5907,34 @@
           </a:fontRef>
         </p:style>
         <p:txBody>
-          <a:bodyPr rtlCol="0" anchor="ctr"/>
+          <a:bodyPr rtlCol="0" anchor="t"/>
           <a:lstStyle/>
           <a:p>
             <a:pPr algn="ctr">
               <a:defRPr sz="1200" b="1"/>
             </a:pPr>
             <a:r>
-              <a:t>Cortex Performance Engine</a:t>
-            </a:r>
-          </a:p>
-        </p:txBody>
-      </p:sp>
-      <p:sp>
-        <p:nvSpPr>
-          <p:cNvPr id="5" name="Rectangle 4"/>
+              <a:t>User</a:t>
+            </a:r>
+          </a:p>
+        </p:txBody>
+      </p:sp>
+      <p:sp>
+        <p:nvSpPr>
+          <p:cNvPr id="7" name="Rectangle 6"/>
           <p:cNvSpPr/>
           <p:nvPr/>
         </p:nvSpPr>
         <p:spPr>
           <a:xfrm>
-            <a:off x="7772400" y="2971800"/>
-            <a:ext cx="6400800" cy="4114800"/>
+            <a:off x="2743200" y="1828800"/>
+            <a:ext cx="1828800" cy="685800"/>
           </a:xfrm>
           <a:prstGeom prst="rect">
             <a:avLst/>
           </a:prstGeom>
           <a:solidFill>
-            <a:srgbClr val="F2F2F2"/>
+            <a:srgbClr val="FFF2CC"/>
           </a:solidFill>
         </p:spPr>
         <p:style>
@@ -5720,28 +5952,33 @@
           </a:fontRef>
         </p:style>
         <p:txBody>
-          <a:bodyPr rtlCol="0" anchor="ctr"/>
+          <a:bodyPr rtlCol="0" anchor="t"/>
           <a:lstStyle/>
           <a:p>
             <a:pPr algn="ctr">
               <a:defRPr sz="1200" b="1"/>
             </a:pPr>
             <a:r>
-              <a:t>Target Application: E-Commerce Web App</a:t>
-            </a:r>
-          </a:p>
-        </p:txBody>
-      </p:sp>
-      <p:sp>
-        <p:nvSpPr>
-          <p:cNvPr id="6" name="Rectangle 5"/>
+              <a:t>AWS Lex</a:t>
+            </a:r>
+          </a:p>
+          <a:p>
+            <a:r>
+              <a:t>(Chatbot)</a:t>
+            </a:r>
+          </a:p>
+        </p:txBody>
+      </p:sp>
+      <p:sp>
+        <p:nvSpPr>
+          <p:cNvPr id="8" name="Rectangle 7"/>
           <p:cNvSpPr/>
           <p:nvPr/>
         </p:nvSpPr>
         <p:spPr>
           <a:xfrm>
-            <a:off x="914400" y="1828800"/>
-            <a:ext cx="914400" cy="685800"/>
+            <a:off x="914400" y="4114800"/>
+            <a:ext cx="2743200" cy="1371600"/>
           </a:xfrm>
           <a:prstGeom prst="rect">
             <a:avLst/>
@@ -5765,95 +6002,19 @@
           </a:fontRef>
         </p:style>
         <p:txBody>
-          <a:bodyPr rtlCol="0" anchor="ctr"/>
+          <a:bodyPr rtlCol="0" anchor="t"/>
           <a:lstStyle/>
           <a:p>
             <a:pPr algn="ctr">
-              <a:defRPr sz="1400" b="1"/>
-            </a:pPr>
-            <a:r>
-              <a:t>User</a:t>
-            </a:r>
-          </a:p>
-        </p:txBody>
-      </p:sp>
-      <p:sp>
-        <p:nvSpPr>
-          <p:cNvPr id="7" name="Rectangle 6"/>
-          <p:cNvSpPr/>
-          <p:nvPr/>
-        </p:nvSpPr>
-        <p:spPr>
-          <a:xfrm>
-            <a:off x="11887200" y="1828800"/>
-            <a:ext cx="1828800" cy="685800"/>
-          </a:xfrm>
-          <a:prstGeom prst="rect">
-            <a:avLst/>
-          </a:prstGeom>
-          <a:solidFill>
-            <a:srgbClr val="DCE6F2"/>
-          </a:solidFill>
-        </p:spPr>
-        <p:style>
-          <a:lnRef idx="1">
-            <a:schemeClr val="accent1"/>
-          </a:lnRef>
-          <a:fillRef idx="3">
-            <a:schemeClr val="accent1"/>
-          </a:fillRef>
-          <a:effectRef idx="2">
-            <a:schemeClr val="accent1"/>
-          </a:effectRef>
-          <a:fontRef idx="minor">
-            <a:schemeClr val="lt1"/>
-          </a:fontRef>
-        </p:style>
-        <p:txBody>
-          <a:bodyPr rtlCol="0" anchor="ctr"/>
-          <a:lstStyle/>
-          <a:p>
-            <a:pPr algn="ctr">
-              <a:defRPr sz="1400" b="1"/>
-            </a:pPr>
-            <a:r>
-              <a:t>GitHub Actions</a:t>
-            </a:r>
-          </a:p>
-          <a:p>
-            <a:r>
-              <a:t>(CI/CD Pipeline)</a:t>
-            </a:r>
-          </a:p>
-        </p:txBody>
-      </p:sp>
-      <p:sp>
-        <p:nvSpPr>
-          <p:cNvPr id="8" name="TextBox 7"/>
-          <p:cNvSpPr txBox="1"/>
-          <p:nvPr/>
-        </p:nvSpPr>
-        <p:spPr>
-          <a:xfrm>
-            <a:off x="2011680" y="1965960"/>
-            <a:ext cx="1828800" cy="457200"/>
-          </a:xfrm>
-          <a:prstGeom prst="rect">
-            <a:avLst/>
-          </a:prstGeom>
-          <a:noFill/>
-        </p:spPr>
-        <p:txBody>
-          <a:bodyPr wrap="none">
-            <a:spAutoFit/>
-          </a:bodyPr>
-          <a:lstStyle/>
-          <a:p>
-            <a:pPr>
-              <a:defRPr sz="1100" i="1"/>
-            </a:pPr>
-            <a:r>
-              <a:t>1. User initiates test</a:t>
+              <a:defRPr sz="1200" b="1"/>
+            </a:pPr>
+            <a:r>
+              <a:t>AWS Step Functions</a:t>
+            </a:r>
+          </a:p>
+          <a:p>
+            <a:r>
+              <a:t>(Orchestrator)</a:t>
             </a:r>
           </a:p>
         </p:txBody>
@@ -5866,138 +6027,7 @@
         </p:nvSpPr>
         <p:spPr>
           <a:xfrm>
-            <a:off x="3657600" y="1828800"/>
-            <a:ext cx="1371600" cy="685800"/>
-          </a:xfrm>
-          <a:prstGeom prst="rect">
-            <a:avLst/>
-          </a:prstGeom>
-          <a:solidFill>
-            <a:srgbClr val="DCE6F2"/>
-          </a:solidFill>
-        </p:spPr>
-        <p:style>
-          <a:lnRef idx="1">
-            <a:schemeClr val="accent1"/>
-          </a:lnRef>
-          <a:fillRef idx="3">
-            <a:schemeClr val="accent1"/>
-          </a:fillRef>
-          <a:effectRef idx="2">
-            <a:schemeClr val="accent1"/>
-          </a:effectRef>
-          <a:fontRef idx="minor">
-            <a:schemeClr val="lt1"/>
-          </a:fontRef>
-        </p:style>
-        <p:txBody>
-          <a:bodyPr rtlCol="0" anchor="ctr"/>
-          <a:lstStyle/>
-          <a:p>
-            <a:pPr algn="ctr">
-              <a:defRPr sz="1400" b="1"/>
-            </a:pPr>
-            <a:r>
-              <a:t>AWS Lex</a:t>
-            </a:r>
-          </a:p>
-          <a:p>
-            <a:r>
-              <a:t>(Chatbot)</a:t>
-            </a:r>
-          </a:p>
-        </p:txBody>
-      </p:sp>
-      <p:sp>
-        <p:nvSpPr>
-          <p:cNvPr id="10" name="Rectangle 9"/>
-          <p:cNvSpPr/>
-          <p:nvPr/>
-        </p:nvSpPr>
-        <p:spPr>
-          <a:xfrm>
-            <a:off x="914400" y="3657600"/>
-            <a:ext cx="2286000" cy="914400"/>
-          </a:xfrm>
-          <a:prstGeom prst="rect">
-            <a:avLst/>
-          </a:prstGeom>
-          <a:solidFill>
-            <a:srgbClr val="DCE6F2"/>
-          </a:solidFill>
-        </p:spPr>
-        <p:style>
-          <a:lnRef idx="1">
-            <a:schemeClr val="accent1"/>
-          </a:lnRef>
-          <a:fillRef idx="3">
-            <a:schemeClr val="accent1"/>
-          </a:fillRef>
-          <a:effectRef idx="2">
-            <a:schemeClr val="accent1"/>
-          </a:effectRef>
-          <a:fontRef idx="minor">
-            <a:schemeClr val="lt1"/>
-          </a:fontRef>
-        </p:style>
-        <p:txBody>
-          <a:bodyPr rtlCol="0" anchor="ctr"/>
-          <a:lstStyle/>
-          <a:p>
-            <a:pPr algn="ctr">
-              <a:defRPr sz="1400" b="1"/>
-            </a:pPr>
-            <a:r>
-              <a:t>AWS Step Functions</a:t>
-            </a:r>
-          </a:p>
-          <a:p>
-            <a:r>
-              <a:t>(Orchestrator)</a:t>
-            </a:r>
-          </a:p>
-        </p:txBody>
-      </p:sp>
-      <p:sp>
-        <p:nvSpPr>
-          <p:cNvPr id="11" name="TextBox 10"/>
-          <p:cNvSpPr txBox="1"/>
-          <p:nvPr/>
-        </p:nvSpPr>
-        <p:spPr>
-          <a:xfrm>
-            <a:off x="1828800" y="4800600"/>
-            <a:ext cx="1828800" cy="457200"/>
-          </a:xfrm>
-          <a:prstGeom prst="rect">
-            <a:avLst/>
-          </a:prstGeom>
-          <a:noFill/>
-        </p:spPr>
-        <p:txBody>
-          <a:bodyPr wrap="none">
-            <a:spAutoFit/>
-          </a:bodyPr>
-          <a:lstStyle/>
-          <a:p>
-            <a:pPr>
-              <a:defRPr sz="1100" i="1"/>
-            </a:pPr>
-            <a:r>
-              <a:t>2. Orchestrates Agents</a:t>
-            </a:r>
-          </a:p>
-        </p:txBody>
-      </p:sp>
-      <p:sp>
-        <p:nvSpPr>
-          <p:cNvPr id="12" name="Rectangle 11"/>
-          <p:cNvSpPr/>
-          <p:nvPr/>
-        </p:nvSpPr>
-        <p:spPr>
-          <a:xfrm>
-            <a:off x="3657600" y="3429000"/>
+            <a:off x="4114800" y="3200400"/>
             <a:ext cx="2743200" cy="685800"/>
           </a:xfrm>
           <a:prstGeom prst="rect">
@@ -6022,32 +6052,27 @@
           </a:fontRef>
         </p:style>
         <p:txBody>
-          <a:bodyPr rtlCol="0" anchor="ctr"/>
+          <a:bodyPr rtlCol="0" anchor="t"/>
           <a:lstStyle/>
           <a:p>
             <a:pPr algn="ctr">
-              <a:defRPr sz="1400" b="1"/>
+              <a:defRPr sz="1200" b="1"/>
             </a:pPr>
             <a:r>
               <a:t>Agent: Log Analyzer</a:t>
             </a:r>
           </a:p>
-          <a:p>
-            <a:r>
-              <a:t>(Lambda)</a:t>
-            </a:r>
-          </a:p>
-        </p:txBody>
-      </p:sp>
-      <p:sp>
-        <p:nvSpPr>
-          <p:cNvPr id="13" name="Rectangle 12"/>
+        </p:txBody>
+      </p:sp>
+      <p:sp>
+        <p:nvSpPr>
+          <p:cNvPr id="10" name="Rectangle 9"/>
           <p:cNvSpPr/>
           <p:nvPr/>
         </p:nvSpPr>
         <p:spPr>
           <a:xfrm>
-            <a:off x="3657600" y="4114800"/>
+            <a:off x="4114800" y="4114800"/>
             <a:ext cx="2743200" cy="685800"/>
           </a:xfrm>
           <a:prstGeom prst="rect">
@@ -6072,32 +6097,27 @@
           </a:fontRef>
         </p:style>
         <p:txBody>
-          <a:bodyPr rtlCol="0" anchor="ctr"/>
+          <a:bodyPr rtlCol="0" anchor="t"/>
           <a:lstStyle/>
           <a:p>
             <a:pPr algn="ctr">
-              <a:defRPr sz="1400" b="1"/>
+              <a:defRPr sz="1200" b="1"/>
             </a:pPr>
             <a:r>
               <a:t>Agent: Script Generator</a:t>
             </a:r>
           </a:p>
-          <a:p>
-            <a:r>
-              <a:t>(Bedrock)</a:t>
-            </a:r>
-          </a:p>
-        </p:txBody>
-      </p:sp>
-      <p:sp>
-        <p:nvSpPr>
-          <p:cNvPr id="14" name="Rectangle 13"/>
+        </p:txBody>
+      </p:sp>
+      <p:sp>
+        <p:nvSpPr>
+          <p:cNvPr id="11" name="Rectangle 10"/>
           <p:cNvSpPr/>
           <p:nvPr/>
         </p:nvSpPr>
         <p:spPr>
           <a:xfrm>
-            <a:off x="3657600" y="4800600"/>
+            <a:off x="4114800" y="5029200"/>
             <a:ext cx="2743200" cy="685800"/>
           </a:xfrm>
           <a:prstGeom prst="rect">
@@ -6122,32 +6142,27 @@
           </a:fontRef>
         </p:style>
         <p:txBody>
-          <a:bodyPr rtlCol="0" anchor="ctr"/>
+          <a:bodyPr rtlCol="0" anchor="t"/>
           <a:lstStyle/>
           <a:p>
             <a:pPr algn="ctr">
-              <a:defRPr sz="1400" b="1"/>
+              <a:defRPr sz="1200" b="1"/>
             </a:pPr>
             <a:r>
               <a:t>Agent: Test Executor</a:t>
             </a:r>
           </a:p>
-          <a:p>
-            <a:r>
-              <a:t>(Fargate Spot + JMeter)</a:t>
-            </a:r>
-          </a:p>
-        </p:txBody>
-      </p:sp>
-      <p:sp>
-        <p:nvSpPr>
-          <p:cNvPr id="15" name="Rectangle 14"/>
+        </p:txBody>
+      </p:sp>
+      <p:sp>
+        <p:nvSpPr>
+          <p:cNvPr id="12" name="Rectangle 11"/>
           <p:cNvSpPr/>
           <p:nvPr/>
         </p:nvSpPr>
         <p:spPr>
           <a:xfrm>
-            <a:off x="3657600" y="5486400"/>
+            <a:off x="4114800" y="5943600"/>
             <a:ext cx="2743200" cy="685800"/>
           </a:xfrm>
           <a:prstGeom prst="rect">
@@ -6172,33 +6187,28 @@
           </a:fontRef>
         </p:style>
         <p:txBody>
-          <a:bodyPr rtlCol="0" anchor="ctr"/>
+          <a:bodyPr rtlCol="0" anchor="t"/>
           <a:lstStyle/>
           <a:p>
             <a:pPr algn="ctr">
-              <a:defRPr sz="1400" b="1"/>
+              <a:defRPr sz="1200" b="1"/>
             </a:pPr>
             <a:r>
               <a:t>Agent: Report Synthesizer</a:t>
             </a:r>
           </a:p>
-          <a:p>
-            <a:r>
-              <a:t>(Bedrock)</a:t>
-            </a:r>
-          </a:p>
-        </p:txBody>
-      </p:sp>
-      <p:sp>
-        <p:nvSpPr>
-          <p:cNvPr id="16" name="Rectangle 15"/>
+        </p:txBody>
+      </p:sp>
+      <p:sp>
+        <p:nvSpPr>
+          <p:cNvPr id="13" name="Rectangle 12"/>
           <p:cNvSpPr/>
           <p:nvPr/>
         </p:nvSpPr>
         <p:spPr>
           <a:xfrm>
-            <a:off x="3657600" y="6172200"/>
-            <a:ext cx="2743200" cy="685800"/>
+            <a:off x="8001000" y="3200400"/>
+            <a:ext cx="2286000" cy="685800"/>
           </a:xfrm>
           <a:prstGeom prst="rect">
             <a:avLst/>
@@ -6222,33 +6232,28 @@
           </a:fontRef>
         </p:style>
         <p:txBody>
-          <a:bodyPr rtlCol="0" anchor="ctr"/>
+          <a:bodyPr rtlCol="0" anchor="t"/>
           <a:lstStyle/>
           <a:p>
             <a:pPr algn="ctr">
-              <a:defRPr sz="1400" b="1"/>
-            </a:pPr>
-            <a:r>
-              <a:t>Agent: Chaos Injector</a:t>
-            </a:r>
-          </a:p>
-          <a:p>
-            <a:r>
-              <a:t>(SSM)</a:t>
-            </a:r>
-          </a:p>
-        </p:txBody>
-      </p:sp>
-      <p:sp>
-        <p:nvSpPr>
-          <p:cNvPr id="17" name="Rectangle 16"/>
+              <a:defRPr sz="1200" b="1"/>
+            </a:pPr>
+            <a:r>
+              <a:t>CloudFront</a:t>
+            </a:r>
+          </a:p>
+        </p:txBody>
+      </p:sp>
+      <p:sp>
+        <p:nvSpPr>
+          <p:cNvPr id="14" name="Rectangle 13"/>
           <p:cNvSpPr/>
           <p:nvPr/>
         </p:nvSpPr>
         <p:spPr>
           <a:xfrm>
-            <a:off x="8229600" y="3657600"/>
-            <a:ext cx="1828800" cy="685800"/>
+            <a:off x="11201400" y="3200400"/>
+            <a:ext cx="2514600" cy="685800"/>
           </a:xfrm>
           <a:prstGeom prst="rect">
             <a:avLst/>
@@ -6272,28 +6277,33 @@
           </a:fontRef>
         </p:style>
         <p:txBody>
-          <a:bodyPr rtlCol="0" anchor="ctr"/>
+          <a:bodyPr rtlCol="0" anchor="t"/>
           <a:lstStyle/>
           <a:p>
             <a:pPr algn="ctr">
-              <a:defRPr sz="1400" b="1"/>
-            </a:pPr>
-            <a:r>
-              <a:t>CloudFront</a:t>
-            </a:r>
-          </a:p>
-        </p:txBody>
-      </p:sp>
-      <p:sp>
-        <p:nvSpPr>
-          <p:cNvPr id="18" name="Rectangle 17"/>
+              <a:defRPr sz="1200" b="1"/>
+            </a:pPr>
+            <a:r>
+              <a:t>S3 Bucket</a:t>
+            </a:r>
+          </a:p>
+          <a:p>
+            <a:r>
+              <a:t>(React Frontend)</a:t>
+            </a:r>
+          </a:p>
+        </p:txBody>
+      </p:sp>
+      <p:sp>
+        <p:nvSpPr>
+          <p:cNvPr id="15" name="Rectangle 14"/>
           <p:cNvSpPr/>
           <p:nvPr/>
         </p:nvSpPr>
         <p:spPr>
           <a:xfrm>
-            <a:off x="10972800" y="3657600"/>
-            <a:ext cx="2743200" cy="685800"/>
+            <a:off x="8001000" y="5029200"/>
+            <a:ext cx="2286000" cy="685800"/>
           </a:xfrm>
           <a:prstGeom prst="rect">
             <a:avLst/>
@@ -6317,33 +6327,28 @@
           </a:fontRef>
         </p:style>
         <p:txBody>
-          <a:bodyPr rtlCol="0" anchor="ctr"/>
+          <a:bodyPr rtlCol="0" anchor="t"/>
           <a:lstStyle/>
           <a:p>
             <a:pPr algn="ctr">
-              <a:defRPr sz="1400" b="1"/>
-            </a:pPr>
-            <a:r>
-              <a:t>S3 Bucket</a:t>
-            </a:r>
-          </a:p>
-          <a:p>
-            <a:r>
-              <a:t>(React Frontend)</a:t>
-            </a:r>
-          </a:p>
-        </p:txBody>
-      </p:sp>
-      <p:sp>
-        <p:nvSpPr>
-          <p:cNvPr id="19" name="Rectangle 18"/>
+              <a:defRPr sz="1200" b="1"/>
+            </a:pPr>
+            <a:r>
+              <a:t>API Gateway</a:t>
+            </a:r>
+          </a:p>
+        </p:txBody>
+      </p:sp>
+      <p:sp>
+        <p:nvSpPr>
+          <p:cNvPr id="16" name="Rectangle 15"/>
           <p:cNvSpPr/>
           <p:nvPr/>
         </p:nvSpPr>
         <p:spPr>
           <a:xfrm>
-            <a:off x="8229600" y="5029200"/>
-            <a:ext cx="1828800" cy="685800"/>
+            <a:off x="11201400" y="5029200"/>
+            <a:ext cx="2514600" cy="685800"/>
           </a:xfrm>
           <a:prstGeom prst="rect">
             <a:avLst/>
@@ -6367,28 +6372,33 @@
           </a:fontRef>
         </p:style>
         <p:txBody>
-          <a:bodyPr rtlCol="0" anchor="ctr"/>
+          <a:bodyPr rtlCol="0" anchor="t"/>
           <a:lstStyle/>
           <a:p>
             <a:pPr algn="ctr">
-              <a:defRPr sz="1400" b="1"/>
-            </a:pPr>
-            <a:r>
-              <a:t>API Gateway</a:t>
-            </a:r>
-          </a:p>
-        </p:txBody>
-      </p:sp>
-      <p:sp>
-        <p:nvSpPr>
-          <p:cNvPr id="20" name="Rectangle 19"/>
+              <a:defRPr sz="1200" b="1"/>
+            </a:pPr>
+            <a:r>
+              <a:t>Lambda</a:t>
+            </a:r>
+          </a:p>
+          <a:p>
+            <a:r>
+              <a:t>(FastAPI Backend)</a:t>
+            </a:r>
+          </a:p>
+        </p:txBody>
+      </p:sp>
+      <p:sp>
+        <p:nvSpPr>
+          <p:cNvPr id="17" name="Rectangle 16"/>
           <p:cNvSpPr/>
           <p:nvPr/>
         </p:nvSpPr>
         <p:spPr>
           <a:xfrm>
-            <a:off x="10972800" y="5029200"/>
-            <a:ext cx="2743200" cy="685800"/>
+            <a:off x="914400" y="7543800"/>
+            <a:ext cx="5943600" cy="457200"/>
           </a:xfrm>
           <a:prstGeom prst="rect">
             <a:avLst/>
@@ -6412,33 +6422,28 @@
           </a:fontRef>
         </p:style>
         <p:txBody>
-          <a:bodyPr rtlCol="0" anchor="ctr"/>
+          <a:bodyPr rtlCol="0" anchor="t"/>
           <a:lstStyle/>
           <a:p>
             <a:pPr algn="ctr">
-              <a:defRPr sz="1400" b="1"/>
-            </a:pPr>
-            <a:r>
-              <a:t>Lambda</a:t>
-            </a:r>
-          </a:p>
-          <a:p>
-            <a:r>
-              <a:t>(FastAPI Backend)</a:t>
-            </a:r>
-          </a:p>
-        </p:txBody>
-      </p:sp>
-      <p:sp>
-        <p:nvSpPr>
-          <p:cNvPr id="21" name="Rectangle 20"/>
+              <a:defRPr sz="1200" b="1"/>
+            </a:pPr>
+            <a:r>
+              <a:t>S3 Artifacts Bucket</a:t>
+            </a:r>
+          </a:p>
+        </p:txBody>
+      </p:sp>
+      <p:sp>
+        <p:nvSpPr>
+          <p:cNvPr id="18" name="Rectangle 17"/>
           <p:cNvSpPr/>
           <p:nvPr/>
         </p:nvSpPr>
         <p:spPr>
           <a:xfrm>
-            <a:off x="10972800" y="5943600"/>
-            <a:ext cx="2743200" cy="685800"/>
+            <a:off x="7772400" y="7543800"/>
+            <a:ext cx="5943600" cy="457200"/>
           </a:xfrm>
           <a:prstGeom prst="rect">
             <a:avLst/>
@@ -6462,11 +6467,11 @@
           </a:fontRef>
         </p:style>
         <p:txBody>
-          <a:bodyPr rtlCol="0" anchor="ctr"/>
+          <a:bodyPr rtlCol="0" anchor="t"/>
           <a:lstStyle/>
           <a:p>
             <a:pPr algn="ctr">
-              <a:defRPr sz="1400" b="1"/>
+              <a:defRPr sz="1200" b="1"/>
             </a:pPr>
             <a:r>
               <a:t>CloudWatch Logs</a:t>
@@ -6476,63 +6481,13 @@
       </p:sp>
       <p:sp>
         <p:nvSpPr>
-          <p:cNvPr id="22" name="Rectangle 21"/>
-          <p:cNvSpPr/>
+          <p:cNvPr id="19" name="TextBox 18"/>
+          <p:cNvSpPr txBox="1"/>
           <p:nvPr/>
         </p:nvSpPr>
         <p:spPr>
           <a:xfrm>
-            <a:off x="4572000" y="7315200"/>
-            <a:ext cx="5486400" cy="685800"/>
-          </a:xfrm>
-          <a:prstGeom prst="rect">
-            <a:avLst/>
-          </a:prstGeom>
-          <a:solidFill>
-            <a:srgbClr val="DCE6F2"/>
-          </a:solidFill>
-        </p:spPr>
-        <p:style>
-          <a:lnRef idx="1">
-            <a:schemeClr val="accent1"/>
-          </a:lnRef>
-          <a:fillRef idx="3">
-            <a:schemeClr val="accent1"/>
-          </a:fillRef>
-          <a:effectRef idx="2">
-            <a:schemeClr val="accent1"/>
-          </a:effectRef>
-          <a:fontRef idx="minor">
-            <a:schemeClr val="lt1"/>
-          </a:fontRef>
-        </p:style>
-        <p:txBody>
-          <a:bodyPr rtlCol="0" anchor="ctr"/>
-          <a:lstStyle/>
-          <a:p>
-            <a:pPr algn="ctr">
-              <a:defRPr sz="1400" b="1"/>
-            </a:pPr>
-            <a:r>
-              <a:t>S3 Artifacts Bucket</a:t>
-            </a:r>
-          </a:p>
-          <a:p>
-            <a:r>
-              <a:t>(Logs, Scripts, Reports)</a:t>
-            </a:r>
-          </a:p>
-        </p:txBody>
-      </p:sp>
-      <p:sp>
-        <p:nvSpPr>
-          <p:cNvPr id="23" name="TextBox 22"/>
-          <p:cNvSpPr txBox="1"/>
-          <p:nvPr/>
-        </p:nvSpPr>
-        <p:spPr>
-          <a:xfrm>
-            <a:off x="6583680" y="4937760"/>
+            <a:off x="1600200" y="2651760"/>
             <a:ext cx="1828800" cy="457200"/>
           </a:xfrm>
           <a:prstGeom prst="rect">
@@ -6547,23 +6502,27 @@
           <a:lstStyle/>
           <a:p>
             <a:pPr>
-              <a:defRPr sz="1100" i="1"/>
-            </a:pPr>
-            <a:r>
-              <a:t>3. Applies Load / Injects Fault</a:t>
-            </a:r>
-          </a:p>
-        </p:txBody>
-      </p:sp>
-      <p:sp>
-        <p:nvSpPr>
-          <p:cNvPr id="24" name="TextBox 23"/>
+              <a:defRPr sz="1100" i="1">
+                <a:solidFill>
+                  <a:srgbClr val="BF9000"/>
+                </a:solidFill>
+              </a:defRPr>
+            </a:pPr>
+            <a:r>
+              <a:t>1. 'Run a test...'</a:t>
+            </a:r>
+          </a:p>
+        </p:txBody>
+      </p:sp>
+      <p:sp>
+        <p:nvSpPr>
+          <p:cNvPr id="20" name="TextBox 19"/>
           <p:cNvSpPr txBox="1"/>
           <p:nvPr/>
         </p:nvSpPr>
         <p:spPr>
           <a:xfrm>
-            <a:off x="7955279" y="6080760"/>
+            <a:off x="2286000" y="3200400"/>
             <a:ext cx="1828800" cy="457200"/>
           </a:xfrm>
           <a:prstGeom prst="rect">
@@ -6578,10 +6537,154 @@
           <a:lstStyle/>
           <a:p>
             <a:pPr>
-              <a:defRPr sz="1100" i="1"/>
+              <a:defRPr sz="1100" i="1">
+                <a:solidFill>
+                  <a:srgbClr val="BF9000"/>
+                </a:solidFill>
+              </a:defRPr>
+            </a:pPr>
+            <a:r>
+              <a:t>2. Starts Pipeline</a:t>
+            </a:r>
+          </a:p>
+        </p:txBody>
+      </p:sp>
+      <p:sp>
+        <p:nvSpPr>
+          <p:cNvPr id="21" name="TextBox 20"/>
+          <p:cNvSpPr txBox="1"/>
+          <p:nvPr/>
+        </p:nvSpPr>
+        <p:spPr>
+          <a:xfrm>
+            <a:off x="2971800" y="4800600"/>
+            <a:ext cx="1828800" cy="457200"/>
+          </a:xfrm>
+          <a:prstGeom prst="rect">
+            <a:avLst/>
+          </a:prstGeom>
+          <a:noFill/>
+        </p:spPr>
+        <p:txBody>
+          <a:bodyPr wrap="none">
+            <a:spAutoFit/>
+          </a:bodyPr>
+          <a:lstStyle/>
+          <a:p>
+            <a:pPr>
+              <a:defRPr sz="1100" i="1">
+                <a:solidFill>
+                  <a:srgbClr val="BF9000"/>
+                </a:solidFill>
+              </a:defRPr>
+            </a:pPr>
+            <a:r>
+              <a:t>3. Orchestrates Agents</a:t>
+            </a:r>
+          </a:p>
+        </p:txBody>
+      </p:sp>
+      <p:sp>
+        <p:nvSpPr>
+          <p:cNvPr id="22" name="TextBox 21"/>
+          <p:cNvSpPr txBox="1"/>
+          <p:nvPr/>
+        </p:nvSpPr>
+        <p:spPr>
+          <a:xfrm>
+            <a:off x="6858000" y="6629400"/>
+            <a:ext cx="1828800" cy="457200"/>
+          </a:xfrm>
+          <a:prstGeom prst="rect">
+            <a:avLst/>
+          </a:prstGeom>
+          <a:noFill/>
+        </p:spPr>
+        <p:txBody>
+          <a:bodyPr wrap="none">
+            <a:spAutoFit/>
+          </a:bodyPr>
+          <a:lstStyle/>
+          <a:p>
+            <a:pPr>
+              <a:defRPr sz="1100" i="1">
+                <a:solidFill>
+                  <a:srgbClr val="BF9000"/>
+                </a:solidFill>
+              </a:defRPr>
             </a:pPr>
             <a:r>
               <a:t>4. Reads Logs</a:t>
+            </a:r>
+          </a:p>
+        </p:txBody>
+      </p:sp>
+      <p:sp>
+        <p:nvSpPr>
+          <p:cNvPr id="23" name="TextBox 22"/>
+          <p:cNvSpPr txBox="1"/>
+          <p:nvPr/>
+        </p:nvSpPr>
+        <p:spPr>
+          <a:xfrm>
+            <a:off x="6858000" y="4114800"/>
+            <a:ext cx="1828800" cy="457200"/>
+          </a:xfrm>
+          <a:prstGeom prst="rect">
+            <a:avLst/>
+          </a:prstGeom>
+          <a:noFill/>
+        </p:spPr>
+        <p:txBody>
+          <a:bodyPr wrap="none">
+            <a:spAutoFit/>
+          </a:bodyPr>
+          <a:lstStyle/>
+          <a:p>
+            <a:pPr>
+              <a:defRPr sz="1100" i="1">
+                <a:solidFill>
+                  <a:srgbClr val="BF9000"/>
+                </a:solidFill>
+              </a:defRPr>
+            </a:pPr>
+            <a:r>
+              <a:t>5. Applies Load</a:t>
+            </a:r>
+          </a:p>
+        </p:txBody>
+      </p:sp>
+      <p:sp>
+        <p:nvSpPr>
+          <p:cNvPr id="24" name="TextBox 23"/>
+          <p:cNvSpPr txBox="1"/>
+          <p:nvPr/>
+        </p:nvSpPr>
+        <p:spPr>
+          <a:xfrm>
+            <a:off x="914400" y="6629400"/>
+            <a:ext cx="2743200" cy="457200"/>
+          </a:xfrm>
+          <a:prstGeom prst="rect">
+            <a:avLst/>
+          </a:prstGeom>
+          <a:noFill/>
+        </p:spPr>
+        <p:txBody>
+          <a:bodyPr wrap="none">
+            <a:spAutoFit/>
+          </a:bodyPr>
+          <a:lstStyle/>
+          <a:p>
+            <a:pPr>
+              <a:defRPr sz="1100" i="1">
+                <a:solidFill>
+                  <a:srgbClr val="BF9000"/>
+                </a:solidFill>
+              </a:defRPr>
+            </a:pPr>
+            <a:r>
+              <a:t>6. Writes/Reads Artifacts</a:t>
             </a:r>
           </a:p>
         </p:txBody>
@@ -6616,7 +6719,7 @@
               </a:defRPr>
             </a:pPr>
             <a:r>
-              <a:t>Cortex Performance Engine | 7 of 12</a:t>
+              <a:t>Cortex Performance Engine | 7 of 13</a:t>
             </a:r>
           </a:p>
         </p:txBody>
@@ -6662,7 +6765,7 @@
               </a:defRPr>
             </a:pPr>
             <a:r>
-              <a:t>Key Advantages: The Business Impact</a:t>
+              <a:t>Architecture Part 2: Rationale &amp; Communication</a:t>
             </a:r>
           </a:p>
         </p:txBody>
@@ -6694,66 +6797,256 @@
               <a:defRPr b="1" i="0" sz="2400"/>
             </a:pPr>
             <a:r>
-              <a:t>Accelerated Delivery:</a:t>
-            </a:r>
-            <a:r>
-              <a:rPr b="0" i="0"/>
-              <a:t> Reduce test creation time from weeks to minutes, removing bottlenecks and enabling faster time-to-market.</a:t>
-            </a:r>
-          </a:p>
-          <a:p>
-            <a:pPr>
-              <a:defRPr b="1" i="0" sz="2400"/>
-            </a:pPr>
-            <a:r>
-              <a:t>Drastic Cost Reduction:</a:t>
-            </a:r>
-            <a:r>
-              <a:rPr b="0" i="0"/>
-              <a:t> Save over 90% on infrastructure costs by leveraging a serverless, pay-per-use model instead of always-on servers.</a:t>
-            </a:r>
-          </a:p>
-          <a:p>
-            <a:pPr>
-              <a:defRPr b="1" i="0" sz="2400"/>
-            </a:pPr>
-            <a:r>
-              <a:t>Increased Resilience:</a:t>
-            </a:r>
-            <a:r>
-              <a:rPr b="0" i="0"/>
-              <a:t> Proactively find and fix performance and chaos issues before they impact customers, reducing the risk of costly outages.</a:t>
-            </a:r>
-          </a:p>
-          <a:p>
-            <a:pPr>
-              <a:defRPr b="1" i="0" sz="2400"/>
-            </a:pPr>
-            <a:r>
-              <a:t>Improved Developer Productivity:</a:t>
-            </a:r>
-            <a:r>
-              <a:rPr b="0" i="0"/>
-              <a:t> Automate tedious tasks, freeing up expert engineers to focus on innovation and high-value work.</a:t>
-            </a:r>
-          </a:p>
-          <a:p>
-            <a:pPr>
-              <a:defRPr b="1" i="0" sz="2400"/>
-            </a:pPr>
-            <a:r>
-              <a:t>Democratized Testing:</a:t>
-            </a:r>
-            <a:r>
-              <a:rPr b="0" i="0"/>
-              <a:t> Empower more team members to run sophisticated tests via a simple chatbot, fostering a culture of quality.</a:t>
-            </a:r>
-          </a:p>
-        </p:txBody>
-      </p:sp>
-      <p:sp>
-        <p:nvSpPr>
-          <p:cNvPr id="4" name="TextBox 3"/>
+              <a:t>How Real-Time Communication Works:</a:t>
+            </a:r>
+          </a:p>
+          <a:p>
+            <a:pPr lvl="1">
+              <a:defRPr b="0" i="0" sz="2400"/>
+            </a:pPr>
+            <a:r>
+              <a:t>The entire process is asynchronous. Step Functions passes a JSON state object between each agent, containing a unique `runId` and pointers to artifacts in the S3 bucket.</a:t>
+            </a:r>
+          </a:p>
+        </p:txBody>
+      </p:sp>
+      <p:graphicFrame>
+        <p:nvGraphicFramePr>
+          <p:cNvPr id="4" name="Table 3"/>
+          <p:cNvGraphicFramePr>
+            <a:graphicFrameLocks noGrp="1"/>
+          </p:cNvGraphicFramePr>
+          <p:nvPr/>
+        </p:nvGraphicFramePr>
+        <p:xfrm>
+          <a:off x="914400" y="2286000"/>
+          <a:ext cx="12801600" cy="2743200"/>
+        </p:xfrm>
+        <a:graphic>
+          <a:graphicData uri="http://schemas.openxmlformats.org/drawingml/2006/table">
+            <a:tbl>
+              <a:tblPr firstRow="1" bandRow="1">
+                <a:tableStyleId>{5C22544A-7EE6-4342-B048-85BDC9FD1C3A}</a:tableStyleId>
+              </a:tblPr>
+              <a:tblGrid>
+                <a:gridCol w="6400800"/>
+                <a:gridCol w="6400800"/>
+              </a:tblGrid>
+              <a:tr h="457200">
+                <a:tc>
+                  <a:txBody>
+                    <a:bodyPr/>
+                    <a:lstStyle/>
+                    <a:p>
+                      <a:pPr>
+                        <a:defRPr b="1" sz="1600">
+                          <a:solidFill>
+                            <a:srgbClr val="0052A5"/>
+                          </a:solidFill>
+                        </a:defRPr>
+                      </a:pPr>
+                      <a:r>
+                        <a:t>Service</a:t>
+                      </a:r>
+                    </a:p>
+                  </a:txBody>
+                  <a:tcPr>
+                    <a:solidFill>
+                      <a:srgbClr val="F2F2F2"/>
+                    </a:solidFill>
+                  </a:tcPr>
+                </a:tc>
+                <a:tc>
+                  <a:txBody>
+                    <a:bodyPr/>
+                    <a:lstStyle/>
+                    <a:p>
+                      <a:pPr>
+                        <a:defRPr b="1" sz="1600">
+                          <a:solidFill>
+                            <a:srgbClr val="0052A5"/>
+                          </a:solidFill>
+                        </a:defRPr>
+                      </a:pPr>
+                      <a:r>
+                        <a:t>Why We Chose It (The Rationale)</a:t>
+                      </a:r>
+                    </a:p>
+                  </a:txBody>
+                  <a:tcPr>
+                    <a:solidFill>
+                      <a:srgbClr val="F2F2F2"/>
+                    </a:solidFill>
+                  </a:tcPr>
+                </a:tc>
+              </a:tr>
+              <a:tr h="457200">
+                <a:tc>
+                  <a:txBody>
+                    <a:bodyPr/>
+                    <a:lstStyle/>
+                    <a:p>
+                      <a:pPr>
+                        <a:defRPr sz="1400"/>
+                      </a:pPr>
+                      <a:r>
+                        <a:t>AWS Step Functions</a:t>
+                      </a:r>
+                    </a:p>
+                  </a:txBody>
+                  <a:tcPr/>
+                </a:tc>
+                <a:tc>
+                  <a:txBody>
+                    <a:bodyPr/>
+                    <a:lstStyle/>
+                    <a:p>
+                      <a:pPr>
+                        <a:defRPr sz="1400"/>
+                      </a:pPr>
+                      <a:r>
+                        <a:t>Provides visual workflows, error handling, and retries out-of-the-box. Perfect for sequencing agentic tasks. It's the serverless 'brain' of the operation.</a:t>
+                      </a:r>
+                    </a:p>
+                  </a:txBody>
+                  <a:tcPr/>
+                </a:tc>
+              </a:tr>
+              <a:tr h="457200">
+                <a:tc>
+                  <a:txBody>
+                    <a:bodyPr/>
+                    <a:lstStyle/>
+                    <a:p>
+                      <a:pPr>
+                        <a:defRPr sz="1400"/>
+                      </a:pPr>
+                      <a:r>
+                        <a:t>AWS Lambda</a:t>
+                      </a:r>
+                    </a:p>
+                  </a:txBody>
+                  <a:tcPr/>
+                </a:tc>
+                <a:tc>
+                  <a:txBody>
+                    <a:bodyPr/>
+                    <a:lstStyle/>
+                    <a:p>
+                      <a:pPr>
+                        <a:defRPr sz="1400"/>
+                      </a:pPr>
+                      <a:r>
+                        <a:t>Ideal for short-lived, event-driven tasks like our agents. We only pay for compute time used, ensuring maximum cost-efficiency. Zero server management.</a:t>
+                      </a:r>
+                    </a:p>
+                  </a:txBody>
+                  <a:tcPr/>
+                </a:tc>
+              </a:tr>
+              <a:tr h="457200">
+                <a:tc>
+                  <a:txBody>
+                    <a:bodyPr/>
+                    <a:lstStyle/>
+                    <a:p>
+                      <a:pPr>
+                        <a:defRPr sz="1400"/>
+                      </a:pPr>
+                      <a:r>
+                        <a:t>AWS Fargate (Spot)</a:t>
+                      </a:r>
+                    </a:p>
+                  </a:txBody>
+                  <a:tcPr/>
+                </a:tc>
+                <a:tc>
+                  <a:txBody>
+                    <a:bodyPr/>
+                    <a:lstStyle/>
+                    <a:p>
+                      <a:pPr>
+                        <a:defRPr sz="1400"/>
+                      </a:pPr>
+                      <a:r>
+                        <a:t>Combines serverless benefits (no EC2 management) with massive cost savings (up to 90% for Spot). Perfect for the containerized JMeter test executor.</a:t>
+                      </a:r>
+                    </a:p>
+                  </a:txBody>
+                  <a:tcPr/>
+                </a:tc>
+              </a:tr>
+              <a:tr h="457200">
+                <a:tc>
+                  <a:txBody>
+                    <a:bodyPr/>
+                    <a:lstStyle/>
+                    <a:p>
+                      <a:pPr>
+                        <a:defRPr sz="1400"/>
+                      </a:pPr>
+                      <a:r>
+                        <a:t>Amazon Bedrock</a:t>
+                      </a:r>
+                    </a:p>
+                  </a:txBody>
+                  <a:tcPr/>
+                </a:tc>
+                <a:tc>
+                  <a:txBody>
+                    <a:bodyPr/>
+                    <a:lstStyle/>
+                    <a:p>
+                      <a:pPr>
+                        <a:defRPr sz="1400"/>
+                      </a:pPr>
+                      <a:r>
+                        <a:t>Gives us easy, secure access to powerful foundation models without managing ML infrastructure. This is the core of our AI-driven analysis and generation capabilities.</a:t>
+                      </a:r>
+                    </a:p>
+                  </a:txBody>
+                  <a:tcPr/>
+                </a:tc>
+              </a:tr>
+              <a:tr h="457200">
+                <a:tc>
+                  <a:txBody>
+                    <a:bodyPr/>
+                    <a:lstStyle/>
+                    <a:p>
+                      <a:pPr>
+                        <a:defRPr sz="1400"/>
+                      </a:pPr>
+                      <a:r>
+                        <a:t>S3 Artifacts Bucket</a:t>
+                      </a:r>
+                    </a:p>
+                  </a:txBody>
+                  <a:tcPr/>
+                </a:tc>
+                <a:tc>
+                  <a:txBody>
+                    <a:bodyPr/>
+                    <a:lstStyle/>
+                    <a:p>
+                      <a:pPr>
+                        <a:defRPr sz="1400"/>
+                      </a:pPr>
+                      <a:r>
+                        <a:t>Acts as the central, decoupled data bus. Agents communicate indirectly by passing data (logs, scripts, reports) through S3, making the system robust and scalable.</a:t>
+                      </a:r>
+                    </a:p>
+                  </a:txBody>
+                  <a:tcPr/>
+                </a:tc>
+              </a:tr>
+            </a:tbl>
+          </a:graphicData>
+        </a:graphic>
+      </p:graphicFrame>
+      <p:sp>
+        <p:nvSpPr>
+          <p:cNvPr id="5" name="TextBox 4"/>
           <p:cNvSpPr txBox="1"/>
           <p:nvPr/>
         </p:nvSpPr>
@@ -6781,7 +7074,7 @@
               </a:defRPr>
             </a:pPr>
             <a:r>
-              <a:t>Cortex Performance Engine | 8 of 12</a:t>
+              <a:t>Cortex Performance Engine | 8 of 13</a:t>
             </a:r>
           </a:p>
         </p:txBody>
@@ -6827,7 +7120,7 @@
               </a:defRPr>
             </a:pPr>
             <a:r>
-              <a:t>Live Prototype Demonstration</a:t>
+              <a:t>Key Advantages: The Business Impact</a:t>
             </a:r>
           </a:p>
         </p:txBody>
@@ -6859,11 +7152,11 @@
               <a:defRPr b="1" i="0" sz="2400"/>
             </a:pPr>
             <a:r>
-              <a:t>1. Triggering the Test:</a:t>
+              <a:t>Accelerated Delivery:</a:t>
             </a:r>
             <a:r>
               <a:rPr b="0" i="0"/>
-              <a:t> We will interact with the chatbot in the AWS Lex console to launch a load test.</a:t>
+              <a:t> Reduce test creation time from weeks to minutes, removing bottlenecks and enabling faster time-to-market.</a:t>
             </a:r>
           </a:p>
           <a:p>
@@ -6871,11 +7164,11 @@
               <a:defRPr b="1" i="0" sz="2400"/>
             </a:pPr>
             <a:r>
-              <a:t>2. Monitoring the Pipeline:</a:t>
+              <a:t>Drastic Cost Reduction:</a:t>
             </a:r>
             <a:r>
               <a:rPr b="0" i="0"/>
-              <a:t> We will observe the AWS Step Functions graph to see the automated workflow in real-time.</a:t>
+              <a:t> Save over 90% on infrastructure costs by leveraging a serverless, pay-per-use model instead of always-on servers.</a:t>
             </a:r>
           </a:p>
           <a:p>
@@ -6883,11 +7176,35 @@
               <a:defRPr b="1" i="0" sz="2400"/>
             </a:pPr>
             <a:r>
-              <a:t>3. Viewing the AI-Generated Report:</a:t>
+              <a:t>Increased Resilience:</a:t>
             </a:r>
             <a:r>
               <a:rPr b="0" i="0"/>
-              <a:t> We will review the final PDF report in S3, complete with metrics, analysis, and AI-generated recommendations.</a:t>
+              <a:t> Proactively find and fix performance and chaos issues before they impact customers, reducing the risk of costly outages.</a:t>
+            </a:r>
+          </a:p>
+          <a:p>
+            <a:pPr>
+              <a:defRPr b="1" i="0" sz="2400"/>
+            </a:pPr>
+            <a:r>
+              <a:t>Improved Developer Productivity:</a:t>
+            </a:r>
+            <a:r>
+              <a:rPr b="0" i="0"/>
+              <a:t> Automate tedious tasks, freeing up expert engineers to focus on innovation and high-value work.</a:t>
+            </a:r>
+          </a:p>
+          <a:p>
+            <a:pPr>
+              <a:defRPr b="1" i="0" sz="2400"/>
+            </a:pPr>
+            <a:r>
+              <a:t>Democratized Testing:</a:t>
+            </a:r>
+            <a:r>
+              <a:rPr b="0" i="0"/>
+              <a:t> Empower more team members to run sophisticated tests via a simple chatbot, fostering a culture of quality.</a:t>
             </a:r>
           </a:p>
         </p:txBody>
@@ -6922,7 +7239,7 @@
               </a:defRPr>
             </a:pPr>
             <a:r>
-              <a:t>Cortex Performance Engine | 9 of 12</a:t>
+              <a:t>Cortex Performance Engine | 9 of 13</a:t>
             </a:r>
           </a:p>
         </p:txBody>

--- a/Cortex_Performance_Engine_Stakeholder_Presentation.pptx
+++ b/Cortex_Performance_Engine_Stakeholder_Presentation.pptx
@@ -5756,6 +5756,11 @@
           <a:solidFill>
             <a:srgbClr val="DCE6F2"/>
           </a:solidFill>
+          <a:ln>
+            <a:solidFill>
+              <a:srgbClr val="FFFFFF"/>
+            </a:solidFill>
+          </a:ln>
         </p:spPr>
         <p:style>
           <a:lnRef idx="1">
@@ -5772,7 +5777,7 @@
           </a:fontRef>
         </p:style>
         <p:txBody>
-          <a:bodyPr rtlCol="0" anchor="t"/>
+          <a:bodyPr rtlCol="0" anchor="ctr" bIns="73152" tIns="73152"/>
           <a:lstStyle/>
           <a:p>
             <a:pPr algn="ctr">
@@ -5801,6 +5806,11 @@
           <a:solidFill>
             <a:srgbClr val="E2F0D9"/>
           </a:solidFill>
+          <a:ln>
+            <a:solidFill>
+              <a:srgbClr val="FFFFFF"/>
+            </a:solidFill>
+          </a:ln>
         </p:spPr>
         <p:style>
           <a:lnRef idx="1">
@@ -5817,7 +5827,7 @@
           </a:fontRef>
         </p:style>
         <p:txBody>
-          <a:bodyPr rtlCol="0" anchor="t"/>
+          <a:bodyPr rtlCol="0" anchor="ctr" bIns="73152" tIns="73152"/>
           <a:lstStyle/>
           <a:p>
             <a:pPr algn="ctr">
@@ -5846,6 +5856,11 @@
           <a:solidFill>
             <a:srgbClr val="F2F2F2"/>
           </a:solidFill>
+          <a:ln>
+            <a:solidFill>
+              <a:srgbClr val="FFFFFF"/>
+            </a:solidFill>
+          </a:ln>
         </p:spPr>
         <p:style>
           <a:lnRef idx="1">
@@ -5862,7 +5877,7 @@
           </a:fontRef>
         </p:style>
         <p:txBody>
-          <a:bodyPr rtlCol="0" anchor="t"/>
+          <a:bodyPr rtlCol="0" anchor="ctr" bIns="73152" tIns="73152"/>
           <a:lstStyle/>
           <a:p>
             <a:pPr algn="ctr">
@@ -5907,7 +5922,7 @@
           </a:fontRef>
         </p:style>
         <p:txBody>
-          <a:bodyPr rtlCol="0" anchor="t"/>
+          <a:bodyPr rtlCol="0" anchor="ctr" bIns="73152" tIns="73152"/>
           <a:lstStyle/>
           <a:p>
             <a:pPr algn="ctr">
@@ -5952,7 +5967,7 @@
           </a:fontRef>
         </p:style>
         <p:txBody>
-          <a:bodyPr rtlCol="0" anchor="t"/>
+          <a:bodyPr rtlCol="0" anchor="ctr" bIns="73152" tIns="73152"/>
           <a:lstStyle/>
           <a:p>
             <a:pPr algn="ctr">
@@ -6002,7 +6017,7 @@
           </a:fontRef>
         </p:style>
         <p:txBody>
-          <a:bodyPr rtlCol="0" anchor="t"/>
+          <a:bodyPr rtlCol="0" anchor="ctr" bIns="73152" tIns="73152"/>
           <a:lstStyle/>
           <a:p>
             <a:pPr algn="ctr">
@@ -6052,7 +6067,7 @@
           </a:fontRef>
         </p:style>
         <p:txBody>
-          <a:bodyPr rtlCol="0" anchor="t"/>
+          <a:bodyPr rtlCol="0" anchor="ctr" bIns="73152" tIns="73152"/>
           <a:lstStyle/>
           <a:p>
             <a:pPr algn="ctr">
@@ -6097,7 +6112,7 @@
           </a:fontRef>
         </p:style>
         <p:txBody>
-          <a:bodyPr rtlCol="0" anchor="t"/>
+          <a:bodyPr rtlCol="0" anchor="ctr" bIns="73152" tIns="73152"/>
           <a:lstStyle/>
           <a:p>
             <a:pPr algn="ctr">
@@ -6142,7 +6157,7 @@
           </a:fontRef>
         </p:style>
         <p:txBody>
-          <a:bodyPr rtlCol="0" anchor="t"/>
+          <a:bodyPr rtlCol="0" anchor="ctr" bIns="73152" tIns="73152"/>
           <a:lstStyle/>
           <a:p>
             <a:pPr algn="ctr">
@@ -6187,7 +6202,7 @@
           </a:fontRef>
         </p:style>
         <p:txBody>
-          <a:bodyPr rtlCol="0" anchor="t"/>
+          <a:bodyPr rtlCol="0" anchor="ctr" bIns="73152" tIns="73152"/>
           <a:lstStyle/>
           <a:p>
             <a:pPr algn="ctr">
@@ -6232,7 +6247,7 @@
           </a:fontRef>
         </p:style>
         <p:txBody>
-          <a:bodyPr rtlCol="0" anchor="t"/>
+          <a:bodyPr rtlCol="0" anchor="ctr" bIns="73152" tIns="73152"/>
           <a:lstStyle/>
           <a:p>
             <a:pPr algn="ctr">
@@ -6277,7 +6292,7 @@
           </a:fontRef>
         </p:style>
         <p:txBody>
-          <a:bodyPr rtlCol="0" anchor="t"/>
+          <a:bodyPr rtlCol="0" anchor="ctr" bIns="73152" tIns="73152"/>
           <a:lstStyle/>
           <a:p>
             <a:pPr algn="ctr">
@@ -6327,7 +6342,7 @@
           </a:fontRef>
         </p:style>
         <p:txBody>
-          <a:bodyPr rtlCol="0" anchor="t"/>
+          <a:bodyPr rtlCol="0" anchor="ctr" bIns="73152" tIns="73152"/>
           <a:lstStyle/>
           <a:p>
             <a:pPr algn="ctr">
@@ -6372,7 +6387,7 @@
           </a:fontRef>
         </p:style>
         <p:txBody>
-          <a:bodyPr rtlCol="0" anchor="t"/>
+          <a:bodyPr rtlCol="0" anchor="ctr" bIns="73152" tIns="73152"/>
           <a:lstStyle/>
           <a:p>
             <a:pPr algn="ctr">
@@ -6422,7 +6437,7 @@
           </a:fontRef>
         </p:style>
         <p:txBody>
-          <a:bodyPr rtlCol="0" anchor="t"/>
+          <a:bodyPr rtlCol="0" anchor="ctr" bIns="73152" tIns="73152"/>
           <a:lstStyle/>
           <a:p>
             <a:pPr algn="ctr">
@@ -6467,7 +6482,7 @@
           </a:fontRef>
         </p:style>
         <p:txBody>
-          <a:bodyPr rtlCol="0" anchor="t"/>
+          <a:bodyPr rtlCol="0" anchor="ctr" bIns="73152" tIns="73152"/>
           <a:lstStyle/>
           <a:p>
             <a:pPr algn="ctr">
@@ -6502,7 +6517,7 @@
           <a:lstStyle/>
           <a:p>
             <a:pPr>
-              <a:defRPr sz="1100" i="1">
+              <a:defRPr sz="1100" i="1" b="0">
                 <a:solidFill>
                   <a:srgbClr val="BF9000"/>
                 </a:solidFill>
@@ -6537,7 +6552,7 @@
           <a:lstStyle/>
           <a:p>
             <a:pPr>
-              <a:defRPr sz="1100" i="1">
+              <a:defRPr sz="1100" i="1" b="0">
                 <a:solidFill>
                   <a:srgbClr val="BF9000"/>
                 </a:solidFill>
@@ -6572,7 +6587,7 @@
           <a:lstStyle/>
           <a:p>
             <a:pPr>
-              <a:defRPr sz="1100" i="1">
+              <a:defRPr sz="1100" i="1" b="0">
                 <a:solidFill>
                   <a:srgbClr val="BF9000"/>
                 </a:solidFill>
@@ -6607,7 +6622,7 @@
           <a:lstStyle/>
           <a:p>
             <a:pPr>
-              <a:defRPr sz="1100" i="1">
+              <a:defRPr sz="1100" i="1" b="0">
                 <a:solidFill>
                   <a:srgbClr val="BF9000"/>
                 </a:solidFill>
@@ -6642,7 +6657,7 @@
           <a:lstStyle/>
           <a:p>
             <a:pPr>
-              <a:defRPr sz="1100" i="1">
+              <a:defRPr sz="1100" i="1" b="0">
                 <a:solidFill>
                   <a:srgbClr val="BF9000"/>
                 </a:solidFill>
@@ -6677,7 +6692,7 @@
           <a:lstStyle/>
           <a:p>
             <a:pPr>
-              <a:defRPr sz="1100" i="1">
+              <a:defRPr sz="1100" i="1" b="0">
                 <a:solidFill>
                   <a:srgbClr val="BF9000"/>
                 </a:solidFill>

--- a/Cortex_Performance_Engine_Stakeholder_Presentation.pptx
+++ b/Cortex_Performance_Engine_Stakeholder_Presentation.pptx
@@ -18,6 +18,8 @@
     <p:sldId id="266" r:id="rId18"/>
     <p:sldId id="267" r:id="rId19"/>
     <p:sldId id="268" r:id="rId20"/>
+    <p:sldId id="269" r:id="rId21"/>
+    <p:sldId id="270" r:id="rId22"/>
   </p:sldIdLst>
   <p:sldSz cx="14630400" cy="8229600" type="screen4x3"/>
   <p:notesSz cx="6858000" cy="9144000"/>
@@ -724,7 +726,7 @@
           <a:lstStyle/>
           <a:p>
             <a:r>
-              <a:t>This diagram shows the high-level flow. The Cortex Engine is a separate, independent system that observes and tests the target application without being part of it, which is a key architectural principle.</a:t>
+              <a:t>This is our target application. It's a modern, serverless web app. Understanding its components is key to understanding how we test it.</a:t>
             </a:r>
           </a:p>
         </p:txBody>
@@ -794,7 +796,7 @@
           <a:lstStyle/>
           <a:p>
             <a:r>
-              <a:t>This slide sets the agenda for the live demo portion of the presentation.</a:t>
+              <a:t>This is our solution. It's an event-driven system where each agent is a specialized microservice. Step Functions acts as the central brain, ensuring tasks run in the correct order.</a:t>
             </a:r>
           </a:p>
         </p:txBody>
@@ -820,6 +822,216 @@
 </file>
 
 <file path=ppt/notesSlides/notesSlide6.xml><?xml version="1.0" encoding="utf-8"?>
+<p:notes xmlns:a="http://schemas.openxmlformats.org/drawingml/2006/main" xmlns:p="http://schemas.openxmlformats.org/presentationml/2006/main" xmlns:r="http://schemas.openxmlformats.org/officeDocument/2006/relationships">
+  <p:cSld>
+    <p:spTree>
+      <p:nvGrpSpPr>
+        <p:cNvPr id="1" name=""/>
+        <p:cNvGrpSpPr/>
+        <p:nvPr/>
+      </p:nvGrpSpPr>
+      <p:grpSpPr>
+        <a:xfrm>
+          <a:off x="0" y="0"/>
+          <a:ext cx="0" cy="0"/>
+          <a:chOff x="0" y="0"/>
+          <a:chExt cx="0" cy="0"/>
+        </a:xfrm>
+      </p:grpSpPr>
+      <p:sp>
+        <p:nvSpPr>
+          <p:cNvPr id="2" name="Slide Image Placeholder 1"/>
+          <p:cNvSpPr>
+            <a:spLocks noGrp="1"/>
+          </p:cNvSpPr>
+          <p:nvPr>
+            <p:ph type="sldImg" idx="2"/>
+          </p:nvPr>
+        </p:nvSpPr>
+        <p:spPr/>
+      </p:sp>
+      <p:sp>
+        <p:nvSpPr>
+          <p:cNvPr id="3" name="Notes Placeholder 2"/>
+          <p:cNvSpPr>
+            <a:spLocks noGrp="1"/>
+          </p:cNvSpPr>
+          <p:nvPr>
+            <p:ph type="body" idx="3" sz="quarter"/>
+          </p:nvPr>
+        </p:nvSpPr>
+        <p:spPr/>
+        <p:txBody>
+          <a:bodyPr/>
+          <a:lstStyle/>
+          <a:p>
+            <a:r>
+              <a:t>Our architectural choices are deliberate, focusing on serverless-first principles to reduce operational overhead and cost at every layer.</a:t>
+            </a:r>
+          </a:p>
+        </p:txBody>
+      </p:sp>
+      <p:sp>
+        <p:nvSpPr>
+          <p:cNvPr id="4" name="Slide Number Placeholder 3"/>
+          <p:cNvSpPr>
+            <a:spLocks noGrp="1"/>
+          </p:cNvSpPr>
+          <p:nvPr>
+            <p:ph type="sldNum" idx="5" sz="quarter"/>
+          </p:nvPr>
+        </p:nvSpPr>
+        <p:spPr/>
+      </p:sp>
+    </p:spTree>
+  </p:cSld>
+  <p:clrMapOvr>
+    <a:masterClrMapping/>
+  </p:clrMapOvr>
+</p:notes>
+</file>
+
+<file path=ppt/notesSlides/notesSlide7.xml><?xml version="1.0" encoding="utf-8"?>
+<p:notes xmlns:a="http://schemas.openxmlformats.org/drawingml/2006/main" xmlns:p="http://schemas.openxmlformats.org/presentationml/2006/main" xmlns:r="http://schemas.openxmlformats.org/officeDocument/2006/relationships">
+  <p:cSld>
+    <p:spTree>
+      <p:nvGrpSpPr>
+        <p:cNvPr id="1" name=""/>
+        <p:cNvGrpSpPr/>
+        <p:nvPr/>
+      </p:nvGrpSpPr>
+      <p:grpSpPr>
+        <a:xfrm>
+          <a:off x="0" y="0"/>
+          <a:ext cx="0" cy="0"/>
+          <a:chOff x="0" y="0"/>
+          <a:chExt cx="0" cy="0"/>
+        </a:xfrm>
+      </p:grpSpPr>
+      <p:sp>
+        <p:nvSpPr>
+          <p:cNvPr id="2" name="Slide Image Placeholder 1"/>
+          <p:cNvSpPr>
+            <a:spLocks noGrp="1"/>
+          </p:cNvSpPr>
+          <p:nvPr>
+            <p:ph type="sldImg" idx="2"/>
+          </p:nvPr>
+        </p:nvSpPr>
+        <p:spPr/>
+      </p:sp>
+      <p:sp>
+        <p:nvSpPr>
+          <p:cNvPr id="3" name="Notes Placeholder 2"/>
+          <p:cNvSpPr>
+            <a:spLocks noGrp="1"/>
+          </p:cNvSpPr>
+          <p:nvPr>
+            <p:ph type="body" idx="3" sz="quarter"/>
+          </p:nvPr>
+        </p:nvSpPr>
+        <p:spPr/>
+        <p:txBody>
+          <a:bodyPr/>
+          <a:lstStyle/>
+          <a:p>
+            <a:r>
+              <a:t>This is the complete picture. The Cortex Engine (left) is a fully independent system that interacts with the Target Application (right) only through public APIs and by observing logs, just like a real user and an SRE would.</a:t>
+            </a:r>
+          </a:p>
+        </p:txBody>
+      </p:sp>
+      <p:sp>
+        <p:nvSpPr>
+          <p:cNvPr id="4" name="Slide Number Placeholder 3"/>
+          <p:cNvSpPr>
+            <a:spLocks noGrp="1"/>
+          </p:cNvSpPr>
+          <p:nvPr>
+            <p:ph type="sldNum" idx="5" sz="quarter"/>
+          </p:nvPr>
+        </p:nvSpPr>
+        <p:spPr/>
+      </p:sp>
+    </p:spTree>
+  </p:cSld>
+  <p:clrMapOvr>
+    <a:masterClrMapping/>
+  </p:clrMapOvr>
+</p:notes>
+</file>
+
+<file path=ppt/notesSlides/notesSlide8.xml><?xml version="1.0" encoding="utf-8"?>
+<p:notes xmlns:a="http://schemas.openxmlformats.org/drawingml/2006/main" xmlns:p="http://schemas.openxmlformats.org/presentationml/2006/main" xmlns:r="http://schemas.openxmlformats.org/officeDocument/2006/relationships">
+  <p:cSld>
+    <p:spTree>
+      <p:nvGrpSpPr>
+        <p:cNvPr id="1" name=""/>
+        <p:cNvGrpSpPr/>
+        <p:nvPr/>
+      </p:nvGrpSpPr>
+      <p:grpSpPr>
+        <a:xfrm>
+          <a:off x="0" y="0"/>
+          <a:ext cx="0" cy="0"/>
+          <a:chOff x="0" y="0"/>
+          <a:chExt cx="0" cy="0"/>
+        </a:xfrm>
+      </p:grpSpPr>
+      <p:sp>
+        <p:nvSpPr>
+          <p:cNvPr id="2" name="Slide Image Placeholder 1"/>
+          <p:cNvSpPr>
+            <a:spLocks noGrp="1"/>
+          </p:cNvSpPr>
+          <p:nvPr>
+            <p:ph type="sldImg" idx="2"/>
+          </p:nvPr>
+        </p:nvSpPr>
+        <p:spPr/>
+      </p:sp>
+      <p:sp>
+        <p:nvSpPr>
+          <p:cNvPr id="3" name="Notes Placeholder 2"/>
+          <p:cNvSpPr>
+            <a:spLocks noGrp="1"/>
+          </p:cNvSpPr>
+          <p:nvPr>
+            <p:ph type="body" idx="3" sz="quarter"/>
+          </p:nvPr>
+        </p:nvSpPr>
+        <p:spPr/>
+        <p:txBody>
+          <a:bodyPr/>
+          <a:lstStyle/>
+          <a:p>
+            <a:r>
+              <a:t>This slide sets the agenda for the live demo portion of the presentation.</a:t>
+            </a:r>
+          </a:p>
+        </p:txBody>
+      </p:sp>
+      <p:sp>
+        <p:nvSpPr>
+          <p:cNvPr id="4" name="Slide Number Placeholder 3"/>
+          <p:cNvSpPr>
+            <a:spLocks noGrp="1"/>
+          </p:cNvSpPr>
+          <p:nvPr>
+            <p:ph type="sldNum" idx="5" sz="quarter"/>
+          </p:nvPr>
+        </p:nvSpPr>
+        <p:spPr/>
+      </p:sp>
+    </p:spTree>
+  </p:cSld>
+  <p:clrMapOvr>
+    <a:masterClrMapping/>
+  </p:clrMapOvr>
+</p:notes>
+</file>
+
+<file path=ppt/notesSlides/notesSlide9.xml><?xml version="1.0" encoding="utf-8"?>
 <p:notes xmlns:a="http://schemas.openxmlformats.org/drawingml/2006/main" xmlns:p="http://schemas.openxmlformats.org/presentationml/2006/main" xmlns:r="http://schemas.openxmlformats.org/officeDocument/2006/relationships">
   <p:cSld>
     <p:spTree>
@@ -3967,7 +4179,112 @@
               </a:defRPr>
             </a:pPr>
             <a:r>
-              <a:t>Live Prototype Demonstration</a:t>
+              <a:t>Consolidated Architecture: The Full Ecosystem</a:t>
+            </a:r>
+          </a:p>
+        </p:txBody>
+      </p:sp>
+      <p:pic>
+        <p:nvPicPr>
+          <p:cNvPr id="3" name="Picture 2" descr="consolidated_architecture.gif"/>
+          <p:cNvPicPr>
+            <a:picLocks noChangeAspect="1"/>
+          </p:cNvPicPr>
+          <p:nvPr/>
+        </p:nvPicPr>
+        <p:blipFill>
+          <a:blip r:embed="rId2"/>
+          <a:stretch>
+            <a:fillRect/>
+          </a:stretch>
+        </p:blipFill>
+        <p:spPr>
+          <a:xfrm>
+            <a:off x="457200" y="1645920"/>
+            <a:ext cx="13716000" cy="7715250"/>
+          </a:xfrm>
+          <a:prstGeom prst="rect">
+            <a:avLst/>
+          </a:prstGeom>
+        </p:spPr>
+      </p:pic>
+      <p:sp>
+        <p:nvSpPr>
+          <p:cNvPr id="4" name="TextBox 3"/>
+          <p:cNvSpPr txBox="1"/>
+          <p:nvPr/>
+        </p:nvSpPr>
+        <p:spPr>
+          <a:xfrm>
+            <a:off x="457200" y="7772400"/>
+            <a:ext cx="13716000" cy="457200"/>
+          </a:xfrm>
+          <a:prstGeom prst="rect">
+            <a:avLst/>
+          </a:prstGeom>
+          <a:noFill/>
+        </p:spPr>
+        <p:txBody>
+          <a:bodyPr wrap="none">
+            <a:spAutoFit/>
+          </a:bodyPr>
+          <a:lstStyle/>
+          <a:p>
+            <a:pPr algn="r">
+              <a:defRPr sz="1000">
+                <a:solidFill>
+                  <a:srgbClr val="808080"/>
+                </a:solidFill>
+              </a:defRPr>
+            </a:pPr>
+            <a:r>
+              <a:t>Cortex Performance Engine | 10 of 15</a:t>
+            </a:r>
+          </a:p>
+        </p:txBody>
+      </p:sp>
+    </p:spTree>
+  </p:cSld>
+  <p:clrMapOvr>
+    <a:masterClrMapping/>
+  </p:clrMapOvr>
+</p:sld>
+</file>
+
+<file path=ppt/slides/slide11.xml><?xml version="1.0" encoding="utf-8"?>
+<p:sld xmlns:a="http://schemas.openxmlformats.org/drawingml/2006/main" xmlns:p="http://schemas.openxmlformats.org/presentationml/2006/main" xmlns:r="http://schemas.openxmlformats.org/officeDocument/2006/relationships">
+  <p:cSld>
+    <p:spTree>
+      <p:nvGrpSpPr>
+        <p:cNvPr id="1" name=""/>
+        <p:cNvGrpSpPr/>
+        <p:nvPr/>
+      </p:nvGrpSpPr>
+      <p:grpSpPr/>
+      <p:sp>
+        <p:nvSpPr>
+          <p:cNvPr id="2" name="Title 1"/>
+          <p:cNvSpPr>
+            <a:spLocks noGrp="1"/>
+          </p:cNvSpPr>
+          <p:nvPr>
+            <p:ph type="title"/>
+          </p:nvPr>
+        </p:nvSpPr>
+        <p:spPr/>
+        <p:txBody>
+          <a:bodyPr/>
+          <a:lstStyle/>
+          <a:p>
+            <a:pPr>
+              <a:defRPr b="1">
+                <a:solidFill>
+                  <a:srgbClr val="0052A5"/>
+                </a:solidFill>
+              </a:defRPr>
+            </a:pPr>
+            <a:r>
+              <a:t>Key Advantages: The Business Impact</a:t>
             </a:r>
           </a:p>
         </p:txBody>
@@ -3999,11 +4316,11 @@
               <a:defRPr b="1" i="0" sz="2400"/>
             </a:pPr>
             <a:r>
-              <a:t>1. Triggering the Test:</a:t>
+              <a:t>Accelerated Delivery:</a:t>
             </a:r>
             <a:r>
               <a:rPr b="0" i="0"/>
-              <a:t> We will interact with the chatbot in the AWS Lex console to launch a load test.</a:t>
+              <a:t> Reduce test creation time from weeks to minutes, removing bottlenecks and enabling faster time-to-market.</a:t>
             </a:r>
           </a:p>
           <a:p>
@@ -4011,11 +4328,11 @@
               <a:defRPr b="1" i="0" sz="2400"/>
             </a:pPr>
             <a:r>
-              <a:t>2. Monitoring the Pipeline:</a:t>
+              <a:t>Drastic Cost Reduction:</a:t>
             </a:r>
             <a:r>
               <a:rPr b="0" i="0"/>
-              <a:t> We will observe the AWS Step Functions graph to see the automated workflow in real-time.</a:t>
+              <a:t> Save over 90% on infrastructure costs by leveraging a serverless, pay-per-use model instead of always-on servers.</a:t>
             </a:r>
           </a:p>
           <a:p>
@@ -4023,11 +4340,35 @@
               <a:defRPr b="1" i="0" sz="2400"/>
             </a:pPr>
             <a:r>
-              <a:t>3. Viewing the AI-Generated Report:</a:t>
+              <a:t>Increased Resilience:</a:t>
             </a:r>
             <a:r>
               <a:rPr b="0" i="0"/>
-              <a:t> We will review the final PDF report in S3, complete with metrics, analysis, and AI-generated recommendations.</a:t>
+              <a:t> Proactively find and fix performance and chaos issues before they impact customers, reducing the risk of costly outages.</a:t>
+            </a:r>
+          </a:p>
+          <a:p>
+            <a:pPr>
+              <a:defRPr b="1" i="0" sz="2400"/>
+            </a:pPr>
+            <a:r>
+              <a:t>Improved Developer Productivity:</a:t>
+            </a:r>
+            <a:r>
+              <a:rPr b="0" i="0"/>
+              <a:t> Automate tedious tasks, freeing up expert engineers to focus on innovation and high-value work.</a:t>
+            </a:r>
+          </a:p>
+          <a:p>
+            <a:pPr>
+              <a:defRPr b="1" i="0" sz="2400"/>
+            </a:pPr>
+            <a:r>
+              <a:t>Democratized Testing:</a:t>
+            </a:r>
+            <a:r>
+              <a:rPr b="0" i="0"/>
+              <a:t> Empower more team members to run sophisticated tests via a simple chatbot, fostering a culture of quality.</a:t>
             </a:r>
           </a:p>
         </p:txBody>
@@ -4062,7 +4403,7 @@
               </a:defRPr>
             </a:pPr>
             <a:r>
-              <a:t>Cortex Performance Engine | 10 of 13</a:t>
+              <a:t>Cortex Performance Engine | 11 of 15</a:t>
             </a:r>
           </a:p>
         </p:txBody>
@@ -4075,7 +4416,148 @@
 </p:sld>
 </file>
 
-<file path=ppt/slides/slide11.xml><?xml version="1.0" encoding="utf-8"?>
+<file path=ppt/slides/slide12.xml><?xml version="1.0" encoding="utf-8"?>
+<p:sld xmlns:a="http://schemas.openxmlformats.org/drawingml/2006/main" xmlns:p="http://schemas.openxmlformats.org/presentationml/2006/main" xmlns:r="http://schemas.openxmlformats.org/officeDocument/2006/relationships">
+  <p:cSld>
+    <p:spTree>
+      <p:nvGrpSpPr>
+        <p:cNvPr id="1" name=""/>
+        <p:cNvGrpSpPr/>
+        <p:nvPr/>
+      </p:nvGrpSpPr>
+      <p:grpSpPr/>
+      <p:sp>
+        <p:nvSpPr>
+          <p:cNvPr id="2" name="Title 1"/>
+          <p:cNvSpPr>
+            <a:spLocks noGrp="1"/>
+          </p:cNvSpPr>
+          <p:nvPr>
+            <p:ph type="title"/>
+          </p:nvPr>
+        </p:nvSpPr>
+        <p:spPr/>
+        <p:txBody>
+          <a:bodyPr/>
+          <a:lstStyle/>
+          <a:p>
+            <a:pPr>
+              <a:defRPr b="1">
+                <a:solidFill>
+                  <a:srgbClr val="0052A5"/>
+                </a:solidFill>
+              </a:defRPr>
+            </a:pPr>
+            <a:r>
+              <a:t>Live Prototype Demonstration</a:t>
+            </a:r>
+          </a:p>
+        </p:txBody>
+      </p:sp>
+      <p:sp>
+        <p:nvSpPr>
+          <p:cNvPr id="3" name="TextBox 2"/>
+          <p:cNvSpPr txBox="1"/>
+          <p:nvPr/>
+        </p:nvSpPr>
+        <p:spPr>
+          <a:xfrm>
+            <a:off x="914400" y="1645920"/>
+            <a:ext cx="12801600" cy="5943600"/>
+          </a:xfrm>
+          <a:prstGeom prst="rect">
+            <a:avLst/>
+          </a:prstGeom>
+          <a:noFill/>
+        </p:spPr>
+        <p:txBody>
+          <a:bodyPr wrap="square">
+            <a:spAutoFit/>
+          </a:bodyPr>
+          <a:lstStyle/>
+          <a:p/>
+          <a:p>
+            <a:pPr>
+              <a:defRPr b="1" i="0" sz="2400"/>
+            </a:pPr>
+            <a:r>
+              <a:t>1. Triggering the Test:</a:t>
+            </a:r>
+            <a:r>
+              <a:rPr b="0" i="0"/>
+              <a:t> We will interact with the chatbot in the AWS Lex console to launch a load test.</a:t>
+            </a:r>
+          </a:p>
+          <a:p>
+            <a:pPr>
+              <a:defRPr b="1" i="0" sz="2400"/>
+            </a:pPr>
+            <a:r>
+              <a:t>2. Monitoring the Pipeline:</a:t>
+            </a:r>
+            <a:r>
+              <a:rPr b="0" i="0"/>
+              <a:t> We will observe the AWS Step Functions graph to see the automated workflow in real-time.</a:t>
+            </a:r>
+          </a:p>
+          <a:p>
+            <a:pPr>
+              <a:defRPr b="1" i="0" sz="2400"/>
+            </a:pPr>
+            <a:r>
+              <a:t>3. Viewing the AI-Generated Report:</a:t>
+            </a:r>
+            <a:r>
+              <a:rPr b="0" i="0"/>
+              <a:t> We will review the final PDF report in S3, complete with metrics, analysis, and AI-generated recommendations.</a:t>
+            </a:r>
+          </a:p>
+        </p:txBody>
+      </p:sp>
+      <p:sp>
+        <p:nvSpPr>
+          <p:cNvPr id="4" name="TextBox 3"/>
+          <p:cNvSpPr txBox="1"/>
+          <p:nvPr/>
+        </p:nvSpPr>
+        <p:spPr>
+          <a:xfrm>
+            <a:off x="457200" y="7772400"/>
+            <a:ext cx="13716000" cy="457200"/>
+          </a:xfrm>
+          <a:prstGeom prst="rect">
+            <a:avLst/>
+          </a:prstGeom>
+          <a:noFill/>
+        </p:spPr>
+        <p:txBody>
+          <a:bodyPr wrap="none">
+            <a:spAutoFit/>
+          </a:bodyPr>
+          <a:lstStyle/>
+          <a:p>
+            <a:pPr algn="r">
+              <a:defRPr sz="1000">
+                <a:solidFill>
+                  <a:srgbClr val="808080"/>
+                </a:solidFill>
+              </a:defRPr>
+            </a:pPr>
+            <a:r>
+              <a:t>Cortex Performance Engine | 12 of 15</a:t>
+            </a:r>
+          </a:p>
+        </p:txBody>
+      </p:sp>
+    </p:spTree>
+  </p:cSld>
+  <p:clrMapOvr>
+    <a:masterClrMapping/>
+  </p:clrMapOvr>
+</p:sld>
+</file>
+
+<file path=ppt/slides/slide13.xml><?xml version="1.0" encoding="utf-8"?>
 <p:sld xmlns:a="http://schemas.openxmlformats.org/drawingml/2006/main" xmlns:p="http://schemas.openxmlformats.org/presentationml/2006/main" xmlns:r="http://schemas.openxmlformats.org/officeDocument/2006/relationships">
   <p:cSld>
     <p:spTree>
@@ -4451,7 +4933,7 @@
               </a:defRPr>
             </a:pPr>
             <a:r>
-              <a:t>Cortex Performance Engine | 11 of 13</a:t>
+              <a:t>Cortex Performance Engine | 13 of 15</a:t>
             </a:r>
           </a:p>
         </p:txBody>
@@ -4464,7 +4946,7 @@
 </p:sld>
 </file>
 
-<file path=ppt/slides/slide12.xml><?xml version="1.0" encoding="utf-8"?>
+<file path=ppt/slides/slide14.xml><?xml version="1.0" encoding="utf-8"?>
 <p:sld xmlns:a="http://schemas.openxmlformats.org/drawingml/2006/main" xmlns:p="http://schemas.openxmlformats.org/presentationml/2006/main" xmlns:r="http://schemas.openxmlformats.org/officeDocument/2006/relationships">
   <p:cSld>
     <p:spTree>
@@ -4636,7 +5118,7 @@
               </a:defRPr>
             </a:pPr>
             <a:r>
-              <a:t>Cortex Performance Engine | 12 of 13</a:t>
+              <a:t>Cortex Performance Engine | 14 of 15</a:t>
             </a:r>
           </a:p>
         </p:txBody>
@@ -4649,7 +5131,7 @@
 </p:sld>
 </file>
 
-<file path=ppt/slides/slide13.xml><?xml version="1.0" encoding="utf-8"?>
+<file path=ppt/slides/slide15.xml><?xml version="1.0" encoding="utf-8"?>
 <p:sld xmlns:a="http://schemas.openxmlformats.org/drawingml/2006/main" xmlns:p="http://schemas.openxmlformats.org/presentationml/2006/main" xmlns:r="http://schemas.openxmlformats.org/officeDocument/2006/relationships">
   <p:cSld>
     <p:spTree>
@@ -4717,7 +5199,7 @@
               </a:defRPr>
             </a:pPr>
             <a:r>
-              <a:t>Cortex Performance Engine | 13 of 13</a:t>
+              <a:t>Cortex Performance Engine | 15 of 15</a:t>
             </a:r>
           </a:p>
         </p:txBody>
@@ -4870,7 +5352,7 @@
               </a:defRPr>
             </a:pPr>
             <a:r>
-              <a:t>Cortex Performance Engine | 2 of 13</a:t>
+              <a:t>Cortex Performance Engine | 2 of 15</a:t>
             </a:r>
           </a:p>
         </p:txBody>
@@ -5039,7 +5521,7 @@
               </a:defRPr>
             </a:pPr>
             <a:r>
-              <a:t>Cortex Performance Engine | 3 of 13</a:t>
+              <a:t>Cortex Performance Engine | 3 of 15</a:t>
             </a:r>
           </a:p>
         </p:txBody>
@@ -5168,7 +5650,7 @@
               </a:defRPr>
             </a:pPr>
             <a:r>
-              <a:t>Cortex Performance Engine | 4 of 13</a:t>
+              <a:t>Cortex Performance Engine | 4 of 15</a:t>
             </a:r>
           </a:p>
         </p:txBody>
@@ -5535,7 +6017,7 @@
               </a:defRPr>
             </a:pPr>
             <a:r>
-              <a:t>Cortex Performance Engine | 5 of 13</a:t>
+              <a:t>Cortex Performance Engine | 5 of 15</a:t>
             </a:r>
           </a:p>
         </p:txBody>
@@ -5688,7 +6170,7 @@
               </a:defRPr>
             </a:pPr>
             <a:r>
-              <a:t>Cortex Performance Engine | 6 of 13</a:t>
+              <a:t>Cortex Performance Engine | 6 of 15</a:t>
             </a:r>
           </a:p>
         </p:txBody>
@@ -5734,979 +6216,38 @@
               </a:defRPr>
             </a:pPr>
             <a:r>
-              <a:t>Architecture Part 1: The High-Level Flow</a:t>
-            </a:r>
-          </a:p>
-        </p:txBody>
-      </p:sp>
-      <p:sp>
-        <p:nvSpPr>
-          <p:cNvPr id="3" name="Rectangle 2"/>
-          <p:cNvSpPr/>
+              <a:t>Architecture 1: The E-Commerce Web Application</a:t>
+            </a:r>
+          </a:p>
+        </p:txBody>
+      </p:sp>
+      <p:pic>
+        <p:nvPicPr>
+          <p:cNvPr id="3" name="Picture 2" descr="ecommerce_architecture.gif"/>
+          <p:cNvPicPr>
+            <a:picLocks noChangeAspect="1"/>
+          </p:cNvPicPr>
           <p:nvPr/>
-        </p:nvSpPr>
+        </p:nvPicPr>
+        <p:blipFill>
+          <a:blip r:embed="rId2"/>
+          <a:stretch>
+            <a:fillRect/>
+          </a:stretch>
+        </p:blipFill>
         <p:spPr>
           <a:xfrm>
-            <a:off x="457200" y="1371600"/>
-            <a:ext cx="6858000" cy="5943600"/>
+            <a:off x="457200" y="1645920"/>
+            <a:ext cx="13716000" cy="7715250"/>
           </a:xfrm>
           <a:prstGeom prst="rect">
             <a:avLst/>
           </a:prstGeom>
-          <a:solidFill>
-            <a:srgbClr val="DCE6F2"/>
-          </a:solidFill>
-          <a:ln>
-            <a:solidFill>
-              <a:srgbClr val="FFFFFF"/>
-            </a:solidFill>
-          </a:ln>
         </p:spPr>
-        <p:style>
-          <a:lnRef idx="1">
-            <a:schemeClr val="accent1"/>
-          </a:lnRef>
-          <a:fillRef idx="3">
-            <a:schemeClr val="accent1"/>
-          </a:fillRef>
-          <a:effectRef idx="2">
-            <a:schemeClr val="accent1"/>
-          </a:effectRef>
-          <a:fontRef idx="minor">
-            <a:schemeClr val="lt1"/>
-          </a:fontRef>
-        </p:style>
-        <p:txBody>
-          <a:bodyPr rtlCol="0" anchor="ctr" bIns="73152" tIns="73152"/>
-          <a:lstStyle/>
-          <a:p>
-            <a:pPr algn="ctr">
-              <a:defRPr sz="1400" b="1"/>
-            </a:pPr>
-            <a:r>
-              <a:t>Cortex Performance Engine</a:t>
-            </a:r>
-          </a:p>
-        </p:txBody>
-      </p:sp>
-      <p:sp>
-        <p:nvSpPr>
-          <p:cNvPr id="4" name="Rectangle 3"/>
-          <p:cNvSpPr/>
-          <p:nvPr/>
-        </p:nvSpPr>
-        <p:spPr>
-          <a:xfrm>
-            <a:off x="7543800" y="1371600"/>
-            <a:ext cx="6629400" cy="5943600"/>
-          </a:xfrm>
-          <a:prstGeom prst="rect">
-            <a:avLst/>
-          </a:prstGeom>
-          <a:solidFill>
-            <a:srgbClr val="E2F0D9"/>
-          </a:solidFill>
-          <a:ln>
-            <a:solidFill>
-              <a:srgbClr val="FFFFFF"/>
-            </a:solidFill>
-          </a:ln>
-        </p:spPr>
-        <p:style>
-          <a:lnRef idx="1">
-            <a:schemeClr val="accent1"/>
-          </a:lnRef>
-          <a:fillRef idx="3">
-            <a:schemeClr val="accent1"/>
-          </a:fillRef>
-          <a:effectRef idx="2">
-            <a:schemeClr val="accent1"/>
-          </a:effectRef>
-          <a:fontRef idx="minor">
-            <a:schemeClr val="lt1"/>
-          </a:fontRef>
-        </p:style>
-        <p:txBody>
-          <a:bodyPr rtlCol="0" anchor="ctr" bIns="73152" tIns="73152"/>
-          <a:lstStyle/>
-          <a:p>
-            <a:pPr algn="ctr">
-              <a:defRPr sz="1400" b="1"/>
-            </a:pPr>
-            <a:r>
-              <a:t>Target E-Commerce Application</a:t>
-            </a:r>
-          </a:p>
-        </p:txBody>
-      </p:sp>
-      <p:sp>
-        <p:nvSpPr>
-          <p:cNvPr id="5" name="Rectangle 4"/>
-          <p:cNvSpPr/>
-          <p:nvPr/>
-        </p:nvSpPr>
-        <p:spPr>
-          <a:xfrm>
-            <a:off x="457200" y="7543800"/>
-            <a:ext cx="13716000" cy="457200"/>
-          </a:xfrm>
-          <a:prstGeom prst="rect">
-            <a:avLst/>
-          </a:prstGeom>
-          <a:solidFill>
-            <a:srgbClr val="F2F2F2"/>
-          </a:solidFill>
-          <a:ln>
-            <a:solidFill>
-              <a:srgbClr val="FFFFFF"/>
-            </a:solidFill>
-          </a:ln>
-        </p:spPr>
-        <p:style>
-          <a:lnRef idx="1">
-            <a:schemeClr val="accent1"/>
-          </a:lnRef>
-          <a:fillRef idx="3">
-            <a:schemeClr val="accent1"/>
-          </a:fillRef>
-          <a:effectRef idx="2">
-            <a:schemeClr val="accent1"/>
-          </a:effectRef>
-          <a:fontRef idx="minor">
-            <a:schemeClr val="lt1"/>
-          </a:fontRef>
-        </p:style>
-        <p:txBody>
-          <a:bodyPr rtlCol="0" anchor="ctr" bIns="73152" tIns="73152"/>
-          <a:lstStyle/>
-          <a:p>
-            <a:pPr algn="ctr">
-              <a:defRPr sz="1400" b="1"/>
-            </a:pPr>
-            <a:r>
-              <a:t>Shared Services</a:t>
-            </a:r>
-          </a:p>
-        </p:txBody>
-      </p:sp>
-      <p:sp>
-        <p:nvSpPr>
-          <p:cNvPr id="6" name="Rectangle 5"/>
-          <p:cNvSpPr/>
-          <p:nvPr/>
-        </p:nvSpPr>
-        <p:spPr>
-          <a:xfrm>
-            <a:off x="914400" y="1828800"/>
-            <a:ext cx="1371600" cy="685800"/>
-          </a:xfrm>
-          <a:prstGeom prst="rect">
-            <a:avLst/>
-          </a:prstGeom>
-          <a:solidFill>
-            <a:srgbClr val="FFF2CC"/>
-          </a:solidFill>
-        </p:spPr>
-        <p:style>
-          <a:lnRef idx="1">
-            <a:schemeClr val="accent1"/>
-          </a:lnRef>
-          <a:fillRef idx="3">
-            <a:schemeClr val="accent1"/>
-          </a:fillRef>
-          <a:effectRef idx="2">
-            <a:schemeClr val="accent1"/>
-          </a:effectRef>
-          <a:fontRef idx="minor">
-            <a:schemeClr val="lt1"/>
-          </a:fontRef>
-        </p:style>
-        <p:txBody>
-          <a:bodyPr rtlCol="0" anchor="ctr" bIns="73152" tIns="73152"/>
-          <a:lstStyle/>
-          <a:p>
-            <a:pPr algn="ctr">
-              <a:defRPr sz="1200" b="1"/>
-            </a:pPr>
-            <a:r>
-              <a:t>User</a:t>
-            </a:r>
-          </a:p>
-        </p:txBody>
-      </p:sp>
-      <p:sp>
-        <p:nvSpPr>
-          <p:cNvPr id="7" name="Rectangle 6"/>
-          <p:cNvSpPr/>
-          <p:nvPr/>
-        </p:nvSpPr>
-        <p:spPr>
-          <a:xfrm>
-            <a:off x="2743200" y="1828800"/>
-            <a:ext cx="1828800" cy="685800"/>
-          </a:xfrm>
-          <a:prstGeom prst="rect">
-            <a:avLst/>
-          </a:prstGeom>
-          <a:solidFill>
-            <a:srgbClr val="FFF2CC"/>
-          </a:solidFill>
-        </p:spPr>
-        <p:style>
-          <a:lnRef idx="1">
-            <a:schemeClr val="accent1"/>
-          </a:lnRef>
-          <a:fillRef idx="3">
-            <a:schemeClr val="accent1"/>
-          </a:fillRef>
-          <a:effectRef idx="2">
-            <a:schemeClr val="accent1"/>
-          </a:effectRef>
-          <a:fontRef idx="minor">
-            <a:schemeClr val="lt1"/>
-          </a:fontRef>
-        </p:style>
-        <p:txBody>
-          <a:bodyPr rtlCol="0" anchor="ctr" bIns="73152" tIns="73152"/>
-          <a:lstStyle/>
-          <a:p>
-            <a:pPr algn="ctr">
-              <a:defRPr sz="1200" b="1"/>
-            </a:pPr>
-            <a:r>
-              <a:t>AWS Lex</a:t>
-            </a:r>
-          </a:p>
-          <a:p>
-            <a:r>
-              <a:t>(Chatbot)</a:t>
-            </a:r>
-          </a:p>
-        </p:txBody>
-      </p:sp>
-      <p:sp>
-        <p:nvSpPr>
-          <p:cNvPr id="8" name="Rectangle 7"/>
-          <p:cNvSpPr/>
-          <p:nvPr/>
-        </p:nvSpPr>
-        <p:spPr>
-          <a:xfrm>
-            <a:off x="914400" y="4114800"/>
-            <a:ext cx="2743200" cy="1371600"/>
-          </a:xfrm>
-          <a:prstGeom prst="rect">
-            <a:avLst/>
-          </a:prstGeom>
-          <a:solidFill>
-            <a:srgbClr val="DCE6F2"/>
-          </a:solidFill>
-        </p:spPr>
-        <p:style>
-          <a:lnRef idx="1">
-            <a:schemeClr val="accent1"/>
-          </a:lnRef>
-          <a:fillRef idx="3">
-            <a:schemeClr val="accent1"/>
-          </a:fillRef>
-          <a:effectRef idx="2">
-            <a:schemeClr val="accent1"/>
-          </a:effectRef>
-          <a:fontRef idx="minor">
-            <a:schemeClr val="lt1"/>
-          </a:fontRef>
-        </p:style>
-        <p:txBody>
-          <a:bodyPr rtlCol="0" anchor="ctr" bIns="73152" tIns="73152"/>
-          <a:lstStyle/>
-          <a:p>
-            <a:pPr algn="ctr">
-              <a:defRPr sz="1200" b="1"/>
-            </a:pPr>
-            <a:r>
-              <a:t>AWS Step Functions</a:t>
-            </a:r>
-          </a:p>
-          <a:p>
-            <a:r>
-              <a:t>(Orchestrator)</a:t>
-            </a:r>
-          </a:p>
-        </p:txBody>
-      </p:sp>
-      <p:sp>
-        <p:nvSpPr>
-          <p:cNvPr id="9" name="Rectangle 8"/>
-          <p:cNvSpPr/>
-          <p:nvPr/>
-        </p:nvSpPr>
-        <p:spPr>
-          <a:xfrm>
-            <a:off x="4114800" y="3200400"/>
-            <a:ext cx="2743200" cy="685800"/>
-          </a:xfrm>
-          <a:prstGeom prst="rect">
-            <a:avLst/>
-          </a:prstGeom>
-          <a:solidFill>
-            <a:srgbClr val="DCE6F2"/>
-          </a:solidFill>
-        </p:spPr>
-        <p:style>
-          <a:lnRef idx="1">
-            <a:schemeClr val="accent1"/>
-          </a:lnRef>
-          <a:fillRef idx="3">
-            <a:schemeClr val="accent1"/>
-          </a:fillRef>
-          <a:effectRef idx="2">
-            <a:schemeClr val="accent1"/>
-          </a:effectRef>
-          <a:fontRef idx="minor">
-            <a:schemeClr val="lt1"/>
-          </a:fontRef>
-        </p:style>
-        <p:txBody>
-          <a:bodyPr rtlCol="0" anchor="ctr" bIns="73152" tIns="73152"/>
-          <a:lstStyle/>
-          <a:p>
-            <a:pPr algn="ctr">
-              <a:defRPr sz="1200" b="1"/>
-            </a:pPr>
-            <a:r>
-              <a:t>Agent: Log Analyzer</a:t>
-            </a:r>
-          </a:p>
-        </p:txBody>
-      </p:sp>
-      <p:sp>
-        <p:nvSpPr>
-          <p:cNvPr id="10" name="Rectangle 9"/>
-          <p:cNvSpPr/>
-          <p:nvPr/>
-        </p:nvSpPr>
-        <p:spPr>
-          <a:xfrm>
-            <a:off x="4114800" y="4114800"/>
-            <a:ext cx="2743200" cy="685800"/>
-          </a:xfrm>
-          <a:prstGeom prst="rect">
-            <a:avLst/>
-          </a:prstGeom>
-          <a:solidFill>
-            <a:srgbClr val="DCE6F2"/>
-          </a:solidFill>
-        </p:spPr>
-        <p:style>
-          <a:lnRef idx="1">
-            <a:schemeClr val="accent1"/>
-          </a:lnRef>
-          <a:fillRef idx="3">
-            <a:schemeClr val="accent1"/>
-          </a:fillRef>
-          <a:effectRef idx="2">
-            <a:schemeClr val="accent1"/>
-          </a:effectRef>
-          <a:fontRef idx="minor">
-            <a:schemeClr val="lt1"/>
-          </a:fontRef>
-        </p:style>
-        <p:txBody>
-          <a:bodyPr rtlCol="0" anchor="ctr" bIns="73152" tIns="73152"/>
-          <a:lstStyle/>
-          <a:p>
-            <a:pPr algn="ctr">
-              <a:defRPr sz="1200" b="1"/>
-            </a:pPr>
-            <a:r>
-              <a:t>Agent: Script Generator</a:t>
-            </a:r>
-          </a:p>
-        </p:txBody>
-      </p:sp>
-      <p:sp>
-        <p:nvSpPr>
-          <p:cNvPr id="11" name="Rectangle 10"/>
-          <p:cNvSpPr/>
-          <p:nvPr/>
-        </p:nvSpPr>
-        <p:spPr>
-          <a:xfrm>
-            <a:off x="4114800" y="5029200"/>
-            <a:ext cx="2743200" cy="685800"/>
-          </a:xfrm>
-          <a:prstGeom prst="rect">
-            <a:avLst/>
-          </a:prstGeom>
-          <a:solidFill>
-            <a:srgbClr val="DCE6F2"/>
-          </a:solidFill>
-        </p:spPr>
-        <p:style>
-          <a:lnRef idx="1">
-            <a:schemeClr val="accent1"/>
-          </a:lnRef>
-          <a:fillRef idx="3">
-            <a:schemeClr val="accent1"/>
-          </a:fillRef>
-          <a:effectRef idx="2">
-            <a:schemeClr val="accent1"/>
-          </a:effectRef>
-          <a:fontRef idx="minor">
-            <a:schemeClr val="lt1"/>
-          </a:fontRef>
-        </p:style>
-        <p:txBody>
-          <a:bodyPr rtlCol="0" anchor="ctr" bIns="73152" tIns="73152"/>
-          <a:lstStyle/>
-          <a:p>
-            <a:pPr algn="ctr">
-              <a:defRPr sz="1200" b="1"/>
-            </a:pPr>
-            <a:r>
-              <a:t>Agent: Test Executor</a:t>
-            </a:r>
-          </a:p>
-        </p:txBody>
-      </p:sp>
-      <p:sp>
-        <p:nvSpPr>
-          <p:cNvPr id="12" name="Rectangle 11"/>
-          <p:cNvSpPr/>
-          <p:nvPr/>
-        </p:nvSpPr>
-        <p:spPr>
-          <a:xfrm>
-            <a:off x="4114800" y="5943600"/>
-            <a:ext cx="2743200" cy="685800"/>
-          </a:xfrm>
-          <a:prstGeom prst="rect">
-            <a:avLst/>
-          </a:prstGeom>
-          <a:solidFill>
-            <a:srgbClr val="DCE6F2"/>
-          </a:solidFill>
-        </p:spPr>
-        <p:style>
-          <a:lnRef idx="1">
-            <a:schemeClr val="accent1"/>
-          </a:lnRef>
-          <a:fillRef idx="3">
-            <a:schemeClr val="accent1"/>
-          </a:fillRef>
-          <a:effectRef idx="2">
-            <a:schemeClr val="accent1"/>
-          </a:effectRef>
-          <a:fontRef idx="minor">
-            <a:schemeClr val="lt1"/>
-          </a:fontRef>
-        </p:style>
-        <p:txBody>
-          <a:bodyPr rtlCol="0" anchor="ctr" bIns="73152" tIns="73152"/>
-          <a:lstStyle/>
-          <a:p>
-            <a:pPr algn="ctr">
-              <a:defRPr sz="1200" b="1"/>
-            </a:pPr>
-            <a:r>
-              <a:t>Agent: Report Synthesizer</a:t>
-            </a:r>
-          </a:p>
-        </p:txBody>
-      </p:sp>
-      <p:sp>
-        <p:nvSpPr>
-          <p:cNvPr id="13" name="Rectangle 12"/>
-          <p:cNvSpPr/>
-          <p:nvPr/>
-        </p:nvSpPr>
-        <p:spPr>
-          <a:xfrm>
-            <a:off x="8001000" y="3200400"/>
-            <a:ext cx="2286000" cy="685800"/>
-          </a:xfrm>
-          <a:prstGeom prst="rect">
-            <a:avLst/>
-          </a:prstGeom>
-          <a:solidFill>
-            <a:srgbClr val="DCE6F2"/>
-          </a:solidFill>
-        </p:spPr>
-        <p:style>
-          <a:lnRef idx="1">
-            <a:schemeClr val="accent1"/>
-          </a:lnRef>
-          <a:fillRef idx="3">
-            <a:schemeClr val="accent1"/>
-          </a:fillRef>
-          <a:effectRef idx="2">
-            <a:schemeClr val="accent1"/>
-          </a:effectRef>
-          <a:fontRef idx="minor">
-            <a:schemeClr val="lt1"/>
-          </a:fontRef>
-        </p:style>
-        <p:txBody>
-          <a:bodyPr rtlCol="0" anchor="ctr" bIns="73152" tIns="73152"/>
-          <a:lstStyle/>
-          <a:p>
-            <a:pPr algn="ctr">
-              <a:defRPr sz="1200" b="1"/>
-            </a:pPr>
-            <a:r>
-              <a:t>CloudFront</a:t>
-            </a:r>
-          </a:p>
-        </p:txBody>
-      </p:sp>
-      <p:sp>
-        <p:nvSpPr>
-          <p:cNvPr id="14" name="Rectangle 13"/>
-          <p:cNvSpPr/>
-          <p:nvPr/>
-        </p:nvSpPr>
-        <p:spPr>
-          <a:xfrm>
-            <a:off x="11201400" y="3200400"/>
-            <a:ext cx="2514600" cy="685800"/>
-          </a:xfrm>
-          <a:prstGeom prst="rect">
-            <a:avLst/>
-          </a:prstGeom>
-          <a:solidFill>
-            <a:srgbClr val="DCE6F2"/>
-          </a:solidFill>
-        </p:spPr>
-        <p:style>
-          <a:lnRef idx="1">
-            <a:schemeClr val="accent1"/>
-          </a:lnRef>
-          <a:fillRef idx="3">
-            <a:schemeClr val="accent1"/>
-          </a:fillRef>
-          <a:effectRef idx="2">
-            <a:schemeClr val="accent1"/>
-          </a:effectRef>
-          <a:fontRef idx="minor">
-            <a:schemeClr val="lt1"/>
-          </a:fontRef>
-        </p:style>
-        <p:txBody>
-          <a:bodyPr rtlCol="0" anchor="ctr" bIns="73152" tIns="73152"/>
-          <a:lstStyle/>
-          <a:p>
-            <a:pPr algn="ctr">
-              <a:defRPr sz="1200" b="1"/>
-            </a:pPr>
-            <a:r>
-              <a:t>S3 Bucket</a:t>
-            </a:r>
-          </a:p>
-          <a:p>
-            <a:r>
-              <a:t>(React Frontend)</a:t>
-            </a:r>
-          </a:p>
-        </p:txBody>
-      </p:sp>
-      <p:sp>
-        <p:nvSpPr>
-          <p:cNvPr id="15" name="Rectangle 14"/>
-          <p:cNvSpPr/>
-          <p:nvPr/>
-        </p:nvSpPr>
-        <p:spPr>
-          <a:xfrm>
-            <a:off x="8001000" y="5029200"/>
-            <a:ext cx="2286000" cy="685800"/>
-          </a:xfrm>
-          <a:prstGeom prst="rect">
-            <a:avLst/>
-          </a:prstGeom>
-          <a:solidFill>
-            <a:srgbClr val="DCE6F2"/>
-          </a:solidFill>
-        </p:spPr>
-        <p:style>
-          <a:lnRef idx="1">
-            <a:schemeClr val="accent1"/>
-          </a:lnRef>
-          <a:fillRef idx="3">
-            <a:schemeClr val="accent1"/>
-          </a:fillRef>
-          <a:effectRef idx="2">
-            <a:schemeClr val="accent1"/>
-          </a:effectRef>
-          <a:fontRef idx="minor">
-            <a:schemeClr val="lt1"/>
-          </a:fontRef>
-        </p:style>
-        <p:txBody>
-          <a:bodyPr rtlCol="0" anchor="ctr" bIns="73152" tIns="73152"/>
-          <a:lstStyle/>
-          <a:p>
-            <a:pPr algn="ctr">
-              <a:defRPr sz="1200" b="1"/>
-            </a:pPr>
-            <a:r>
-              <a:t>API Gateway</a:t>
-            </a:r>
-          </a:p>
-        </p:txBody>
-      </p:sp>
-      <p:sp>
-        <p:nvSpPr>
-          <p:cNvPr id="16" name="Rectangle 15"/>
-          <p:cNvSpPr/>
-          <p:nvPr/>
-        </p:nvSpPr>
-        <p:spPr>
-          <a:xfrm>
-            <a:off x="11201400" y="5029200"/>
-            <a:ext cx="2514600" cy="685800"/>
-          </a:xfrm>
-          <a:prstGeom prst="rect">
-            <a:avLst/>
-          </a:prstGeom>
-          <a:solidFill>
-            <a:srgbClr val="DCE6F2"/>
-          </a:solidFill>
-        </p:spPr>
-        <p:style>
-          <a:lnRef idx="1">
-            <a:schemeClr val="accent1"/>
-          </a:lnRef>
-          <a:fillRef idx="3">
-            <a:schemeClr val="accent1"/>
-          </a:fillRef>
-          <a:effectRef idx="2">
-            <a:schemeClr val="accent1"/>
-          </a:effectRef>
-          <a:fontRef idx="minor">
-            <a:schemeClr val="lt1"/>
-          </a:fontRef>
-        </p:style>
-        <p:txBody>
-          <a:bodyPr rtlCol="0" anchor="ctr" bIns="73152" tIns="73152"/>
-          <a:lstStyle/>
-          <a:p>
-            <a:pPr algn="ctr">
-              <a:defRPr sz="1200" b="1"/>
-            </a:pPr>
-            <a:r>
-              <a:t>Lambda</a:t>
-            </a:r>
-          </a:p>
-          <a:p>
-            <a:r>
-              <a:t>(FastAPI Backend)</a:t>
-            </a:r>
-          </a:p>
-        </p:txBody>
-      </p:sp>
-      <p:sp>
-        <p:nvSpPr>
-          <p:cNvPr id="17" name="Rectangle 16"/>
-          <p:cNvSpPr/>
-          <p:nvPr/>
-        </p:nvSpPr>
-        <p:spPr>
-          <a:xfrm>
-            <a:off x="914400" y="7543800"/>
-            <a:ext cx="5943600" cy="457200"/>
-          </a:xfrm>
-          <a:prstGeom prst="rect">
-            <a:avLst/>
-          </a:prstGeom>
-          <a:solidFill>
-            <a:srgbClr val="DCE6F2"/>
-          </a:solidFill>
-        </p:spPr>
-        <p:style>
-          <a:lnRef idx="1">
-            <a:schemeClr val="accent1"/>
-          </a:lnRef>
-          <a:fillRef idx="3">
-            <a:schemeClr val="accent1"/>
-          </a:fillRef>
-          <a:effectRef idx="2">
-            <a:schemeClr val="accent1"/>
-          </a:effectRef>
-          <a:fontRef idx="minor">
-            <a:schemeClr val="lt1"/>
-          </a:fontRef>
-        </p:style>
-        <p:txBody>
-          <a:bodyPr rtlCol="0" anchor="ctr" bIns="73152" tIns="73152"/>
-          <a:lstStyle/>
-          <a:p>
-            <a:pPr algn="ctr">
-              <a:defRPr sz="1200" b="1"/>
-            </a:pPr>
-            <a:r>
-              <a:t>S3 Artifacts Bucket</a:t>
-            </a:r>
-          </a:p>
-        </p:txBody>
-      </p:sp>
-      <p:sp>
-        <p:nvSpPr>
-          <p:cNvPr id="18" name="Rectangle 17"/>
-          <p:cNvSpPr/>
-          <p:nvPr/>
-        </p:nvSpPr>
-        <p:spPr>
-          <a:xfrm>
-            <a:off x="7772400" y="7543800"/>
-            <a:ext cx="5943600" cy="457200"/>
-          </a:xfrm>
-          <a:prstGeom prst="rect">
-            <a:avLst/>
-          </a:prstGeom>
-          <a:solidFill>
-            <a:srgbClr val="DCE6F2"/>
-          </a:solidFill>
-        </p:spPr>
-        <p:style>
-          <a:lnRef idx="1">
-            <a:schemeClr val="accent1"/>
-          </a:lnRef>
-          <a:fillRef idx="3">
-            <a:schemeClr val="accent1"/>
-          </a:fillRef>
-          <a:effectRef idx="2">
-            <a:schemeClr val="accent1"/>
-          </a:effectRef>
-          <a:fontRef idx="minor">
-            <a:schemeClr val="lt1"/>
-          </a:fontRef>
-        </p:style>
-        <p:txBody>
-          <a:bodyPr rtlCol="0" anchor="ctr" bIns="73152" tIns="73152"/>
-          <a:lstStyle/>
-          <a:p>
-            <a:pPr algn="ctr">
-              <a:defRPr sz="1200" b="1"/>
-            </a:pPr>
-            <a:r>
-              <a:t>CloudWatch Logs</a:t>
-            </a:r>
-          </a:p>
-        </p:txBody>
-      </p:sp>
-      <p:sp>
-        <p:nvSpPr>
-          <p:cNvPr id="19" name="TextBox 18"/>
-          <p:cNvSpPr txBox="1"/>
-          <p:nvPr/>
-        </p:nvSpPr>
-        <p:spPr>
-          <a:xfrm>
-            <a:off x="1600200" y="2651760"/>
-            <a:ext cx="1828800" cy="457200"/>
-          </a:xfrm>
-          <a:prstGeom prst="rect">
-            <a:avLst/>
-          </a:prstGeom>
-          <a:noFill/>
-        </p:spPr>
-        <p:txBody>
-          <a:bodyPr wrap="none">
-            <a:spAutoFit/>
-          </a:bodyPr>
-          <a:lstStyle/>
-          <a:p>
-            <a:pPr>
-              <a:defRPr sz="1100" i="1" b="0">
-                <a:solidFill>
-                  <a:srgbClr val="BF9000"/>
-                </a:solidFill>
-              </a:defRPr>
-            </a:pPr>
-            <a:r>
-              <a:t>1. 'Run a test...'</a:t>
-            </a:r>
-          </a:p>
-        </p:txBody>
-      </p:sp>
-      <p:sp>
-        <p:nvSpPr>
-          <p:cNvPr id="20" name="TextBox 19"/>
-          <p:cNvSpPr txBox="1"/>
-          <p:nvPr/>
-        </p:nvSpPr>
-        <p:spPr>
-          <a:xfrm>
-            <a:off x="2286000" y="3200400"/>
-            <a:ext cx="1828800" cy="457200"/>
-          </a:xfrm>
-          <a:prstGeom prst="rect">
-            <a:avLst/>
-          </a:prstGeom>
-          <a:noFill/>
-        </p:spPr>
-        <p:txBody>
-          <a:bodyPr wrap="none">
-            <a:spAutoFit/>
-          </a:bodyPr>
-          <a:lstStyle/>
-          <a:p>
-            <a:pPr>
-              <a:defRPr sz="1100" i="1" b="0">
-                <a:solidFill>
-                  <a:srgbClr val="BF9000"/>
-                </a:solidFill>
-              </a:defRPr>
-            </a:pPr>
-            <a:r>
-              <a:t>2. Starts Pipeline</a:t>
-            </a:r>
-          </a:p>
-        </p:txBody>
-      </p:sp>
-      <p:sp>
-        <p:nvSpPr>
-          <p:cNvPr id="21" name="TextBox 20"/>
-          <p:cNvSpPr txBox="1"/>
-          <p:nvPr/>
-        </p:nvSpPr>
-        <p:spPr>
-          <a:xfrm>
-            <a:off x="2971800" y="4800600"/>
-            <a:ext cx="1828800" cy="457200"/>
-          </a:xfrm>
-          <a:prstGeom prst="rect">
-            <a:avLst/>
-          </a:prstGeom>
-          <a:noFill/>
-        </p:spPr>
-        <p:txBody>
-          <a:bodyPr wrap="none">
-            <a:spAutoFit/>
-          </a:bodyPr>
-          <a:lstStyle/>
-          <a:p>
-            <a:pPr>
-              <a:defRPr sz="1100" i="1" b="0">
-                <a:solidFill>
-                  <a:srgbClr val="BF9000"/>
-                </a:solidFill>
-              </a:defRPr>
-            </a:pPr>
-            <a:r>
-              <a:t>3. Orchestrates Agents</a:t>
-            </a:r>
-          </a:p>
-        </p:txBody>
-      </p:sp>
-      <p:sp>
-        <p:nvSpPr>
-          <p:cNvPr id="22" name="TextBox 21"/>
-          <p:cNvSpPr txBox="1"/>
-          <p:nvPr/>
-        </p:nvSpPr>
-        <p:spPr>
-          <a:xfrm>
-            <a:off x="6858000" y="6629400"/>
-            <a:ext cx="1828800" cy="457200"/>
-          </a:xfrm>
-          <a:prstGeom prst="rect">
-            <a:avLst/>
-          </a:prstGeom>
-          <a:noFill/>
-        </p:spPr>
-        <p:txBody>
-          <a:bodyPr wrap="none">
-            <a:spAutoFit/>
-          </a:bodyPr>
-          <a:lstStyle/>
-          <a:p>
-            <a:pPr>
-              <a:defRPr sz="1100" i="1" b="0">
-                <a:solidFill>
-                  <a:srgbClr val="BF9000"/>
-                </a:solidFill>
-              </a:defRPr>
-            </a:pPr>
-            <a:r>
-              <a:t>4. Reads Logs</a:t>
-            </a:r>
-          </a:p>
-        </p:txBody>
-      </p:sp>
-      <p:sp>
-        <p:nvSpPr>
-          <p:cNvPr id="23" name="TextBox 22"/>
-          <p:cNvSpPr txBox="1"/>
-          <p:nvPr/>
-        </p:nvSpPr>
-        <p:spPr>
-          <a:xfrm>
-            <a:off x="6858000" y="4114800"/>
-            <a:ext cx="1828800" cy="457200"/>
-          </a:xfrm>
-          <a:prstGeom prst="rect">
-            <a:avLst/>
-          </a:prstGeom>
-          <a:noFill/>
-        </p:spPr>
-        <p:txBody>
-          <a:bodyPr wrap="none">
-            <a:spAutoFit/>
-          </a:bodyPr>
-          <a:lstStyle/>
-          <a:p>
-            <a:pPr>
-              <a:defRPr sz="1100" i="1" b="0">
-                <a:solidFill>
-                  <a:srgbClr val="BF9000"/>
-                </a:solidFill>
-              </a:defRPr>
-            </a:pPr>
-            <a:r>
-              <a:t>5. Applies Load</a:t>
-            </a:r>
-          </a:p>
-        </p:txBody>
-      </p:sp>
-      <p:sp>
-        <p:nvSpPr>
-          <p:cNvPr id="24" name="TextBox 23"/>
-          <p:cNvSpPr txBox="1"/>
-          <p:nvPr/>
-        </p:nvSpPr>
-        <p:spPr>
-          <a:xfrm>
-            <a:off x="914400" y="6629400"/>
-            <a:ext cx="2743200" cy="457200"/>
-          </a:xfrm>
-          <a:prstGeom prst="rect">
-            <a:avLst/>
-          </a:prstGeom>
-          <a:noFill/>
-        </p:spPr>
-        <p:txBody>
-          <a:bodyPr wrap="none">
-            <a:spAutoFit/>
-          </a:bodyPr>
-          <a:lstStyle/>
-          <a:p>
-            <a:pPr>
-              <a:defRPr sz="1100" i="1" b="0">
-                <a:solidFill>
-                  <a:srgbClr val="BF9000"/>
-                </a:solidFill>
-              </a:defRPr>
-            </a:pPr>
-            <a:r>
-              <a:t>6. Writes/Reads Artifacts</a:t>
-            </a:r>
-          </a:p>
-        </p:txBody>
-      </p:sp>
-      <p:sp>
-        <p:nvSpPr>
-          <p:cNvPr id="25" name="TextBox 24"/>
+      </p:pic>
+      <p:sp>
+        <p:nvSpPr>
+          <p:cNvPr id="4" name="TextBox 3"/>
           <p:cNvSpPr txBox="1"/>
           <p:nvPr/>
         </p:nvSpPr>
@@ -6734,7 +6275,7 @@
               </a:defRPr>
             </a:pPr>
             <a:r>
-              <a:t>Cortex Performance Engine | 7 of 13</a:t>
+              <a:t>Cortex Performance Engine | 7 of 15</a:t>
             </a:r>
           </a:p>
         </p:txBody>
@@ -6780,21 +6321,45 @@
               </a:defRPr>
             </a:pPr>
             <a:r>
-              <a:t>Architecture Part 2: Rationale &amp; Communication</a:t>
-            </a:r>
-          </a:p>
-        </p:txBody>
-      </p:sp>
-      <p:sp>
-        <p:nvSpPr>
-          <p:cNvPr id="3" name="TextBox 2"/>
+              <a:t>Architecture 2: The Cortex Performance Engine</a:t>
+            </a:r>
+          </a:p>
+        </p:txBody>
+      </p:sp>
+      <p:pic>
+        <p:nvPicPr>
+          <p:cNvPr id="3" name="Picture 2" descr="cortex_engine_architecture.gif"/>
+          <p:cNvPicPr>
+            <a:picLocks noChangeAspect="1"/>
+          </p:cNvPicPr>
+          <p:nvPr/>
+        </p:nvPicPr>
+        <p:blipFill>
+          <a:blip r:embed="rId2"/>
+          <a:stretch>
+            <a:fillRect/>
+          </a:stretch>
+        </p:blipFill>
+        <p:spPr>
+          <a:xfrm>
+            <a:off x="457200" y="1645920"/>
+            <a:ext cx="13716000" cy="7715250"/>
+          </a:xfrm>
+          <a:prstGeom prst="rect">
+            <a:avLst/>
+          </a:prstGeom>
+        </p:spPr>
+      </p:pic>
+      <p:sp>
+        <p:nvSpPr>
+          <p:cNvPr id="4" name="TextBox 3"/>
           <p:cNvSpPr txBox="1"/>
           <p:nvPr/>
         </p:nvSpPr>
         <p:spPr>
           <a:xfrm>
-            <a:off x="914400" y="1645920"/>
-            <a:ext cx="12801600" cy="5943600"/>
+            <a:off x="457200" y="7772400"/>
+            <a:ext cx="13716000" cy="457200"/>
           </a:xfrm>
           <a:prstGeom prst="rect">
             <a:avLst/>
@@ -6802,32 +6367,73 @@
           <a:noFill/>
         </p:spPr>
         <p:txBody>
-          <a:bodyPr wrap="square">
+          <a:bodyPr wrap="none">
             <a:spAutoFit/>
           </a:bodyPr>
           <a:lstStyle/>
-          <a:p/>
+          <a:p>
+            <a:pPr algn="r">
+              <a:defRPr sz="1000">
+                <a:solidFill>
+                  <a:srgbClr val="808080"/>
+                </a:solidFill>
+              </a:defRPr>
+            </a:pPr>
+            <a:r>
+              <a:t>Cortex Performance Engine | 8 of 15</a:t>
+            </a:r>
+          </a:p>
+        </p:txBody>
+      </p:sp>
+    </p:spTree>
+  </p:cSld>
+  <p:clrMapOvr>
+    <a:masterClrMapping/>
+  </p:clrMapOvr>
+</p:sld>
+</file>
+
+<file path=ppt/slides/slide9.xml><?xml version="1.0" encoding="utf-8"?>
+<p:sld xmlns:a="http://schemas.openxmlformats.org/drawingml/2006/main" xmlns:p="http://schemas.openxmlformats.org/presentationml/2006/main" xmlns:r="http://schemas.openxmlformats.org/officeDocument/2006/relationships">
+  <p:cSld>
+    <p:spTree>
+      <p:nvGrpSpPr>
+        <p:cNvPr id="1" name=""/>
+        <p:cNvGrpSpPr/>
+        <p:nvPr/>
+      </p:nvGrpSpPr>
+      <p:grpSpPr/>
+      <p:sp>
+        <p:nvSpPr>
+          <p:cNvPr id="2" name="Title 1"/>
+          <p:cNvSpPr>
+            <a:spLocks noGrp="1"/>
+          </p:cNvSpPr>
+          <p:nvPr>
+            <p:ph type="title"/>
+          </p:nvPr>
+        </p:nvSpPr>
+        <p:spPr/>
+        <p:txBody>
+          <a:bodyPr/>
+          <a:lstStyle/>
           <a:p>
             <a:pPr>
-              <a:defRPr b="1" i="0" sz="2400"/>
+              <a:defRPr b="1">
+                <a:solidFill>
+                  <a:srgbClr val="0052A5"/>
+                </a:solidFill>
+              </a:defRPr>
             </a:pPr>
             <a:r>
-              <a:t>How Real-Time Communication Works:</a:t>
-            </a:r>
-          </a:p>
-          <a:p>
-            <a:pPr lvl="1">
-              <a:defRPr b="0" i="0" sz="2400"/>
-            </a:pPr>
-            <a:r>
-              <a:t>The entire process is asynchronous. Step Functions passes a JSON state object between each agent, containing a unique `runId` and pointers to artifacts in the S3 bucket.</a:t>
+              <a:t>Architecture 3: AWS Services Rationale</a:t>
             </a:r>
           </a:p>
         </p:txBody>
       </p:sp>
       <p:graphicFrame>
         <p:nvGraphicFramePr>
-          <p:cNvPr id="4" name="Table 3"/>
+          <p:cNvPr id="3" name="Table 2"/>
           <p:cNvGraphicFramePr>
             <a:graphicFrameLocks noGrp="1"/>
           </p:cNvGraphicFramePr>
@@ -6844,8 +6450,9 @@
                 <a:tableStyleId>{5C22544A-7EE6-4342-B048-85BDC9FD1C3A}</a:tableStyleId>
               </a:tblPr>
               <a:tblGrid>
-                <a:gridCol w="6400800"/>
-                <a:gridCol w="6400800"/>
+                <a:gridCol w="4267200"/>
+                <a:gridCol w="4267200"/>
+                <a:gridCol w="4267200"/>
               </a:tblGrid>
               <a:tr h="457200">
                 <a:tc>
@@ -6861,7 +6468,30 @@
                         </a:defRPr>
                       </a:pPr>
                       <a:r>
-                        <a:t>Service</a:t>
+                        <a:t>Category</a:t>
+                      </a:r>
+                    </a:p>
+                  </a:txBody>
+                  <a:tcPr>
+                    <a:solidFill>
+                      <a:srgbClr val="F2F2F2"/>
+                    </a:solidFill>
+                  </a:tcPr>
+                </a:tc>
+                <a:tc>
+                  <a:txBody>
+                    <a:bodyPr/>
+                    <a:lstStyle/>
+                    <a:p>
+                      <a:pPr>
+                        <a:defRPr b="1" sz="1600">
+                          <a:solidFill>
+                            <a:srgbClr val="0052A5"/>
+                          </a:solidFill>
+                        </a:defRPr>
+                      </a:pPr>
+                      <a:r>
+                        <a:t>Service Chosen</a:t>
                       </a:r>
                     </a:p>
                   </a:txBody>
@@ -6905,6 +6535,68 @@
                         <a:defRPr sz="1400"/>
                       </a:pPr>
                       <a:r>
+                        <a:t>User Interface</a:t>
+                      </a:r>
+                    </a:p>
+                  </a:txBody>
+                  <a:tcPr/>
+                </a:tc>
+                <a:tc>
+                  <a:txBody>
+                    <a:bodyPr/>
+                    <a:lstStyle/>
+                    <a:p>
+                      <a:pPr>
+                        <a:defRPr sz="1400"/>
+                      </a:pPr>
+                      <a:r>
+                        <a:t>AWS Lex</a:t>
+                      </a:r>
+                    </a:p>
+                  </a:txBody>
+                  <a:tcPr/>
+                </a:tc>
+                <a:tc>
+                  <a:txBody>
+                    <a:bodyPr/>
+                    <a:lstStyle/>
+                    <a:p>
+                      <a:pPr>
+                        <a:defRPr sz="1400"/>
+                      </a:pPr>
+                      <a:r>
+                        <a:t>Provides a natural language interface, making the powerful backend accessible to everyone without a complex UI.</a:t>
+                      </a:r>
+                    </a:p>
+                  </a:txBody>
+                  <a:tcPr/>
+                </a:tc>
+              </a:tr>
+              <a:tr h="457200">
+                <a:tc>
+                  <a:txBody>
+                    <a:bodyPr/>
+                    <a:lstStyle/>
+                    <a:p>
+                      <a:pPr>
+                        <a:defRPr sz="1400"/>
+                      </a:pPr>
+                      <a:r>
+                        <a:t>Orchestration</a:t>
+                      </a:r>
+                    </a:p>
+                  </a:txBody>
+                  <a:tcPr/>
+                </a:tc>
+                <a:tc>
+                  <a:txBody>
+                    <a:bodyPr/>
+                    <a:lstStyle/>
+                    <a:p>
+                      <a:pPr>
+                        <a:defRPr sz="1400"/>
+                      </a:pPr>
+                      <a:r>
                         <a:t>AWS Step Functions</a:t>
                       </a:r>
                     </a:p>
@@ -6920,7 +6612,7 @@
                         <a:defRPr sz="1400"/>
                       </a:pPr>
                       <a:r>
-                        <a:t>Provides visual workflows, error handling, and retries out-of-the-box. Perfect for sequencing agentic tasks. It's the serverless 'brain' of the operation.</a:t>
+                        <a:t>Gives us visual workflows, built-in error handling, and state management. It's the perfect serverless 'brain' for our agentic system.</a:t>
                       </a:r>
                     </a:p>
                   </a:txBody>
@@ -6928,6 +6620,68 @@
                 </a:tc>
               </a:tr>
               <a:tr h="457200">
+                <a:tc>
+                  <a:txBody>
+                    <a:bodyPr/>
+                    <a:lstStyle/>
+                    <a:p>
+                      <a:pPr>
+                        <a:defRPr sz="1400"/>
+                      </a:pPr>
+                      <a:r>
+                        <a:t>AI / Machine Learning</a:t>
+                      </a:r>
+                    </a:p>
+                  </a:txBody>
+                  <a:tcPr/>
+                </a:tc>
+                <a:tc>
+                  <a:txBody>
+                    <a:bodyPr/>
+                    <a:lstStyle/>
+                    <a:p>
+                      <a:pPr>
+                        <a:defRPr sz="1400"/>
+                      </a:pPr>
+                      <a:r>
+                        <a:t>Amazon Bedrock</a:t>
+                      </a:r>
+                    </a:p>
+                  </a:txBody>
+                  <a:tcPr/>
+                </a:tc>
+                <a:tc>
+                  <a:txBody>
+                    <a:bodyPr/>
+                    <a:lstStyle/>
+                    <a:p>
+                      <a:pPr>
+                        <a:defRPr sz="1400"/>
+                      </a:pPr>
+                      <a:r>
+                        <a:t>Provides secure, serverless access to powerful foundation models for script generation and report analysis, without any ML overhead.</a:t>
+                      </a:r>
+                    </a:p>
+                  </a:txBody>
+                  <a:tcPr/>
+                </a:tc>
+              </a:tr>
+              <a:tr h="457200">
+                <a:tc>
+                  <a:txBody>
+                    <a:bodyPr/>
+                    <a:lstStyle/>
+                    <a:p>
+                      <a:pPr>
+                        <a:defRPr sz="1400"/>
+                      </a:pPr>
+                      <a:r>
+                        <a:t>Serverless Compute</a:t>
+                      </a:r>
+                    </a:p>
+                  </a:txBody>
+                  <a:tcPr/>
+                </a:tc>
                 <a:tc>
                   <a:txBody>
                     <a:bodyPr/>
@@ -6952,7 +6706,7 @@
                         <a:defRPr sz="1400"/>
                       </a:pPr>
                       <a:r>
-                        <a:t>Ideal for short-lived, event-driven tasks like our agents. We only pay for compute time used, ensuring maximum cost-efficiency. Zero server management.</a:t>
+                        <a:t>Ideal for short-lived, event-driven tasks like our agents. We only pay per millisecond, ensuring maximum cost-efficiency.</a:t>
                       </a:r>
                     </a:p>
                   </a:txBody>
@@ -6969,7 +6723,7 @@
                         <a:defRPr sz="1400"/>
                       </a:pPr>
                       <a:r>
-                        <a:t>AWS Fargate (Spot)</a:t>
+                        <a:t>Container Compute</a:t>
                       </a:r>
                     </a:p>
                   </a:txBody>
@@ -6984,24 +6738,7 @@
                         <a:defRPr sz="1400"/>
                       </a:pPr>
                       <a:r>
-                        <a:t>Combines serverless benefits (no EC2 management) with massive cost savings (up to 90% for Spot). Perfect for the containerized JMeter test executor.</a:t>
-                      </a:r>
-                    </a:p>
-                  </a:txBody>
-                  <a:tcPr/>
-                </a:tc>
-              </a:tr>
-              <a:tr h="457200">
-                <a:tc>
-                  <a:txBody>
-                    <a:bodyPr/>
-                    <a:lstStyle/>
-                    <a:p>
-                      <a:pPr>
-                        <a:defRPr sz="1400"/>
-                      </a:pPr>
-                      <a:r>
-                        <a:t>Amazon Bedrock</a:t>
+                        <a:t>AWS Fargate Spot</a:t>
                       </a:r>
                     </a:p>
                   </a:txBody>
@@ -7016,39 +6753,7 @@
                         <a:defRPr sz="1400"/>
                       </a:pPr>
                       <a:r>
-                        <a:t>Gives us easy, secure access to powerful foundation models without managing ML infrastructure. This is the core of our AI-driven analysis and generation capabilities.</a:t>
-                      </a:r>
-                    </a:p>
-                  </a:txBody>
-                  <a:tcPr/>
-                </a:tc>
-              </a:tr>
-              <a:tr h="457200">
-                <a:tc>
-                  <a:txBody>
-                    <a:bodyPr/>
-                    <a:lstStyle/>
-                    <a:p>
-                      <a:pPr>
-                        <a:defRPr sz="1400"/>
-                      </a:pPr>
-                      <a:r>
-                        <a:t>S3 Artifacts Bucket</a:t>
-                      </a:r>
-                    </a:p>
-                  </a:txBody>
-                  <a:tcPr/>
-                </a:tc>
-                <a:tc>
-                  <a:txBody>
-                    <a:bodyPr/>
-                    <a:lstStyle/>
-                    <a:p>
-                      <a:pPr>
-                        <a:defRPr sz="1400"/>
-                      </a:pPr>
-                      <a:r>
-                        <a:t>Acts as the central, decoupled data bus. Agents communicate indirectly by passing data (logs, scripts, reports) through S3, making the system robust and scalable.</a:t>
+                        <a:t>The best of both worlds: serverless container orchestration with massive (up to 90%) cost savings. Perfect for the JMeter load generators.</a:t>
                       </a:r>
                     </a:p>
                   </a:txBody>
@@ -7061,7 +6766,7 @@
       </p:graphicFrame>
       <p:sp>
         <p:nvSpPr>
-          <p:cNvPr id="5" name="TextBox 4"/>
+          <p:cNvPr id="4" name="TextBox 3"/>
           <p:cNvSpPr txBox="1"/>
           <p:nvPr/>
         </p:nvSpPr>
@@ -7089,172 +6794,7 @@
               </a:defRPr>
             </a:pPr>
             <a:r>
-              <a:t>Cortex Performance Engine | 8 of 13</a:t>
-            </a:r>
-          </a:p>
-        </p:txBody>
-      </p:sp>
-    </p:spTree>
-  </p:cSld>
-  <p:clrMapOvr>
-    <a:masterClrMapping/>
-  </p:clrMapOvr>
-</p:sld>
-</file>
-
-<file path=ppt/slides/slide9.xml><?xml version="1.0" encoding="utf-8"?>
-<p:sld xmlns:a="http://schemas.openxmlformats.org/drawingml/2006/main" xmlns:p="http://schemas.openxmlformats.org/presentationml/2006/main" xmlns:r="http://schemas.openxmlformats.org/officeDocument/2006/relationships">
-  <p:cSld>
-    <p:spTree>
-      <p:nvGrpSpPr>
-        <p:cNvPr id="1" name=""/>
-        <p:cNvGrpSpPr/>
-        <p:nvPr/>
-      </p:nvGrpSpPr>
-      <p:grpSpPr/>
-      <p:sp>
-        <p:nvSpPr>
-          <p:cNvPr id="2" name="Title 1"/>
-          <p:cNvSpPr>
-            <a:spLocks noGrp="1"/>
-          </p:cNvSpPr>
-          <p:nvPr>
-            <p:ph type="title"/>
-          </p:nvPr>
-        </p:nvSpPr>
-        <p:spPr/>
-        <p:txBody>
-          <a:bodyPr/>
-          <a:lstStyle/>
-          <a:p>
-            <a:pPr>
-              <a:defRPr b="1">
-                <a:solidFill>
-                  <a:srgbClr val="0052A5"/>
-                </a:solidFill>
-              </a:defRPr>
-            </a:pPr>
-            <a:r>
-              <a:t>Key Advantages: The Business Impact</a:t>
-            </a:r>
-          </a:p>
-        </p:txBody>
-      </p:sp>
-      <p:sp>
-        <p:nvSpPr>
-          <p:cNvPr id="3" name="TextBox 2"/>
-          <p:cNvSpPr txBox="1"/>
-          <p:nvPr/>
-        </p:nvSpPr>
-        <p:spPr>
-          <a:xfrm>
-            <a:off x="914400" y="1645920"/>
-            <a:ext cx="12801600" cy="5943600"/>
-          </a:xfrm>
-          <a:prstGeom prst="rect">
-            <a:avLst/>
-          </a:prstGeom>
-          <a:noFill/>
-        </p:spPr>
-        <p:txBody>
-          <a:bodyPr wrap="square">
-            <a:spAutoFit/>
-          </a:bodyPr>
-          <a:lstStyle/>
-          <a:p/>
-          <a:p>
-            <a:pPr>
-              <a:defRPr b="1" i="0" sz="2400"/>
-            </a:pPr>
-            <a:r>
-              <a:t>Accelerated Delivery:</a:t>
-            </a:r>
-            <a:r>
-              <a:rPr b="0" i="0"/>
-              <a:t> Reduce test creation time from weeks to minutes, removing bottlenecks and enabling faster time-to-market.</a:t>
-            </a:r>
-          </a:p>
-          <a:p>
-            <a:pPr>
-              <a:defRPr b="1" i="0" sz="2400"/>
-            </a:pPr>
-            <a:r>
-              <a:t>Drastic Cost Reduction:</a:t>
-            </a:r>
-            <a:r>
-              <a:rPr b="0" i="0"/>
-              <a:t> Save over 90% on infrastructure costs by leveraging a serverless, pay-per-use model instead of always-on servers.</a:t>
-            </a:r>
-          </a:p>
-          <a:p>
-            <a:pPr>
-              <a:defRPr b="1" i="0" sz="2400"/>
-            </a:pPr>
-            <a:r>
-              <a:t>Increased Resilience:</a:t>
-            </a:r>
-            <a:r>
-              <a:rPr b="0" i="0"/>
-              <a:t> Proactively find and fix performance and chaos issues before they impact customers, reducing the risk of costly outages.</a:t>
-            </a:r>
-          </a:p>
-          <a:p>
-            <a:pPr>
-              <a:defRPr b="1" i="0" sz="2400"/>
-            </a:pPr>
-            <a:r>
-              <a:t>Improved Developer Productivity:</a:t>
-            </a:r>
-            <a:r>
-              <a:rPr b="0" i="0"/>
-              <a:t> Automate tedious tasks, freeing up expert engineers to focus on innovation and high-value work.</a:t>
-            </a:r>
-          </a:p>
-          <a:p>
-            <a:pPr>
-              <a:defRPr b="1" i="0" sz="2400"/>
-            </a:pPr>
-            <a:r>
-              <a:t>Democratized Testing:</a:t>
-            </a:r>
-            <a:r>
-              <a:rPr b="0" i="0"/>
-              <a:t> Empower more team members to run sophisticated tests via a simple chatbot, fostering a culture of quality.</a:t>
-            </a:r>
-          </a:p>
-        </p:txBody>
-      </p:sp>
-      <p:sp>
-        <p:nvSpPr>
-          <p:cNvPr id="4" name="TextBox 3"/>
-          <p:cNvSpPr txBox="1"/>
-          <p:nvPr/>
-        </p:nvSpPr>
-        <p:spPr>
-          <a:xfrm>
-            <a:off x="457200" y="7772400"/>
-            <a:ext cx="13716000" cy="457200"/>
-          </a:xfrm>
-          <a:prstGeom prst="rect">
-            <a:avLst/>
-          </a:prstGeom>
-          <a:noFill/>
-        </p:spPr>
-        <p:txBody>
-          <a:bodyPr wrap="none">
-            <a:spAutoFit/>
-          </a:bodyPr>
-          <a:lstStyle/>
-          <a:p>
-            <a:pPr algn="r">
-              <a:defRPr sz="1000">
-                <a:solidFill>
-                  <a:srgbClr val="808080"/>
-                </a:solidFill>
-              </a:defRPr>
-            </a:pPr>
-            <a:r>
-              <a:t>Cortex Performance Engine | 9 of 13</a:t>
+              <a:t>Cortex Performance Engine | 9 of 15</a:t>
             </a:r>
           </a:p>
         </p:txBody>

--- a/Cortex_Performance_Engine_Stakeholder_Presentation.pptx
+++ b/Cortex_Performance_Engine_Stakeholder_Presentation.pptx
@@ -18,8 +18,6 @@
     <p:sldId id="266" r:id="rId18"/>
     <p:sldId id="267" r:id="rId19"/>
     <p:sldId id="268" r:id="rId20"/>
-    <p:sldId id="269" r:id="rId21"/>
-    <p:sldId id="270" r:id="rId22"/>
   </p:sldIdLst>
   <p:sldSz cx="14630400" cy="8229600" type="screen4x3"/>
   <p:notesSz cx="6858000" cy="9144000"/>
@@ -726,7 +724,7 @@
           <a:lstStyle/>
           <a:p>
             <a:r>
-              <a:t>This is our target application. It's a modern, serverless web app. Understanding its components is key to understanding how we test it.</a:t>
+              <a:t>This diagram shows the high-level flow. The Cortex Engine is a separate, independent system that observes and tests the target application without being part of it, which is a key architectural principle.</a:t>
             </a:r>
           </a:p>
         </p:txBody>
@@ -796,7 +794,7 @@
           <a:lstStyle/>
           <a:p>
             <a:r>
-              <a:t>This is our solution. It's an event-driven system where each agent is a specialized microservice. Step Functions acts as the central brain, ensuring tasks run in the correct order.</a:t>
+              <a:t>This slide sets the agenda for the live demo portion of the presentation.</a:t>
             </a:r>
           </a:p>
         </p:txBody>
@@ -822,216 +820,6 @@
 </file>
 
 <file path=ppt/notesSlides/notesSlide6.xml><?xml version="1.0" encoding="utf-8"?>
-<p:notes xmlns:a="http://schemas.openxmlformats.org/drawingml/2006/main" xmlns:p="http://schemas.openxmlformats.org/presentationml/2006/main" xmlns:r="http://schemas.openxmlformats.org/officeDocument/2006/relationships">
-  <p:cSld>
-    <p:spTree>
-      <p:nvGrpSpPr>
-        <p:cNvPr id="1" name=""/>
-        <p:cNvGrpSpPr/>
-        <p:nvPr/>
-      </p:nvGrpSpPr>
-      <p:grpSpPr>
-        <a:xfrm>
-          <a:off x="0" y="0"/>
-          <a:ext cx="0" cy="0"/>
-          <a:chOff x="0" y="0"/>
-          <a:chExt cx="0" cy="0"/>
-        </a:xfrm>
-      </p:grpSpPr>
-      <p:sp>
-        <p:nvSpPr>
-          <p:cNvPr id="2" name="Slide Image Placeholder 1"/>
-          <p:cNvSpPr>
-            <a:spLocks noGrp="1"/>
-          </p:cNvSpPr>
-          <p:nvPr>
-            <p:ph type="sldImg" idx="2"/>
-          </p:nvPr>
-        </p:nvSpPr>
-        <p:spPr/>
-      </p:sp>
-      <p:sp>
-        <p:nvSpPr>
-          <p:cNvPr id="3" name="Notes Placeholder 2"/>
-          <p:cNvSpPr>
-            <a:spLocks noGrp="1"/>
-          </p:cNvSpPr>
-          <p:nvPr>
-            <p:ph type="body" idx="3" sz="quarter"/>
-          </p:nvPr>
-        </p:nvSpPr>
-        <p:spPr/>
-        <p:txBody>
-          <a:bodyPr/>
-          <a:lstStyle/>
-          <a:p>
-            <a:r>
-              <a:t>Our architectural choices are deliberate, focusing on serverless-first principles to reduce operational overhead and cost at every layer.</a:t>
-            </a:r>
-          </a:p>
-        </p:txBody>
-      </p:sp>
-      <p:sp>
-        <p:nvSpPr>
-          <p:cNvPr id="4" name="Slide Number Placeholder 3"/>
-          <p:cNvSpPr>
-            <a:spLocks noGrp="1"/>
-          </p:cNvSpPr>
-          <p:nvPr>
-            <p:ph type="sldNum" idx="5" sz="quarter"/>
-          </p:nvPr>
-        </p:nvSpPr>
-        <p:spPr/>
-      </p:sp>
-    </p:spTree>
-  </p:cSld>
-  <p:clrMapOvr>
-    <a:masterClrMapping/>
-  </p:clrMapOvr>
-</p:notes>
-</file>
-
-<file path=ppt/notesSlides/notesSlide7.xml><?xml version="1.0" encoding="utf-8"?>
-<p:notes xmlns:a="http://schemas.openxmlformats.org/drawingml/2006/main" xmlns:p="http://schemas.openxmlformats.org/presentationml/2006/main" xmlns:r="http://schemas.openxmlformats.org/officeDocument/2006/relationships">
-  <p:cSld>
-    <p:spTree>
-      <p:nvGrpSpPr>
-        <p:cNvPr id="1" name=""/>
-        <p:cNvGrpSpPr/>
-        <p:nvPr/>
-      </p:nvGrpSpPr>
-      <p:grpSpPr>
-        <a:xfrm>
-          <a:off x="0" y="0"/>
-          <a:ext cx="0" cy="0"/>
-          <a:chOff x="0" y="0"/>
-          <a:chExt cx="0" cy="0"/>
-        </a:xfrm>
-      </p:grpSpPr>
-      <p:sp>
-        <p:nvSpPr>
-          <p:cNvPr id="2" name="Slide Image Placeholder 1"/>
-          <p:cNvSpPr>
-            <a:spLocks noGrp="1"/>
-          </p:cNvSpPr>
-          <p:nvPr>
-            <p:ph type="sldImg" idx="2"/>
-          </p:nvPr>
-        </p:nvSpPr>
-        <p:spPr/>
-      </p:sp>
-      <p:sp>
-        <p:nvSpPr>
-          <p:cNvPr id="3" name="Notes Placeholder 2"/>
-          <p:cNvSpPr>
-            <a:spLocks noGrp="1"/>
-          </p:cNvSpPr>
-          <p:nvPr>
-            <p:ph type="body" idx="3" sz="quarter"/>
-          </p:nvPr>
-        </p:nvSpPr>
-        <p:spPr/>
-        <p:txBody>
-          <a:bodyPr/>
-          <a:lstStyle/>
-          <a:p>
-            <a:r>
-              <a:t>This is the complete picture. The Cortex Engine (left) is a fully independent system that interacts with the Target Application (right) only through public APIs and by observing logs, just like a real user and an SRE would.</a:t>
-            </a:r>
-          </a:p>
-        </p:txBody>
-      </p:sp>
-      <p:sp>
-        <p:nvSpPr>
-          <p:cNvPr id="4" name="Slide Number Placeholder 3"/>
-          <p:cNvSpPr>
-            <a:spLocks noGrp="1"/>
-          </p:cNvSpPr>
-          <p:nvPr>
-            <p:ph type="sldNum" idx="5" sz="quarter"/>
-          </p:nvPr>
-        </p:nvSpPr>
-        <p:spPr/>
-      </p:sp>
-    </p:spTree>
-  </p:cSld>
-  <p:clrMapOvr>
-    <a:masterClrMapping/>
-  </p:clrMapOvr>
-</p:notes>
-</file>
-
-<file path=ppt/notesSlides/notesSlide8.xml><?xml version="1.0" encoding="utf-8"?>
-<p:notes xmlns:a="http://schemas.openxmlformats.org/drawingml/2006/main" xmlns:p="http://schemas.openxmlformats.org/presentationml/2006/main" xmlns:r="http://schemas.openxmlformats.org/officeDocument/2006/relationships">
-  <p:cSld>
-    <p:spTree>
-      <p:nvGrpSpPr>
-        <p:cNvPr id="1" name=""/>
-        <p:cNvGrpSpPr/>
-        <p:nvPr/>
-      </p:nvGrpSpPr>
-      <p:grpSpPr>
-        <a:xfrm>
-          <a:off x="0" y="0"/>
-          <a:ext cx="0" cy="0"/>
-          <a:chOff x="0" y="0"/>
-          <a:chExt cx="0" cy="0"/>
-        </a:xfrm>
-      </p:grpSpPr>
-      <p:sp>
-        <p:nvSpPr>
-          <p:cNvPr id="2" name="Slide Image Placeholder 1"/>
-          <p:cNvSpPr>
-            <a:spLocks noGrp="1"/>
-          </p:cNvSpPr>
-          <p:nvPr>
-            <p:ph type="sldImg" idx="2"/>
-          </p:nvPr>
-        </p:nvSpPr>
-        <p:spPr/>
-      </p:sp>
-      <p:sp>
-        <p:nvSpPr>
-          <p:cNvPr id="3" name="Notes Placeholder 2"/>
-          <p:cNvSpPr>
-            <a:spLocks noGrp="1"/>
-          </p:cNvSpPr>
-          <p:nvPr>
-            <p:ph type="body" idx="3" sz="quarter"/>
-          </p:nvPr>
-        </p:nvSpPr>
-        <p:spPr/>
-        <p:txBody>
-          <a:bodyPr/>
-          <a:lstStyle/>
-          <a:p>
-            <a:r>
-              <a:t>This slide sets the agenda for the live demo portion of the presentation.</a:t>
-            </a:r>
-          </a:p>
-        </p:txBody>
-      </p:sp>
-      <p:sp>
-        <p:nvSpPr>
-          <p:cNvPr id="4" name="Slide Number Placeholder 3"/>
-          <p:cNvSpPr>
-            <a:spLocks noGrp="1"/>
-          </p:cNvSpPr>
-          <p:nvPr>
-            <p:ph type="sldNum" idx="5" sz="quarter"/>
-          </p:nvPr>
-        </p:nvSpPr>
-        <p:spPr/>
-      </p:sp>
-    </p:spTree>
-  </p:cSld>
-  <p:clrMapOvr>
-    <a:masterClrMapping/>
-  </p:clrMapOvr>
-</p:notes>
-</file>
-
-<file path=ppt/notesSlides/notesSlide9.xml><?xml version="1.0" encoding="utf-8"?>
 <p:notes xmlns:a="http://schemas.openxmlformats.org/drawingml/2006/main" xmlns:p="http://schemas.openxmlformats.org/presentationml/2006/main" xmlns:r="http://schemas.openxmlformats.org/officeDocument/2006/relationships">
   <p:cSld>
     <p:spTree>
@@ -4179,35 +3967,71 @@
               </a:defRPr>
             </a:pPr>
             <a:r>
-              <a:t>Consolidated Architecture: The Full Ecosystem</a:t>
-            </a:r>
-          </a:p>
-        </p:txBody>
-      </p:sp>
-      <p:pic>
-        <p:nvPicPr>
-          <p:cNvPr id="3" name="Picture 2" descr="consolidated_architecture.gif"/>
-          <p:cNvPicPr>
-            <a:picLocks noChangeAspect="1"/>
-          </p:cNvPicPr>
+              <a:t>Live Prototype Demonstration</a:t>
+            </a:r>
+          </a:p>
+        </p:txBody>
+      </p:sp>
+      <p:sp>
+        <p:nvSpPr>
+          <p:cNvPr id="3" name="TextBox 2"/>
+          <p:cNvSpPr txBox="1"/>
           <p:nvPr/>
-        </p:nvPicPr>
-        <p:blipFill>
-          <a:blip r:embed="rId2"/>
-          <a:stretch>
-            <a:fillRect/>
-          </a:stretch>
-        </p:blipFill>
+        </p:nvSpPr>
         <p:spPr>
           <a:xfrm>
-            <a:off x="457200" y="1645920"/>
-            <a:ext cx="13716000" cy="7715250"/>
+            <a:off x="914400" y="1645920"/>
+            <a:ext cx="12801600" cy="5943600"/>
           </a:xfrm>
           <a:prstGeom prst="rect">
             <a:avLst/>
           </a:prstGeom>
+          <a:noFill/>
         </p:spPr>
-      </p:pic>
+        <p:txBody>
+          <a:bodyPr wrap="square">
+            <a:spAutoFit/>
+          </a:bodyPr>
+          <a:lstStyle/>
+          <a:p/>
+          <a:p>
+            <a:pPr>
+              <a:defRPr b="1" i="0" sz="2400"/>
+            </a:pPr>
+            <a:r>
+              <a:t>1. Triggering the Test:</a:t>
+            </a:r>
+            <a:r>
+              <a:rPr b="0" i="0"/>
+              <a:t> We will interact with the chatbot in the AWS Lex console to launch a load test.</a:t>
+            </a:r>
+          </a:p>
+          <a:p>
+            <a:pPr>
+              <a:defRPr b="1" i="0" sz="2400"/>
+            </a:pPr>
+            <a:r>
+              <a:t>2. Monitoring the Pipeline:</a:t>
+            </a:r>
+            <a:r>
+              <a:rPr b="0" i="0"/>
+              <a:t> We will observe the AWS Step Functions graph to see the automated workflow in real-time.</a:t>
+            </a:r>
+          </a:p>
+          <a:p>
+            <a:pPr>
+              <a:defRPr b="1" i="0" sz="2400"/>
+            </a:pPr>
+            <a:r>
+              <a:t>3. Viewing the AI-Generated Report:</a:t>
+            </a:r>
+            <a:r>
+              <a:rPr b="0" i="0"/>
+              <a:t> We will review the final PDF report in S3, complete with metrics, analysis, and AI-generated recommendations.</a:t>
+            </a:r>
+          </a:p>
+        </p:txBody>
+      </p:sp>
       <p:sp>
         <p:nvSpPr>
           <p:cNvPr id="4" name="TextBox 3"/>
@@ -4238,7 +4062,7 @@
               </a:defRPr>
             </a:pPr>
             <a:r>
-              <a:t>Cortex Performance Engine | 10 of 15</a:t>
+              <a:t>Cortex Performance Engine | 10 of 13</a:t>
             </a:r>
           </a:p>
         </p:txBody>
@@ -4252,312 +4076,6 @@
 </file>
 
 <file path=ppt/slides/slide11.xml><?xml version="1.0" encoding="utf-8"?>
-<p:sld xmlns:a="http://schemas.openxmlformats.org/drawingml/2006/main" xmlns:p="http://schemas.openxmlformats.org/presentationml/2006/main" xmlns:r="http://schemas.openxmlformats.org/officeDocument/2006/relationships">
-  <p:cSld>
-    <p:spTree>
-      <p:nvGrpSpPr>
-        <p:cNvPr id="1" name=""/>
-        <p:cNvGrpSpPr/>
-        <p:nvPr/>
-      </p:nvGrpSpPr>
-      <p:grpSpPr/>
-      <p:sp>
-        <p:nvSpPr>
-          <p:cNvPr id="2" name="Title 1"/>
-          <p:cNvSpPr>
-            <a:spLocks noGrp="1"/>
-          </p:cNvSpPr>
-          <p:nvPr>
-            <p:ph type="title"/>
-          </p:nvPr>
-        </p:nvSpPr>
-        <p:spPr/>
-        <p:txBody>
-          <a:bodyPr/>
-          <a:lstStyle/>
-          <a:p>
-            <a:pPr>
-              <a:defRPr b="1">
-                <a:solidFill>
-                  <a:srgbClr val="0052A5"/>
-                </a:solidFill>
-              </a:defRPr>
-            </a:pPr>
-            <a:r>
-              <a:t>Key Advantages: The Business Impact</a:t>
-            </a:r>
-          </a:p>
-        </p:txBody>
-      </p:sp>
-      <p:sp>
-        <p:nvSpPr>
-          <p:cNvPr id="3" name="TextBox 2"/>
-          <p:cNvSpPr txBox="1"/>
-          <p:nvPr/>
-        </p:nvSpPr>
-        <p:spPr>
-          <a:xfrm>
-            <a:off x="914400" y="1645920"/>
-            <a:ext cx="12801600" cy="5943600"/>
-          </a:xfrm>
-          <a:prstGeom prst="rect">
-            <a:avLst/>
-          </a:prstGeom>
-          <a:noFill/>
-        </p:spPr>
-        <p:txBody>
-          <a:bodyPr wrap="square">
-            <a:spAutoFit/>
-          </a:bodyPr>
-          <a:lstStyle/>
-          <a:p/>
-          <a:p>
-            <a:pPr>
-              <a:defRPr b="1" i="0" sz="2400"/>
-            </a:pPr>
-            <a:r>
-              <a:t>Accelerated Delivery:</a:t>
-            </a:r>
-            <a:r>
-              <a:rPr b="0" i="0"/>
-              <a:t> Reduce test creation time from weeks to minutes, removing bottlenecks and enabling faster time-to-market.</a:t>
-            </a:r>
-          </a:p>
-          <a:p>
-            <a:pPr>
-              <a:defRPr b="1" i="0" sz="2400"/>
-            </a:pPr>
-            <a:r>
-              <a:t>Drastic Cost Reduction:</a:t>
-            </a:r>
-            <a:r>
-              <a:rPr b="0" i="0"/>
-              <a:t> Save over 90% on infrastructure costs by leveraging a serverless, pay-per-use model instead of always-on servers.</a:t>
-            </a:r>
-          </a:p>
-          <a:p>
-            <a:pPr>
-              <a:defRPr b="1" i="0" sz="2400"/>
-            </a:pPr>
-            <a:r>
-              <a:t>Increased Resilience:</a:t>
-            </a:r>
-            <a:r>
-              <a:rPr b="0" i="0"/>
-              <a:t> Proactively find and fix performance and chaos issues before they impact customers, reducing the risk of costly outages.</a:t>
-            </a:r>
-          </a:p>
-          <a:p>
-            <a:pPr>
-              <a:defRPr b="1" i="0" sz="2400"/>
-            </a:pPr>
-            <a:r>
-              <a:t>Improved Developer Productivity:</a:t>
-            </a:r>
-            <a:r>
-              <a:rPr b="0" i="0"/>
-              <a:t> Automate tedious tasks, freeing up expert engineers to focus on innovation and high-value work.</a:t>
-            </a:r>
-          </a:p>
-          <a:p>
-            <a:pPr>
-              <a:defRPr b="1" i="0" sz="2400"/>
-            </a:pPr>
-            <a:r>
-              <a:t>Democratized Testing:</a:t>
-            </a:r>
-            <a:r>
-              <a:rPr b="0" i="0"/>
-              <a:t> Empower more team members to run sophisticated tests via a simple chatbot, fostering a culture of quality.</a:t>
-            </a:r>
-          </a:p>
-        </p:txBody>
-      </p:sp>
-      <p:sp>
-        <p:nvSpPr>
-          <p:cNvPr id="4" name="TextBox 3"/>
-          <p:cNvSpPr txBox="1"/>
-          <p:nvPr/>
-        </p:nvSpPr>
-        <p:spPr>
-          <a:xfrm>
-            <a:off x="457200" y="7772400"/>
-            <a:ext cx="13716000" cy="457200"/>
-          </a:xfrm>
-          <a:prstGeom prst="rect">
-            <a:avLst/>
-          </a:prstGeom>
-          <a:noFill/>
-        </p:spPr>
-        <p:txBody>
-          <a:bodyPr wrap="none">
-            <a:spAutoFit/>
-          </a:bodyPr>
-          <a:lstStyle/>
-          <a:p>
-            <a:pPr algn="r">
-              <a:defRPr sz="1000">
-                <a:solidFill>
-                  <a:srgbClr val="808080"/>
-                </a:solidFill>
-              </a:defRPr>
-            </a:pPr>
-            <a:r>
-              <a:t>Cortex Performance Engine | 11 of 15</a:t>
-            </a:r>
-          </a:p>
-        </p:txBody>
-      </p:sp>
-    </p:spTree>
-  </p:cSld>
-  <p:clrMapOvr>
-    <a:masterClrMapping/>
-  </p:clrMapOvr>
-</p:sld>
-</file>
-
-<file path=ppt/slides/slide12.xml><?xml version="1.0" encoding="utf-8"?>
-<p:sld xmlns:a="http://schemas.openxmlformats.org/drawingml/2006/main" xmlns:p="http://schemas.openxmlformats.org/presentationml/2006/main" xmlns:r="http://schemas.openxmlformats.org/officeDocument/2006/relationships">
-  <p:cSld>
-    <p:spTree>
-      <p:nvGrpSpPr>
-        <p:cNvPr id="1" name=""/>
-        <p:cNvGrpSpPr/>
-        <p:nvPr/>
-      </p:nvGrpSpPr>
-      <p:grpSpPr/>
-      <p:sp>
-        <p:nvSpPr>
-          <p:cNvPr id="2" name="Title 1"/>
-          <p:cNvSpPr>
-            <a:spLocks noGrp="1"/>
-          </p:cNvSpPr>
-          <p:nvPr>
-            <p:ph type="title"/>
-          </p:nvPr>
-        </p:nvSpPr>
-        <p:spPr/>
-        <p:txBody>
-          <a:bodyPr/>
-          <a:lstStyle/>
-          <a:p>
-            <a:pPr>
-              <a:defRPr b="1">
-                <a:solidFill>
-                  <a:srgbClr val="0052A5"/>
-                </a:solidFill>
-              </a:defRPr>
-            </a:pPr>
-            <a:r>
-              <a:t>Live Prototype Demonstration</a:t>
-            </a:r>
-          </a:p>
-        </p:txBody>
-      </p:sp>
-      <p:sp>
-        <p:nvSpPr>
-          <p:cNvPr id="3" name="TextBox 2"/>
-          <p:cNvSpPr txBox="1"/>
-          <p:nvPr/>
-        </p:nvSpPr>
-        <p:spPr>
-          <a:xfrm>
-            <a:off x="914400" y="1645920"/>
-            <a:ext cx="12801600" cy="5943600"/>
-          </a:xfrm>
-          <a:prstGeom prst="rect">
-            <a:avLst/>
-          </a:prstGeom>
-          <a:noFill/>
-        </p:spPr>
-        <p:txBody>
-          <a:bodyPr wrap="square">
-            <a:spAutoFit/>
-          </a:bodyPr>
-          <a:lstStyle/>
-          <a:p/>
-          <a:p>
-            <a:pPr>
-              <a:defRPr b="1" i="0" sz="2400"/>
-            </a:pPr>
-            <a:r>
-              <a:t>1. Triggering the Test:</a:t>
-            </a:r>
-            <a:r>
-              <a:rPr b="0" i="0"/>
-              <a:t> We will interact with the chatbot in the AWS Lex console to launch a load test.</a:t>
-            </a:r>
-          </a:p>
-          <a:p>
-            <a:pPr>
-              <a:defRPr b="1" i="0" sz="2400"/>
-            </a:pPr>
-            <a:r>
-              <a:t>2. Monitoring the Pipeline:</a:t>
-            </a:r>
-            <a:r>
-              <a:rPr b="0" i="0"/>
-              <a:t> We will observe the AWS Step Functions graph to see the automated workflow in real-time.</a:t>
-            </a:r>
-          </a:p>
-          <a:p>
-            <a:pPr>
-              <a:defRPr b="1" i="0" sz="2400"/>
-            </a:pPr>
-            <a:r>
-              <a:t>3. Viewing the AI-Generated Report:</a:t>
-            </a:r>
-            <a:r>
-              <a:rPr b="0" i="0"/>
-              <a:t> We will review the final PDF report in S3, complete with metrics, analysis, and AI-generated recommendations.</a:t>
-            </a:r>
-          </a:p>
-        </p:txBody>
-      </p:sp>
-      <p:sp>
-        <p:nvSpPr>
-          <p:cNvPr id="4" name="TextBox 3"/>
-          <p:cNvSpPr txBox="1"/>
-          <p:nvPr/>
-        </p:nvSpPr>
-        <p:spPr>
-          <a:xfrm>
-            <a:off x="457200" y="7772400"/>
-            <a:ext cx="13716000" cy="457200"/>
-          </a:xfrm>
-          <a:prstGeom prst="rect">
-            <a:avLst/>
-          </a:prstGeom>
-          <a:noFill/>
-        </p:spPr>
-        <p:txBody>
-          <a:bodyPr wrap="none">
-            <a:spAutoFit/>
-          </a:bodyPr>
-          <a:lstStyle/>
-          <a:p>
-            <a:pPr algn="r">
-              <a:defRPr sz="1000">
-                <a:solidFill>
-                  <a:srgbClr val="808080"/>
-                </a:solidFill>
-              </a:defRPr>
-            </a:pPr>
-            <a:r>
-              <a:t>Cortex Performance Engine | 12 of 15</a:t>
-            </a:r>
-          </a:p>
-        </p:txBody>
-      </p:sp>
-    </p:spTree>
-  </p:cSld>
-  <p:clrMapOvr>
-    <a:masterClrMapping/>
-  </p:clrMapOvr>
-</p:sld>
-</file>
-
-<file path=ppt/slides/slide13.xml><?xml version="1.0" encoding="utf-8"?>
 <p:sld xmlns:a="http://schemas.openxmlformats.org/drawingml/2006/main" xmlns:p="http://schemas.openxmlformats.org/presentationml/2006/main" xmlns:r="http://schemas.openxmlformats.org/officeDocument/2006/relationships">
   <p:cSld>
     <p:spTree>
@@ -4933,7 +4451,7 @@
               </a:defRPr>
             </a:pPr>
             <a:r>
-              <a:t>Cortex Performance Engine | 13 of 15</a:t>
+              <a:t>Cortex Performance Engine | 11 of 13</a:t>
             </a:r>
           </a:p>
         </p:txBody>
@@ -4946,7 +4464,7 @@
 </p:sld>
 </file>
 
-<file path=ppt/slides/slide14.xml><?xml version="1.0" encoding="utf-8"?>
+<file path=ppt/slides/slide12.xml><?xml version="1.0" encoding="utf-8"?>
 <p:sld xmlns:a="http://schemas.openxmlformats.org/drawingml/2006/main" xmlns:p="http://schemas.openxmlformats.org/presentationml/2006/main" xmlns:r="http://schemas.openxmlformats.org/officeDocument/2006/relationships">
   <p:cSld>
     <p:spTree>
@@ -5118,7 +4636,7 @@
               </a:defRPr>
             </a:pPr>
             <a:r>
-              <a:t>Cortex Performance Engine | 14 of 15</a:t>
+              <a:t>Cortex Performance Engine | 12 of 13</a:t>
             </a:r>
           </a:p>
         </p:txBody>
@@ -5131,7 +4649,7 @@
 </p:sld>
 </file>
 
-<file path=ppt/slides/slide15.xml><?xml version="1.0" encoding="utf-8"?>
+<file path=ppt/slides/slide13.xml><?xml version="1.0" encoding="utf-8"?>
 <p:sld xmlns:a="http://schemas.openxmlformats.org/drawingml/2006/main" xmlns:p="http://schemas.openxmlformats.org/presentationml/2006/main" xmlns:r="http://schemas.openxmlformats.org/officeDocument/2006/relationships">
   <p:cSld>
     <p:spTree>
@@ -5199,7 +4717,7 @@
               </a:defRPr>
             </a:pPr>
             <a:r>
-              <a:t>Cortex Performance Engine | 15 of 15</a:t>
+              <a:t>Cortex Performance Engine | 13 of 13</a:t>
             </a:r>
           </a:p>
         </p:txBody>
@@ -5352,7 +4870,7 @@
               </a:defRPr>
             </a:pPr>
             <a:r>
-              <a:t>Cortex Performance Engine | 2 of 15</a:t>
+              <a:t>Cortex Performance Engine | 2 of 13</a:t>
             </a:r>
           </a:p>
         </p:txBody>
@@ -5521,7 +5039,7 @@
               </a:defRPr>
             </a:pPr>
             <a:r>
-              <a:t>Cortex Performance Engine | 3 of 15</a:t>
+              <a:t>Cortex Performance Engine | 3 of 13</a:t>
             </a:r>
           </a:p>
         </p:txBody>
@@ -5650,7 +5168,7 @@
               </a:defRPr>
             </a:pPr>
             <a:r>
-              <a:t>Cortex Performance Engine | 4 of 15</a:t>
+              <a:t>Cortex Performance Engine | 4 of 13</a:t>
             </a:r>
           </a:p>
         </p:txBody>
@@ -6017,7 +5535,7 @@
               </a:defRPr>
             </a:pPr>
             <a:r>
-              <a:t>Cortex Performance Engine | 5 of 15</a:t>
+              <a:t>Cortex Performance Engine | 5 of 13</a:t>
             </a:r>
           </a:p>
         </p:txBody>
@@ -6170,7 +5688,7 @@
               </a:defRPr>
             </a:pPr>
             <a:r>
-              <a:t>Cortex Performance Engine | 6 of 15</a:t>
+              <a:t>Cortex Performance Engine | 6 of 13</a:t>
             </a:r>
           </a:p>
         </p:txBody>
@@ -6216,38 +5734,14 @@
               </a:defRPr>
             </a:pPr>
             <a:r>
-              <a:t>Architecture 1: The E-Commerce Web Application</a:t>
-            </a:r>
-          </a:p>
-        </p:txBody>
-      </p:sp>
-      <p:pic>
-        <p:nvPicPr>
-          <p:cNvPr id="3" name="Picture 2" descr="ecommerce_architecture.gif"/>
-          <p:cNvPicPr>
-            <a:picLocks noChangeAspect="1"/>
-          </p:cNvPicPr>
-          <p:nvPr/>
-        </p:nvPicPr>
-        <p:blipFill>
-          <a:blip r:embed="rId2"/>
-          <a:stretch>
-            <a:fillRect/>
-          </a:stretch>
-        </p:blipFill>
-        <p:spPr>
-          <a:xfrm>
-            <a:off x="457200" y="1645920"/>
-            <a:ext cx="13716000" cy="7715250"/>
-          </a:xfrm>
-          <a:prstGeom prst="rect">
-            <a:avLst/>
-          </a:prstGeom>
-        </p:spPr>
-      </p:pic>
-      <p:sp>
-        <p:nvSpPr>
-          <p:cNvPr id="4" name="TextBox 3"/>
+              <a:t>Architecture Part 1: The High-Level Flow</a:t>
+            </a:r>
+          </a:p>
+        </p:txBody>
+      </p:sp>
+      <p:sp>
+        <p:nvSpPr>
+          <p:cNvPr id="3" name="TextBox 2"/>
           <p:cNvSpPr txBox="1"/>
           <p:nvPr/>
         </p:nvSpPr>
@@ -6275,7 +5769,7 @@
               </a:defRPr>
             </a:pPr>
             <a:r>
-              <a:t>Cortex Performance Engine | 7 of 15</a:t>
+              <a:t>Cortex Performance Engine | 7 of 13</a:t>
             </a:r>
           </a:p>
         </p:txBody>
@@ -6321,45 +5815,21 @@
               </a:defRPr>
             </a:pPr>
             <a:r>
-              <a:t>Architecture 2: The Cortex Performance Engine</a:t>
-            </a:r>
-          </a:p>
-        </p:txBody>
-      </p:sp>
-      <p:pic>
-        <p:nvPicPr>
-          <p:cNvPr id="3" name="Picture 2" descr="cortex_engine_architecture.gif"/>
-          <p:cNvPicPr>
-            <a:picLocks noChangeAspect="1"/>
-          </p:cNvPicPr>
+              <a:t>Architecture Part 2: Rationale &amp; Communication</a:t>
+            </a:r>
+          </a:p>
+        </p:txBody>
+      </p:sp>
+      <p:sp>
+        <p:nvSpPr>
+          <p:cNvPr id="3" name="TextBox 2"/>
+          <p:cNvSpPr txBox="1"/>
           <p:nvPr/>
-        </p:nvPicPr>
-        <p:blipFill>
-          <a:blip r:embed="rId2"/>
-          <a:stretch>
-            <a:fillRect/>
-          </a:stretch>
-        </p:blipFill>
+        </p:nvSpPr>
         <p:spPr>
           <a:xfrm>
-            <a:off x="457200" y="1645920"/>
-            <a:ext cx="13716000" cy="7715250"/>
-          </a:xfrm>
-          <a:prstGeom prst="rect">
-            <a:avLst/>
-          </a:prstGeom>
-        </p:spPr>
-      </p:pic>
-      <p:sp>
-        <p:nvSpPr>
-          <p:cNvPr id="4" name="TextBox 3"/>
-          <p:cNvSpPr txBox="1"/>
-          <p:nvPr/>
-        </p:nvSpPr>
-        <p:spPr>
-          <a:xfrm>
-            <a:off x="457200" y="7772400"/>
-            <a:ext cx="13716000" cy="457200"/>
+            <a:off x="914400" y="1645920"/>
+            <a:ext cx="12801600" cy="5943600"/>
           </a:xfrm>
           <a:prstGeom prst="rect">
             <a:avLst/>
@@ -6367,73 +5837,32 @@
           <a:noFill/>
         </p:spPr>
         <p:txBody>
-          <a:bodyPr wrap="none">
+          <a:bodyPr wrap="square">
             <a:spAutoFit/>
           </a:bodyPr>
           <a:lstStyle/>
-          <a:p>
-            <a:pPr algn="r">
-              <a:defRPr sz="1000">
-                <a:solidFill>
-                  <a:srgbClr val="808080"/>
-                </a:solidFill>
-              </a:defRPr>
+          <a:p/>
+          <a:p>
+            <a:pPr>
+              <a:defRPr b="1" i="0" sz="2400"/>
             </a:pPr>
             <a:r>
-              <a:t>Cortex Performance Engine | 8 of 15</a:t>
-            </a:r>
-          </a:p>
-        </p:txBody>
-      </p:sp>
-    </p:spTree>
-  </p:cSld>
-  <p:clrMapOvr>
-    <a:masterClrMapping/>
-  </p:clrMapOvr>
-</p:sld>
-</file>
-
-<file path=ppt/slides/slide9.xml><?xml version="1.0" encoding="utf-8"?>
-<p:sld xmlns:a="http://schemas.openxmlformats.org/drawingml/2006/main" xmlns:p="http://schemas.openxmlformats.org/presentationml/2006/main" xmlns:r="http://schemas.openxmlformats.org/officeDocument/2006/relationships">
-  <p:cSld>
-    <p:spTree>
-      <p:nvGrpSpPr>
-        <p:cNvPr id="1" name=""/>
-        <p:cNvGrpSpPr/>
-        <p:nvPr/>
-      </p:nvGrpSpPr>
-      <p:grpSpPr/>
-      <p:sp>
-        <p:nvSpPr>
-          <p:cNvPr id="2" name="Title 1"/>
-          <p:cNvSpPr>
-            <a:spLocks noGrp="1"/>
-          </p:cNvSpPr>
-          <p:nvPr>
-            <p:ph type="title"/>
-          </p:nvPr>
-        </p:nvSpPr>
-        <p:spPr/>
-        <p:txBody>
-          <a:bodyPr/>
-          <a:lstStyle/>
-          <a:p>
-            <a:pPr>
-              <a:defRPr b="1">
-                <a:solidFill>
-                  <a:srgbClr val="0052A5"/>
-                </a:solidFill>
-              </a:defRPr>
+              <a:t>How Real-Time Communication Works:</a:t>
+            </a:r>
+          </a:p>
+          <a:p>
+            <a:pPr lvl="1">
+              <a:defRPr b="0" i="0" sz="2400"/>
             </a:pPr>
             <a:r>
-              <a:t>Architecture 3: AWS Services Rationale</a:t>
+              <a:t>The entire process is asynchronous. Step Functions passes a JSON state object between each agent, containing a unique `runId` and pointers to artifacts in the S3 bucket.</a:t>
             </a:r>
           </a:p>
         </p:txBody>
       </p:sp>
       <p:graphicFrame>
         <p:nvGraphicFramePr>
-          <p:cNvPr id="3" name="Table 2"/>
+          <p:cNvPr id="4" name="Table 3"/>
           <p:cNvGraphicFramePr>
             <a:graphicFrameLocks noGrp="1"/>
           </p:cNvGraphicFramePr>
@@ -6450,9 +5879,8 @@
                 <a:tableStyleId>{5C22544A-7EE6-4342-B048-85BDC9FD1C3A}</a:tableStyleId>
               </a:tblPr>
               <a:tblGrid>
-                <a:gridCol w="4267200"/>
-                <a:gridCol w="4267200"/>
-                <a:gridCol w="4267200"/>
+                <a:gridCol w="6400800"/>
+                <a:gridCol w="6400800"/>
               </a:tblGrid>
               <a:tr h="457200">
                 <a:tc>
@@ -6468,30 +5896,7 @@
                         </a:defRPr>
                       </a:pPr>
                       <a:r>
-                        <a:t>Category</a:t>
-                      </a:r>
-                    </a:p>
-                  </a:txBody>
-                  <a:tcPr>
-                    <a:solidFill>
-                      <a:srgbClr val="F2F2F2"/>
-                    </a:solidFill>
-                  </a:tcPr>
-                </a:tc>
-                <a:tc>
-                  <a:txBody>
-                    <a:bodyPr/>
-                    <a:lstStyle/>
-                    <a:p>
-                      <a:pPr>
-                        <a:defRPr b="1" sz="1600">
-                          <a:solidFill>
-                            <a:srgbClr val="0052A5"/>
-                          </a:solidFill>
-                        </a:defRPr>
-                      </a:pPr>
-                      <a:r>
-                        <a:t>Service Chosen</a:t>
+                        <a:t>Service</a:t>
                       </a:r>
                     </a:p>
                   </a:txBody>
@@ -6535,7 +5940,7 @@
                         <a:defRPr sz="1400"/>
                       </a:pPr>
                       <a:r>
-                        <a:t>User Interface</a:t>
+                        <a:t>AWS Step Functions</a:t>
                       </a:r>
                     </a:p>
                   </a:txBody>
@@ -6550,22 +5955,7 @@
                         <a:defRPr sz="1400"/>
                       </a:pPr>
                       <a:r>
-                        <a:t>AWS Lex</a:t>
-                      </a:r>
-                    </a:p>
-                  </a:txBody>
-                  <a:tcPr/>
-                </a:tc>
-                <a:tc>
-                  <a:txBody>
-                    <a:bodyPr/>
-                    <a:lstStyle/>
-                    <a:p>
-                      <a:pPr>
-                        <a:defRPr sz="1400"/>
-                      </a:pPr>
-                      <a:r>
-                        <a:t>Provides a natural language interface, making the powerful backend accessible to everyone without a complex UI.</a:t>
+                        <a:t>Provides visual workflows, error handling, and retries out-of-the-box. Perfect for sequencing agentic tasks. It's the serverless 'brain' of the operation.</a:t>
                       </a:r>
                     </a:p>
                   </a:txBody>
@@ -6582,7 +5972,7 @@
                         <a:defRPr sz="1400"/>
                       </a:pPr>
                       <a:r>
-                        <a:t>Orchestration</a:t>
+                        <a:t>AWS Lambda</a:t>
                       </a:r>
                     </a:p>
                   </a:txBody>
@@ -6597,22 +5987,7 @@
                         <a:defRPr sz="1400"/>
                       </a:pPr>
                       <a:r>
-                        <a:t>AWS Step Functions</a:t>
-                      </a:r>
-                    </a:p>
-                  </a:txBody>
-                  <a:tcPr/>
-                </a:tc>
-                <a:tc>
-                  <a:txBody>
-                    <a:bodyPr/>
-                    <a:lstStyle/>
-                    <a:p>
-                      <a:pPr>
-                        <a:defRPr sz="1400"/>
-                      </a:pPr>
-                      <a:r>
-                        <a:t>Gives us visual workflows, built-in error handling, and state management. It's the perfect serverless 'brain' for our agentic system.</a:t>
+                        <a:t>Ideal for short-lived, event-driven tasks like our agents. We only pay for compute time used, ensuring maximum cost-efficiency. Zero server management.</a:t>
                       </a:r>
                     </a:p>
                   </a:txBody>
@@ -6629,12 +6004,29 @@
                         <a:defRPr sz="1400"/>
                       </a:pPr>
                       <a:r>
-                        <a:t>AI / Machine Learning</a:t>
+                        <a:t>AWS Fargate (Spot)</a:t>
                       </a:r>
                     </a:p>
                   </a:txBody>
                   <a:tcPr/>
                 </a:tc>
+                <a:tc>
+                  <a:txBody>
+                    <a:bodyPr/>
+                    <a:lstStyle/>
+                    <a:p>
+                      <a:pPr>
+                        <a:defRPr sz="1400"/>
+                      </a:pPr>
+                      <a:r>
+                        <a:t>Combines serverless benefits (no EC2 management) with massive cost savings (up to 90% for Spot). Perfect for the containerized JMeter test executor.</a:t>
+                      </a:r>
+                    </a:p>
+                  </a:txBody>
+                  <a:tcPr/>
+                </a:tc>
+              </a:tr>
+              <a:tr h="457200">
                 <a:tc>
                   <a:txBody>
                     <a:bodyPr/>
@@ -6659,7 +6051,7 @@
                         <a:defRPr sz="1400"/>
                       </a:pPr>
                       <a:r>
-                        <a:t>Provides secure, serverless access to powerful foundation models for script generation and report analysis, without any ML overhead.</a:t>
+                        <a:t>Gives us easy, secure access to powerful foundation models without managing ML infrastructure. This is the core of our AI-driven analysis and generation capabilities.</a:t>
                       </a:r>
                     </a:p>
                   </a:txBody>
@@ -6676,7 +6068,7 @@
                         <a:defRPr sz="1400"/>
                       </a:pPr>
                       <a:r>
-                        <a:t>Serverless Compute</a:t>
+                        <a:t>S3 Artifacts Bucket</a:t>
                       </a:r>
                     </a:p>
                   </a:txBody>
@@ -6691,69 +6083,7 @@
                         <a:defRPr sz="1400"/>
                       </a:pPr>
                       <a:r>
-                        <a:t>AWS Lambda</a:t>
-                      </a:r>
-                    </a:p>
-                  </a:txBody>
-                  <a:tcPr/>
-                </a:tc>
-                <a:tc>
-                  <a:txBody>
-                    <a:bodyPr/>
-                    <a:lstStyle/>
-                    <a:p>
-                      <a:pPr>
-                        <a:defRPr sz="1400"/>
-                      </a:pPr>
-                      <a:r>
-                        <a:t>Ideal for short-lived, event-driven tasks like our agents. We only pay per millisecond, ensuring maximum cost-efficiency.</a:t>
-                      </a:r>
-                    </a:p>
-                  </a:txBody>
-                  <a:tcPr/>
-                </a:tc>
-              </a:tr>
-              <a:tr h="457200">
-                <a:tc>
-                  <a:txBody>
-                    <a:bodyPr/>
-                    <a:lstStyle/>
-                    <a:p>
-                      <a:pPr>
-                        <a:defRPr sz="1400"/>
-                      </a:pPr>
-                      <a:r>
-                        <a:t>Container Compute</a:t>
-                      </a:r>
-                    </a:p>
-                  </a:txBody>
-                  <a:tcPr/>
-                </a:tc>
-                <a:tc>
-                  <a:txBody>
-                    <a:bodyPr/>
-                    <a:lstStyle/>
-                    <a:p>
-                      <a:pPr>
-                        <a:defRPr sz="1400"/>
-                      </a:pPr>
-                      <a:r>
-                        <a:t>AWS Fargate Spot</a:t>
-                      </a:r>
-                    </a:p>
-                  </a:txBody>
-                  <a:tcPr/>
-                </a:tc>
-                <a:tc>
-                  <a:txBody>
-                    <a:bodyPr/>
-                    <a:lstStyle/>
-                    <a:p>
-                      <a:pPr>
-                        <a:defRPr sz="1400"/>
-                      </a:pPr>
-                      <a:r>
-                        <a:t>The best of both worlds: serverless container orchestration with massive (up to 90%) cost savings. Perfect for the JMeter load generators.</a:t>
+                        <a:t>Acts as the central, decoupled data bus. Agents communicate indirectly by passing data (logs, scripts, reports) through S3, making the system robust and scalable.</a:t>
                       </a:r>
                     </a:p>
                   </a:txBody>
@@ -6766,7 +6096,7 @@
       </p:graphicFrame>
       <p:sp>
         <p:nvSpPr>
-          <p:cNvPr id="4" name="TextBox 3"/>
+          <p:cNvPr id="5" name="TextBox 4"/>
           <p:cNvSpPr txBox="1"/>
           <p:nvPr/>
         </p:nvSpPr>
@@ -6794,7 +6124,172 @@
               </a:defRPr>
             </a:pPr>
             <a:r>
-              <a:t>Cortex Performance Engine | 9 of 15</a:t>
+              <a:t>Cortex Performance Engine | 8 of 13</a:t>
+            </a:r>
+          </a:p>
+        </p:txBody>
+      </p:sp>
+    </p:spTree>
+  </p:cSld>
+  <p:clrMapOvr>
+    <a:masterClrMapping/>
+  </p:clrMapOvr>
+</p:sld>
+</file>
+
+<file path=ppt/slides/slide9.xml><?xml version="1.0" encoding="utf-8"?>
+<p:sld xmlns:a="http://schemas.openxmlformats.org/drawingml/2006/main" xmlns:p="http://schemas.openxmlformats.org/presentationml/2006/main" xmlns:r="http://schemas.openxmlformats.org/officeDocument/2006/relationships">
+  <p:cSld>
+    <p:spTree>
+      <p:nvGrpSpPr>
+        <p:cNvPr id="1" name=""/>
+        <p:cNvGrpSpPr/>
+        <p:nvPr/>
+      </p:nvGrpSpPr>
+      <p:grpSpPr/>
+      <p:sp>
+        <p:nvSpPr>
+          <p:cNvPr id="2" name="Title 1"/>
+          <p:cNvSpPr>
+            <a:spLocks noGrp="1"/>
+          </p:cNvSpPr>
+          <p:nvPr>
+            <p:ph type="title"/>
+          </p:nvPr>
+        </p:nvSpPr>
+        <p:spPr/>
+        <p:txBody>
+          <a:bodyPr/>
+          <a:lstStyle/>
+          <a:p>
+            <a:pPr>
+              <a:defRPr b="1">
+                <a:solidFill>
+                  <a:srgbClr val="0052A5"/>
+                </a:solidFill>
+              </a:defRPr>
+            </a:pPr>
+            <a:r>
+              <a:t>Key Advantages: The Business Impact</a:t>
+            </a:r>
+          </a:p>
+        </p:txBody>
+      </p:sp>
+      <p:sp>
+        <p:nvSpPr>
+          <p:cNvPr id="3" name="TextBox 2"/>
+          <p:cNvSpPr txBox="1"/>
+          <p:nvPr/>
+        </p:nvSpPr>
+        <p:spPr>
+          <a:xfrm>
+            <a:off x="914400" y="1645920"/>
+            <a:ext cx="12801600" cy="5943600"/>
+          </a:xfrm>
+          <a:prstGeom prst="rect">
+            <a:avLst/>
+          </a:prstGeom>
+          <a:noFill/>
+        </p:spPr>
+        <p:txBody>
+          <a:bodyPr wrap="square">
+            <a:spAutoFit/>
+          </a:bodyPr>
+          <a:lstStyle/>
+          <a:p/>
+          <a:p>
+            <a:pPr>
+              <a:defRPr b="1" i="0" sz="2400"/>
+            </a:pPr>
+            <a:r>
+              <a:t>Accelerated Delivery:</a:t>
+            </a:r>
+            <a:r>
+              <a:rPr b="0" i="0"/>
+              <a:t> Reduce test creation time from weeks to minutes, removing bottlenecks and enabling faster time-to-market.</a:t>
+            </a:r>
+          </a:p>
+          <a:p>
+            <a:pPr>
+              <a:defRPr b="1" i="0" sz="2400"/>
+            </a:pPr>
+            <a:r>
+              <a:t>Drastic Cost Reduction:</a:t>
+            </a:r>
+            <a:r>
+              <a:rPr b="0" i="0"/>
+              <a:t> Save over 90% on infrastructure costs by leveraging a serverless, pay-per-use model instead of always-on servers.</a:t>
+            </a:r>
+          </a:p>
+          <a:p>
+            <a:pPr>
+              <a:defRPr b="1" i="0" sz="2400"/>
+            </a:pPr>
+            <a:r>
+              <a:t>Increased Resilience:</a:t>
+            </a:r>
+            <a:r>
+              <a:rPr b="0" i="0"/>
+              <a:t> Proactively find and fix performance and chaos issues before they impact customers, reducing the risk of costly outages.</a:t>
+            </a:r>
+          </a:p>
+          <a:p>
+            <a:pPr>
+              <a:defRPr b="1" i="0" sz="2400"/>
+            </a:pPr>
+            <a:r>
+              <a:t>Improved Developer Productivity:</a:t>
+            </a:r>
+            <a:r>
+              <a:rPr b="0" i="0"/>
+              <a:t> Automate tedious tasks, freeing up expert engineers to focus on innovation and high-value work.</a:t>
+            </a:r>
+          </a:p>
+          <a:p>
+            <a:pPr>
+              <a:defRPr b="1" i="0" sz="2400"/>
+            </a:pPr>
+            <a:r>
+              <a:t>Democratized Testing:</a:t>
+            </a:r>
+            <a:r>
+              <a:rPr b="0" i="0"/>
+              <a:t> Empower more team members to run sophisticated tests via a simple chatbot, fostering a culture of quality.</a:t>
+            </a:r>
+          </a:p>
+        </p:txBody>
+      </p:sp>
+      <p:sp>
+        <p:nvSpPr>
+          <p:cNvPr id="4" name="TextBox 3"/>
+          <p:cNvSpPr txBox="1"/>
+          <p:nvPr/>
+        </p:nvSpPr>
+        <p:spPr>
+          <a:xfrm>
+            <a:off x="457200" y="7772400"/>
+            <a:ext cx="13716000" cy="457200"/>
+          </a:xfrm>
+          <a:prstGeom prst="rect">
+            <a:avLst/>
+          </a:prstGeom>
+          <a:noFill/>
+        </p:spPr>
+        <p:txBody>
+          <a:bodyPr wrap="none">
+            <a:spAutoFit/>
+          </a:bodyPr>
+          <a:lstStyle/>
+          <a:p>
+            <a:pPr algn="r">
+              <a:defRPr sz="1000">
+                <a:solidFill>
+                  <a:srgbClr val="808080"/>
+                </a:solidFill>
+              </a:defRPr>
+            </a:pPr>
+            <a:r>
+              <a:t>Cortex Performance Engine | 9 of 13</a:t>
             </a:r>
           </a:p>
         </p:txBody>

--- a/Cortex_Performance_Engine_Stakeholder_Presentation.pptx
+++ b/Cortex_Performance_Engine_Stakeholder_Presentation.pptx
@@ -3922,6 +3922,12 @@
             </a:pPr>
             <a:r>
               <a:t>An Intelligent, Agentic Resilience &amp; Performance Platform on AWS</a:t>
+            </a:r>
+          </a:p>
+          <a:p/>
+          <a:p>
+            <a:r>
+              <a:t>Stakeholder Showcase: December 5th</a:t>
             </a:r>
           </a:p>
         </p:txBody>
@@ -4529,7 +4535,7 @@
               <a:defRPr b="1" i="0" sz="2400"/>
             </a:pPr>
             <a:r>
-              <a:t>Phase 1: Deploy &amp; Validate (This Quarter)</a:t>
+              <a:t>Phase 1: Prototype Showcase (Target: December 5th)</a:t>
             </a:r>
           </a:p>
           <a:p>
@@ -4537,7 +4543,7 @@
               <a:defRPr b="0" i="0" sz="2400"/>
             </a:pPr>
             <a:r>
-              <a:t>Deploy the Cortex Engine prototype to AWS.</a:t>
+              <a:t>Finalize prototype deployment to the AWS environment.</a:t>
             </a:r>
           </a:p>
           <a:p>
@@ -4545,7 +4551,7 @@
               <a:defRPr b="0" i="0" sz="2400"/>
             </a:pPr>
             <a:r>
-              <a:t>Integrate with the e-commerce application.</a:t>
+              <a:t>Complete integration with the e-commerce application for end-to-end testing.</a:t>
             </a:r>
           </a:p>
           <a:p>
@@ -4553,7 +4559,7 @@
               <a:defRPr b="0" i="0" sz="2400"/>
             </a:pPr>
             <a:r>
-              <a:t>Execute baseline tests and validate cost savings and performance metrics.</a:t>
+              <a:t>Prepare live demonstration script and validate baseline metrics for comparison.</a:t>
             </a:r>
           </a:p>
           <a:p>
@@ -4561,7 +4567,7 @@
               <a:defRPr b="1" i="0" sz="2400"/>
             </a:pPr>
             <a:r>
-              <a:t>Phase 2: Enhance &amp; Expand (Next Quarter)</a:t>
+              <a:t>Phase 2: Pilot Program (Q1 Next Year)</a:t>
             </a:r>
           </a:p>
           <a:p>
@@ -4823,7 +4829,7 @@
             </a:r>
             <a:r>
               <a:rPr b="0" i="0"/>
-              <a:t> We seek approval to deploy the prototype and integrate it with our primary e-commerce application to validate its business impact.</a:t>
+              <a:t> We seek approval to proceed with the prototype deployment for a stakeholder showcase on December 5th.</a:t>
             </a:r>
           </a:p>
           <a:p>
